--- a/trunk/docs/presentations/OBI workshop May 2012 Ann Arbor/OBI Statistics/OBIstat_Apr82013.pptx
+++ b/trunk/docs/presentations/OBI workshop May 2012 Ann Arbor/OBI Statistics/OBIstat_Apr82013.pptx
@@ -5,10 +5,10 @@
     <p:sldMasterId id="2147483659" r:id="rId1"/>
   </p:sldMasterIdLst>
   <p:notesMasterIdLst>
-    <p:notesMasterId r:id="rId16"/>
+    <p:notesMasterId r:id="rId17"/>
   </p:notesMasterIdLst>
   <p:handoutMasterIdLst>
-    <p:handoutMasterId r:id="rId17"/>
+    <p:handoutMasterId r:id="rId18"/>
   </p:handoutMasterIdLst>
   <p:sldIdLst>
     <p:sldId id="392" r:id="rId2"/>
@@ -20,11 +20,12 @@
     <p:sldId id="765" r:id="rId8"/>
     <p:sldId id="768" r:id="rId9"/>
     <p:sldId id="746" r:id="rId10"/>
-    <p:sldId id="767" r:id="rId11"/>
-    <p:sldId id="754" r:id="rId12"/>
-    <p:sldId id="763" r:id="rId13"/>
-    <p:sldId id="724" r:id="rId14"/>
-    <p:sldId id="753" r:id="rId15"/>
+    <p:sldId id="769" r:id="rId11"/>
+    <p:sldId id="767" r:id="rId12"/>
+    <p:sldId id="754" r:id="rId13"/>
+    <p:sldId id="763" r:id="rId14"/>
+    <p:sldId id="724" r:id="rId15"/>
+    <p:sldId id="753" r:id="rId16"/>
   </p:sldIdLst>
   <p:sldSz cx="9144000" cy="6858000" type="screen4x3"/>
   <p:notesSz cx="6858000" cy="9296400"/>
@@ -1699,7 +1700,7 @@
       </p:grpSpPr>
       <p:sp>
         <p:nvSpPr>
-          <p:cNvPr id="27650" name="Slide Image Placeholder 1"/>
+          <p:cNvPr id="31746" name="Slide Image Placeholder 1"/>
           <p:cNvSpPr>
             <a:spLocks noGrp="1" noRot="1" noChangeAspect="1" noTextEdit="1"/>
           </p:cNvSpPr>
@@ -1713,7 +1714,7 @@
       </p:sp>
       <p:sp>
         <p:nvSpPr>
-          <p:cNvPr id="27651" name="Notes Placeholder 2"/>
+          <p:cNvPr id="31747" name="Notes Placeholder 2"/>
           <p:cNvSpPr>
             <a:spLocks noGrp="1"/>
           </p:cNvSpPr>
@@ -1748,26 +1749,16 @@
           <a:bodyPr/>
           <a:lstStyle/>
           <a:p>
-            <a:pPr algn="ctr"/>
-            <a:r>
-              <a:rPr lang="en-US" sz="1200" dirty="0" smtClean="0">
-                <a:solidFill>
-                  <a:schemeClr val="bg1"/>
-                </a:solidFill>
-              </a:rPr>
-              <a:t>realizes some (concretizes some ‘study design')</a:t>
-            </a:r>
-            <a:endParaRPr lang="en-US" sz="1200" dirty="0">
-              <a:solidFill>
-                <a:schemeClr val="bg1"/>
-              </a:solidFill>
-            </a:endParaRPr>
+            <a:r>
+              <a:rPr lang="en-US" smtClean="0"/>
+              <a:t>Look for other ontologies for such term definitions. </a:t>
+            </a:r>
           </a:p>
         </p:txBody>
       </p:sp>
       <p:sp>
         <p:nvSpPr>
-          <p:cNvPr id="27652" name="Slide Number Placeholder 3"/>
+          <p:cNvPr id="31748" name="Slide Number Placeholder 3"/>
           <p:cNvSpPr>
             <a:spLocks noGrp="1"/>
           </p:cNvSpPr>
@@ -1900,7 +1891,7 @@
           </a:lstStyle>
           <a:p>
             <a:pPr eaLnBrk="1" hangingPunct="1"/>
-            <a:fld id="{E70055CA-9717-4192-AF5E-06C01294DB76}" type="slidenum">
+            <a:fld id="{1AB177BE-42A8-437A-AC81-6F3F6F43F7F2}" type="slidenum">
               <a:rPr lang="en-US" sz="1200" i="0" smtClean="0">
                 <a:solidFill>
                   <a:schemeClr val="tx1"/>
@@ -1995,7 +1986,20 @@
           <a:bodyPr/>
           <a:lstStyle/>
           <a:p>
-            <a:endParaRPr lang="en-US" dirty="0" smtClean="0"/>
+            <a:pPr algn="ctr"/>
+            <a:r>
+              <a:rPr lang="en-US" sz="1200" dirty="0" smtClean="0">
+                <a:solidFill>
+                  <a:schemeClr val="bg1"/>
+                </a:solidFill>
+              </a:rPr>
+              <a:t>realizes some (concretizes some ‘study design')</a:t>
+            </a:r>
+            <a:endParaRPr lang="en-US" sz="1200" dirty="0">
+              <a:solidFill>
+                <a:schemeClr val="bg1"/>
+              </a:solidFill>
+            </a:endParaRPr>
           </a:p>
         </p:txBody>
       </p:sp>
@@ -2180,6 +2184,240 @@
       </p:grpSpPr>
       <p:sp>
         <p:nvSpPr>
+          <p:cNvPr id="27650" name="Slide Image Placeholder 1"/>
+          <p:cNvSpPr>
+            <a:spLocks noGrp="1" noRot="1" noChangeAspect="1" noTextEdit="1"/>
+          </p:cNvSpPr>
+          <p:nvPr>
+            <p:ph type="sldImg"/>
+          </p:nvPr>
+        </p:nvSpPr>
+        <p:spPr>
+          <a:ln/>
+        </p:spPr>
+      </p:sp>
+      <p:sp>
+        <p:nvSpPr>
+          <p:cNvPr id="27651" name="Notes Placeholder 2"/>
+          <p:cNvSpPr>
+            <a:spLocks noGrp="1"/>
+          </p:cNvSpPr>
+          <p:nvPr>
+            <p:ph type="body" idx="1"/>
+          </p:nvPr>
+        </p:nvSpPr>
+        <p:spPr>
+          <a:noFill/>
+          <a:ln/>
+          <a:extLst>
+            <a:ext uri="{909E8E84-426E-40DD-AFC4-6F175D3DCCD1}">
+              <a14:hiddenFill xmlns:a14="http://schemas.microsoft.com/office/drawing/2010/main">
+                <a:solidFill>
+                  <a:srgbClr val="FFFFFF"/>
+                </a:solidFill>
+              </a14:hiddenFill>
+            </a:ext>
+            <a:ext uri="{91240B29-F687-4F45-9708-019B960494DF}">
+              <a14:hiddenLine xmlns:a14="http://schemas.microsoft.com/office/drawing/2010/main" w="9525">
+                <a:solidFill>
+                  <a:srgbClr val="000000"/>
+                </a:solidFill>
+                <a:miter lim="800000"/>
+                <a:headEnd/>
+                <a:tailEnd/>
+              </a14:hiddenLine>
+            </a:ext>
+          </a:extLst>
+        </p:spPr>
+        <p:txBody>
+          <a:bodyPr/>
+          <a:lstStyle/>
+          <a:p>
+            <a:endParaRPr lang="en-US" dirty="0" smtClean="0"/>
+          </a:p>
+        </p:txBody>
+      </p:sp>
+      <p:sp>
+        <p:nvSpPr>
+          <p:cNvPr id="27652" name="Slide Number Placeholder 3"/>
+          <p:cNvSpPr>
+            <a:spLocks noGrp="1"/>
+          </p:cNvSpPr>
+          <p:nvPr>
+            <p:ph type="sldNum" sz="quarter" idx="5"/>
+          </p:nvPr>
+        </p:nvSpPr>
+        <p:spPr>
+          <a:noFill/>
+          <a:ln/>
+          <a:extLst>
+            <a:ext uri="{909E8E84-426E-40DD-AFC4-6F175D3DCCD1}">
+              <a14:hiddenFill xmlns:a14="http://schemas.microsoft.com/office/drawing/2010/main">
+                <a:solidFill>
+                  <a:srgbClr val="FFFFFF"/>
+                </a:solidFill>
+              </a14:hiddenFill>
+            </a:ext>
+            <a:ext uri="{91240B29-F687-4F45-9708-019B960494DF}">
+              <a14:hiddenLine xmlns:a14="http://schemas.microsoft.com/office/drawing/2010/main" w="9525">
+                <a:solidFill>
+                  <a:srgbClr val="000000"/>
+                </a:solidFill>
+                <a:miter lim="800000"/>
+                <a:headEnd/>
+                <a:tailEnd/>
+              </a14:hiddenLine>
+            </a:ext>
+          </a:extLst>
+        </p:spPr>
+        <p:txBody>
+          <a:bodyPr/>
+          <a:lstStyle>
+            <a:lvl1pPr eaLnBrk="0" hangingPunct="0">
+              <a:defRPr sz="2400" i="1">
+                <a:solidFill>
+                  <a:srgbClr val="FFCC00"/>
+                </a:solidFill>
+                <a:latin typeface="Arial" charset="0"/>
+              </a:defRPr>
+            </a:lvl1pPr>
+            <a:lvl2pPr marL="742950" indent="-285750" eaLnBrk="0" hangingPunct="0">
+              <a:defRPr sz="2400" i="1">
+                <a:solidFill>
+                  <a:srgbClr val="FFCC00"/>
+                </a:solidFill>
+                <a:latin typeface="Arial" charset="0"/>
+              </a:defRPr>
+            </a:lvl2pPr>
+            <a:lvl3pPr marL="1143000" indent="-228600" eaLnBrk="0" hangingPunct="0">
+              <a:defRPr sz="2400" i="1">
+                <a:solidFill>
+                  <a:srgbClr val="FFCC00"/>
+                </a:solidFill>
+                <a:latin typeface="Arial" charset="0"/>
+              </a:defRPr>
+            </a:lvl3pPr>
+            <a:lvl4pPr marL="1600200" indent="-228600" eaLnBrk="0" hangingPunct="0">
+              <a:defRPr sz="2400" i="1">
+                <a:solidFill>
+                  <a:srgbClr val="FFCC00"/>
+                </a:solidFill>
+                <a:latin typeface="Arial" charset="0"/>
+              </a:defRPr>
+            </a:lvl4pPr>
+            <a:lvl5pPr marL="2057400" indent="-228600" eaLnBrk="0" hangingPunct="0">
+              <a:defRPr sz="2400" i="1">
+                <a:solidFill>
+                  <a:srgbClr val="FFCC00"/>
+                </a:solidFill>
+                <a:latin typeface="Arial" charset="0"/>
+              </a:defRPr>
+            </a:lvl5pPr>
+            <a:lvl6pPr marL="2514600" indent="-228600" eaLnBrk="0" fontAlgn="base" hangingPunct="0">
+              <a:spcBef>
+                <a:spcPct val="0"/>
+              </a:spcBef>
+              <a:spcAft>
+                <a:spcPct val="0"/>
+              </a:spcAft>
+              <a:defRPr sz="2400" i="1">
+                <a:solidFill>
+                  <a:srgbClr val="FFCC00"/>
+                </a:solidFill>
+                <a:latin typeface="Arial" charset="0"/>
+              </a:defRPr>
+            </a:lvl6pPr>
+            <a:lvl7pPr marL="2971800" indent="-228600" eaLnBrk="0" fontAlgn="base" hangingPunct="0">
+              <a:spcBef>
+                <a:spcPct val="0"/>
+              </a:spcBef>
+              <a:spcAft>
+                <a:spcPct val="0"/>
+              </a:spcAft>
+              <a:defRPr sz="2400" i="1">
+                <a:solidFill>
+                  <a:srgbClr val="FFCC00"/>
+                </a:solidFill>
+                <a:latin typeface="Arial" charset="0"/>
+              </a:defRPr>
+            </a:lvl7pPr>
+            <a:lvl8pPr marL="3429000" indent="-228600" eaLnBrk="0" fontAlgn="base" hangingPunct="0">
+              <a:spcBef>
+                <a:spcPct val="0"/>
+              </a:spcBef>
+              <a:spcAft>
+                <a:spcPct val="0"/>
+              </a:spcAft>
+              <a:defRPr sz="2400" i="1">
+                <a:solidFill>
+                  <a:srgbClr val="FFCC00"/>
+                </a:solidFill>
+                <a:latin typeface="Arial" charset="0"/>
+              </a:defRPr>
+            </a:lvl8pPr>
+            <a:lvl9pPr marL="3886200" indent="-228600" eaLnBrk="0" fontAlgn="base" hangingPunct="0">
+              <a:spcBef>
+                <a:spcPct val="0"/>
+              </a:spcBef>
+              <a:spcAft>
+                <a:spcPct val="0"/>
+              </a:spcAft>
+              <a:defRPr sz="2400" i="1">
+                <a:solidFill>
+                  <a:srgbClr val="FFCC00"/>
+                </a:solidFill>
+                <a:latin typeface="Arial" charset="0"/>
+              </a:defRPr>
+            </a:lvl9pPr>
+          </a:lstStyle>
+          <a:p>
+            <a:pPr eaLnBrk="1" hangingPunct="1"/>
+            <a:fld id="{E70055CA-9717-4192-AF5E-06C01294DB76}" type="slidenum">
+              <a:rPr lang="en-US" sz="1200" i="0" smtClean="0">
+                <a:solidFill>
+                  <a:schemeClr val="tx1"/>
+                </a:solidFill>
+                <a:latin typeface="Times New Roman" pitchFamily="18" charset="0"/>
+              </a:rPr>
+              <a:pPr eaLnBrk="1" hangingPunct="1"/>
+              <a:t>13</a:t>
+            </a:fld>
+            <a:endParaRPr lang="en-US" sz="1200" i="0" smtClean="0">
+              <a:solidFill>
+                <a:schemeClr val="tx1"/>
+              </a:solidFill>
+              <a:latin typeface="Times New Roman" pitchFamily="18" charset="0"/>
+            </a:endParaRPr>
+          </a:p>
+        </p:txBody>
+      </p:sp>
+    </p:spTree>
+  </p:cSld>
+  <p:clrMapOvr>
+    <a:masterClrMapping/>
+  </p:clrMapOvr>
+</p:notes>
+</file>
+
+<file path=ppt/notesSlides/notesSlide8.xml><?xml version="1.0" encoding="utf-8"?>
+<p:notes xmlns:a="http://schemas.openxmlformats.org/drawingml/2006/main" xmlns:r="http://schemas.openxmlformats.org/officeDocument/2006/relationships" xmlns:p="http://schemas.openxmlformats.org/presentationml/2006/main">
+  <p:cSld>
+    <p:spTree>
+      <p:nvGrpSpPr>
+        <p:cNvPr id="1" name=""/>
+        <p:cNvGrpSpPr/>
+        <p:nvPr/>
+      </p:nvGrpSpPr>
+      <p:grpSpPr>
+        <a:xfrm>
+          <a:off x="0" y="0"/>
+          <a:ext cx="0" cy="0"/>
+          <a:chOff x="0" y="0"/>
+          <a:chExt cx="0" cy="0"/>
+        </a:xfrm>
+      </p:grpSpPr>
+      <p:sp>
+        <p:nvSpPr>
           <p:cNvPr id="32770" name="Slide Image Placeholder 1"/>
           <p:cNvSpPr>
             <a:spLocks noGrp="1" noRot="1" noChangeAspect="1" noTextEdit="1"/>
@@ -2376,7 +2614,7 @@
                 <a:latin typeface="Times New Roman" pitchFamily="18" charset="0"/>
               </a:rPr>
               <a:pPr eaLnBrk="1" hangingPunct="1"/>
-              <a:t>13</a:t>
+              <a:t>14</a:t>
             </a:fld>
             <a:endParaRPr lang="en-US" sz="1200" i="0" smtClean="0">
               <a:solidFill>
@@ -5892,7 +6130,7 @@
         <p:spPr>
           <a:xfrm>
             <a:off x="228600" y="381000"/>
-            <a:ext cx="8686800" cy="990600"/>
+            <a:ext cx="8686800" cy="1219200"/>
           </a:xfrm>
           <a:prstGeom prst="roundRect">
             <a:avLst>
@@ -5906,23 +6144,23 @@
           <a:p>
             <a:pPr eaLnBrk="1" hangingPunct="1"/>
             <a:r>
-              <a:rPr lang="en-US" sz="3600" b="1" dirty="0" smtClean="0">
-                <a:latin typeface="Arial" charset="0"/>
-              </a:rPr>
-              <a:t>May move “sampling plan” </a:t>
+              <a:rPr lang="en-US" sz="4000" b="1" dirty="0" smtClean="0">
+                <a:latin typeface="Arial" charset="0"/>
+              </a:rPr>
+              <a:t>‘statistical model’ and</a:t>
             </a:r>
             <a:br>
-              <a:rPr lang="en-US" sz="3600" b="1" dirty="0" smtClean="0">
+              <a:rPr lang="en-US" sz="4000" b="1" dirty="0" smtClean="0">
                 <a:latin typeface="Arial" charset="0"/>
               </a:rPr>
             </a:br>
             <a:r>
-              <a:rPr lang="en-US" sz="3600" b="1" dirty="0" smtClean="0">
-                <a:latin typeface="Arial" charset="0"/>
-              </a:rPr>
-              <a:t>under ‘study design’</a:t>
-            </a:r>
-            <a:endParaRPr lang="en-US" sz="3600" b="1" dirty="0" smtClean="0">
+              <a:rPr lang="en-US" sz="4000" b="1" dirty="0" smtClean="0">
+                <a:latin typeface="Arial" charset="0"/>
+              </a:rPr>
+              <a:t>‘probability distribution’</a:t>
+            </a:r>
+            <a:endParaRPr lang="en-US" sz="4000" b="1" dirty="0" smtClean="0">
               <a:latin typeface="Arial" charset="0"/>
             </a:endParaRPr>
           </a:p>
@@ -5938,8 +6176,8 @@
         </p:nvSpPr>
         <p:spPr bwMode="auto">
           <a:xfrm>
-            <a:off x="193344" y="1752600"/>
-            <a:ext cx="5105400" cy="4495800"/>
+            <a:off x="381000" y="2056118"/>
+            <a:ext cx="4724400" cy="4114800"/>
           </a:xfrm>
           <a:prstGeom prst="rect">
             <a:avLst/>
@@ -6087,52 +6325,16 @@
                 </a:solidFill>
                 <a:cs typeface="Arial" charset="0"/>
               </a:rPr>
-              <a:t>Study design </a:t>
-            </a:r>
-            <a:r>
-              <a:rPr lang="en-US" i="0" dirty="0" err="1" smtClean="0">
+              <a:t>Initially the term ‘probability distribution’ wa</a:t>
+            </a:r>
+            <a:r>
+              <a:rPr lang="en-US" i="0" dirty="0" smtClean="0">
                 <a:solidFill>
                   <a:schemeClr val="bg1"/>
                 </a:solidFill>
                 <a:cs typeface="Arial" charset="0"/>
               </a:rPr>
-              <a:t>Def</a:t>
-            </a:r>
-            <a:r>
-              <a:rPr lang="en-US" i="0" dirty="0">
-                <a:solidFill>
-                  <a:schemeClr val="bg1"/>
-                </a:solidFill>
-                <a:cs typeface="Arial" charset="0"/>
-              </a:rPr>
-              <a:t>: </a:t>
-            </a:r>
-            <a:r>
-              <a:rPr lang="en-US" i="0" dirty="0" smtClean="0">
-                <a:solidFill>
-                  <a:schemeClr val="bg1"/>
-                </a:solidFill>
-                <a:cs typeface="Arial" charset="0"/>
-              </a:rPr>
-              <a:t>“</a:t>
-            </a:r>
-            <a:r>
-              <a:rPr lang="en-US" dirty="0">
-                <a:solidFill>
-                  <a:schemeClr val="bg1"/>
-                </a:solidFill>
-                <a:cs typeface="Arial" charset="0"/>
-              </a:rPr>
-              <a:t>A study design is a plan specification comprised of protocols (which may specify how and what kinds of data will be gathered) that are executed as part of an investigation and is realized during a study design execution.</a:t>
-            </a:r>
-            <a:r>
-              <a:rPr lang="en-US" i="0" dirty="0" smtClean="0">
-                <a:solidFill>
-                  <a:schemeClr val="bg1"/>
-                </a:solidFill>
-                <a:cs typeface="Arial" charset="0"/>
-              </a:rPr>
-              <a:t>”</a:t>
+              <a:t>s classified under ‘data item’, and the term ‘statistical model’ was under ‘data transformation’.</a:t>
             </a:r>
           </a:p>
           <a:p>
@@ -6173,43 +6375,34 @@
                 </a:solidFill>
                 <a:cs typeface="Arial" charset="0"/>
               </a:rPr>
-              <a:t>Sampling plan </a:t>
-            </a:r>
-            <a:r>
-              <a:rPr lang="en-US" i="0" dirty="0" err="1" smtClean="0">
+              <a:t> After discussion in the OBI call in April 8</a:t>
+            </a:r>
+            <a:r>
+              <a:rPr lang="en-US" i="0" baseline="30000" dirty="0" smtClean="0">
                 <a:solidFill>
                   <a:schemeClr val="bg1"/>
                 </a:solidFill>
                 <a:cs typeface="Arial" charset="0"/>
               </a:rPr>
-              <a:t>def</a:t>
-            </a:r>
-            <a:r>
-              <a:rPr lang="en-US" i="0" dirty="0">
+              <a:t>th</a:t>
+            </a:r>
+            <a:r>
+              <a:rPr lang="en-US" i="0" dirty="0" smtClean="0">
                 <a:solidFill>
                   <a:schemeClr val="bg1"/>
                 </a:solidFill>
                 <a:cs typeface="Arial" charset="0"/>
               </a:rPr>
-              <a:t>: “</a:t>
-            </a:r>
-            <a:r>
-              <a:rPr lang="en-US" dirty="0">
+              <a:t>, 2013, I have transferred them under ‘directive information entity’, which appears </a:t>
+            </a:r>
+            <a:r>
+              <a:rPr lang="en-US" i="0" dirty="0" smtClean="0">
                 <a:solidFill>
                   <a:schemeClr val="bg1"/>
                 </a:solidFill>
                 <a:cs typeface="Arial" charset="0"/>
               </a:rPr>
-              <a:t>a plan specification that provides a detailed outline of which measurements will be taken at what times, on which material, in what manner, and by whom.</a:t>
-            </a:r>
-            <a:r>
-              <a:rPr lang="en-US" i="0" dirty="0">
-                <a:solidFill>
-                  <a:schemeClr val="bg1"/>
-                </a:solidFill>
-                <a:cs typeface="Arial" charset="0"/>
-              </a:rPr>
-              <a:t>”</a:t>
+              <a:t>to have the maximum consensus. </a:t>
             </a:r>
             <a:endParaRPr lang="en-US" i="0" dirty="0" smtClean="0">
               <a:solidFill>
@@ -6222,7 +6415,7 @@
       </p:sp>
       <p:pic>
         <p:nvPicPr>
-          <p:cNvPr id="2050" name="Picture 2"/>
+          <p:cNvPr id="5122" name="Picture 2"/>
           <p:cNvPicPr>
             <a:picLocks noChangeAspect="1" noChangeArrowheads="1"/>
           </p:cNvPicPr>
@@ -6243,8 +6436,8 @@
         </p:blipFill>
         <p:spPr bwMode="auto">
           <a:xfrm>
-            <a:off x="5334000" y="1981200"/>
-            <a:ext cx="3733800" cy="3433091"/>
+            <a:off x="5334000" y="1979918"/>
+            <a:ext cx="3276600" cy="4192282"/>
           </a:xfrm>
           <a:prstGeom prst="rect">
             <a:avLst/>
@@ -6274,10 +6467,166 @@
           </a:extLst>
         </p:spPr>
       </p:pic>
+      <p:sp>
+        <p:nvSpPr>
+          <p:cNvPr id="6" name="Oval 5"/>
+          <p:cNvSpPr/>
+          <p:nvPr/>
+        </p:nvSpPr>
+        <p:spPr bwMode="auto">
+          <a:xfrm>
+            <a:off x="5334000" y="2137775"/>
+            <a:ext cx="2042984" cy="300423"/>
+          </a:xfrm>
+          <a:prstGeom prst="ellipse">
+            <a:avLst/>
+          </a:prstGeom>
+          <a:solidFill>
+            <a:srgbClr val="FF3300">
+              <a:alpha val="0"/>
+            </a:srgbClr>
+          </a:solidFill>
+          <a:ln>
+            <a:solidFill>
+              <a:srgbClr val="FF0000"/>
+            </a:solidFill>
+            <a:headEnd type="none" w="med" len="med"/>
+            <a:tailEnd type="none" w="med" len="med"/>
+          </a:ln>
+        </p:spPr>
+        <p:style>
+          <a:lnRef idx="2">
+            <a:schemeClr val="accent2"/>
+          </a:lnRef>
+          <a:fillRef idx="1">
+            <a:schemeClr val="lt1"/>
+          </a:fillRef>
+          <a:effectRef idx="0">
+            <a:schemeClr val="accent2"/>
+          </a:effectRef>
+          <a:fontRef idx="minor">
+            <a:schemeClr val="dk1"/>
+          </a:fontRef>
+        </p:style>
+        <p:txBody>
+          <a:bodyPr vert="horz" wrap="square" lIns="91440" tIns="45720" rIns="91440" bIns="45720" numCol="1" rtlCol="0" anchor="t" anchorCtr="0" compatLnSpc="1">
+            <a:prstTxWarp prst="textNoShape">
+              <a:avLst/>
+            </a:prstTxWarp>
+          </a:bodyPr>
+          <a:lstStyle/>
+          <a:p>
+            <a:pPr marL="0" marR="0" indent="0" algn="l" defTabSz="914400" rtl="0" eaLnBrk="0" fontAlgn="base" latinLnBrk="0" hangingPunct="0">
+              <a:lnSpc>
+                <a:spcPct val="100000"/>
+              </a:lnSpc>
+              <a:spcBef>
+                <a:spcPct val="0"/>
+              </a:spcBef>
+              <a:spcAft>
+                <a:spcPct val="0"/>
+              </a:spcAft>
+              <a:buClrTx/>
+              <a:buSzTx/>
+              <a:buFontTx/>
+              <a:buNone/>
+              <a:tabLst/>
+            </a:pPr>
+            <a:endParaRPr kumimoji="0" lang="en-US" sz="2400" b="0" i="1" u="none" strike="noStrike" cap="none" normalizeH="0" baseline="0" smtClean="0">
+              <a:ln>
+                <a:noFill/>
+              </a:ln>
+              <a:solidFill>
+                <a:srgbClr val="FF0000"/>
+              </a:solidFill>
+              <a:effectLst/>
+              <a:latin typeface="Arial" charset="0"/>
+            </a:endParaRPr>
+          </a:p>
+        </p:txBody>
+      </p:sp>
+      <p:sp>
+        <p:nvSpPr>
+          <p:cNvPr id="7" name="Oval 6"/>
+          <p:cNvSpPr/>
+          <p:nvPr/>
+        </p:nvSpPr>
+        <p:spPr bwMode="auto">
+          <a:xfrm>
+            <a:off x="5346354" y="3173942"/>
+            <a:ext cx="2327192" cy="300423"/>
+          </a:xfrm>
+          <a:prstGeom prst="ellipse">
+            <a:avLst/>
+          </a:prstGeom>
+          <a:solidFill>
+            <a:srgbClr val="FF3300">
+              <a:alpha val="0"/>
+            </a:srgbClr>
+          </a:solidFill>
+          <a:ln>
+            <a:solidFill>
+              <a:srgbClr val="FF0000"/>
+            </a:solidFill>
+            <a:headEnd type="none" w="med" len="med"/>
+            <a:tailEnd type="none" w="med" len="med"/>
+          </a:ln>
+        </p:spPr>
+        <p:style>
+          <a:lnRef idx="2">
+            <a:schemeClr val="accent2"/>
+          </a:lnRef>
+          <a:fillRef idx="1">
+            <a:schemeClr val="lt1"/>
+          </a:fillRef>
+          <a:effectRef idx="0">
+            <a:schemeClr val="accent2"/>
+          </a:effectRef>
+          <a:fontRef idx="minor">
+            <a:schemeClr val="dk1"/>
+          </a:fontRef>
+        </p:style>
+        <p:txBody>
+          <a:bodyPr vert="horz" wrap="square" lIns="91440" tIns="45720" rIns="91440" bIns="45720" numCol="1" rtlCol="0" anchor="t" anchorCtr="0" compatLnSpc="1">
+            <a:prstTxWarp prst="textNoShape">
+              <a:avLst/>
+            </a:prstTxWarp>
+          </a:bodyPr>
+          <a:lstStyle/>
+          <a:p>
+            <a:pPr marL="0" marR="0" indent="0" algn="l" defTabSz="914400" rtl="0" eaLnBrk="0" fontAlgn="base" latinLnBrk="0" hangingPunct="0">
+              <a:lnSpc>
+                <a:spcPct val="100000"/>
+              </a:lnSpc>
+              <a:spcBef>
+                <a:spcPct val="0"/>
+              </a:spcBef>
+              <a:spcAft>
+                <a:spcPct val="0"/>
+              </a:spcAft>
+              <a:buClrTx/>
+              <a:buSzTx/>
+              <a:buFontTx/>
+              <a:buNone/>
+              <a:tabLst/>
+            </a:pPr>
+            <a:endParaRPr kumimoji="0" lang="en-US" sz="2400" b="0" i="1" u="none" strike="noStrike" cap="none" normalizeH="0" baseline="0" smtClean="0">
+              <a:ln>
+                <a:noFill/>
+              </a:ln>
+              <a:solidFill>
+                <a:srgbClr val="FF0000"/>
+              </a:solidFill>
+              <a:effectLst/>
+              <a:latin typeface="Arial" charset="0"/>
+            </a:endParaRPr>
+          </a:p>
+        </p:txBody>
+      </p:sp>
     </p:spTree>
     <p:extLst>
       <p:ext uri="{BB962C8B-B14F-4D97-AF65-F5344CB8AC3E}">
-        <p14:creationId xmlns:p14="http://schemas.microsoft.com/office/powerpoint/2010/main" val="2376129874"/>
+        <p14:creationId xmlns:p14="http://schemas.microsoft.com/office/powerpoint/2010/main" val="1093257612"/>
       </p:ext>
     </p:extLst>
   </p:cSld>
@@ -6313,7 +6662,7 @@
       </p:grpSpPr>
       <p:sp>
         <p:nvSpPr>
-          <p:cNvPr id="6147" name="Rectangle 2"/>
+          <p:cNvPr id="17410" name="Rectangle 2"/>
           <p:cNvSpPr>
             <a:spLocks noGrp="1" noChangeArrowheads="1"/>
           </p:cNvSpPr>
@@ -6323,8 +6672,8 @@
         </p:nvSpPr>
         <p:spPr>
           <a:xfrm>
-            <a:off x="381000" y="304800"/>
-            <a:ext cx="8305800" cy="1066800"/>
+            <a:off x="228600" y="381000"/>
+            <a:ext cx="8686800" cy="1219200"/>
           </a:xfrm>
           <a:prstGeom prst="roundRect">
             <a:avLst>
@@ -6338,494 +6687,49 @@
           <a:p>
             <a:pPr eaLnBrk="1" hangingPunct="1"/>
             <a:r>
-              <a:rPr lang="en-US" sz="3200" b="1" dirty="0" smtClean="0">
-                <a:latin typeface="Arial" charset="0"/>
-              </a:rPr>
-              <a:t>OBI Biostatistics Subset Design Pattern</a:t>
+              <a:rPr lang="en-US" sz="3600" b="1" dirty="0" smtClean="0">
+                <a:latin typeface="Arial" charset="0"/>
+              </a:rPr>
+              <a:t>Make the ‘sampling plan’ </a:t>
+            </a:r>
+            <a:r>
+              <a:rPr lang="en-US" sz="3600" b="1" dirty="0" smtClean="0">
+                <a:latin typeface="Arial" charset="0"/>
+              </a:rPr>
+              <a:t/>
+            </a:r>
+            <a:br>
+              <a:rPr lang="en-US" sz="3600" b="1" dirty="0" smtClean="0">
+                <a:latin typeface="Arial" charset="0"/>
+              </a:rPr>
+            </a:br>
+            <a:r>
+              <a:rPr lang="en-US" sz="3600" b="1" dirty="0" smtClean="0">
+                <a:latin typeface="Arial" charset="0"/>
+              </a:rPr>
+              <a:t>a subclass of ‘</a:t>
+            </a:r>
+            <a:r>
+              <a:rPr lang="en-US" sz="3600" b="1" dirty="0" smtClean="0">
+                <a:latin typeface="Arial" charset="0"/>
+              </a:rPr>
+              <a:t>study design’</a:t>
             </a:r>
           </a:p>
         </p:txBody>
       </p:sp>
       <p:sp>
         <p:nvSpPr>
-          <p:cNvPr id="6148" name="Rectangle 3"/>
-          <p:cNvSpPr>
-            <a:spLocks noGrp="1" noChangeArrowheads="1"/>
-          </p:cNvSpPr>
-          <p:nvPr>
-            <p:ph type="body" idx="1"/>
-          </p:nvPr>
-        </p:nvSpPr>
-        <p:spPr>
-          <a:xfrm>
-            <a:off x="827088" y="6019800"/>
-            <a:ext cx="7772400" cy="609600"/>
-          </a:xfrm>
-        </p:spPr>
-        <p:txBody>
-          <a:bodyPr/>
-          <a:lstStyle/>
-          <a:p>
-            <a:pPr marL="0" indent="0" algn="ctr" eaLnBrk="1" hangingPunct="1">
-              <a:lnSpc>
-                <a:spcPct val="80000"/>
-              </a:lnSpc>
-              <a:buNone/>
-            </a:pPr>
-            <a:r>
-              <a:rPr lang="en-US" sz="2400" dirty="0" smtClean="0">
-                <a:solidFill>
-                  <a:schemeClr val="bg1"/>
-                </a:solidFill>
-                <a:latin typeface="Arial" charset="0"/>
-                <a:cs typeface="Arial" charset="0"/>
-              </a:rPr>
-              <a:t>What about a specific statistics test?</a:t>
-            </a:r>
-          </a:p>
-        </p:txBody>
-      </p:sp>
-      <p:sp>
-        <p:nvSpPr>
-          <p:cNvPr id="6149" name="Rectangle 2"/>
-          <p:cNvSpPr>
+          <p:cNvPr id="4" name="Rectangle 3"/>
+          <p:cNvSpPr txBox="1">
             <a:spLocks noChangeArrowheads="1"/>
           </p:cNvSpPr>
           <p:nvPr/>
         </p:nvSpPr>
         <p:spPr bwMode="auto">
           <a:xfrm>
-            <a:off x="506413" y="1758950"/>
-            <a:ext cx="1524000" cy="706438"/>
-          </a:xfrm>
-          <a:prstGeom prst="rect">
-            <a:avLst/>
-          </a:prstGeom>
-          <a:noFill/>
-          <a:ln w="9525">
-            <a:solidFill>
-              <a:schemeClr val="bg1"/>
-            </a:solidFill>
-            <a:miter lim="800000"/>
-            <a:headEnd/>
-            <a:tailEnd/>
-          </a:ln>
-          <a:extLst>
-            <a:ext uri="{909E8E84-426E-40DD-AFC4-6F175D3DCCD1}">
-              <a14:hiddenFill xmlns:a14="http://schemas.microsoft.com/office/drawing/2010/main">
-                <a:solidFill>
-                  <a:srgbClr val="FFFFFF"/>
-                </a:solidFill>
-              </a14:hiddenFill>
-            </a:ext>
-          </a:extLst>
-        </p:spPr>
-        <p:txBody>
-          <a:bodyPr>
-            <a:spAutoFit/>
-          </a:bodyPr>
-          <a:lstStyle/>
-          <a:p>
-            <a:pPr algn="ctr"/>
-            <a:r>
-              <a:rPr lang="en-US" sz="2000" i="0">
-                <a:solidFill>
-                  <a:schemeClr val="bg1"/>
-                </a:solidFill>
-              </a:rPr>
-              <a:t>Study design</a:t>
-            </a:r>
-          </a:p>
-        </p:txBody>
-      </p:sp>
-      <p:sp>
-        <p:nvSpPr>
-          <p:cNvPr id="6150" name="Rectangle 8"/>
-          <p:cNvSpPr>
-            <a:spLocks noChangeArrowheads="1"/>
-          </p:cNvSpPr>
-          <p:nvPr/>
-        </p:nvSpPr>
-        <p:spPr bwMode="auto">
-          <a:xfrm>
-            <a:off x="3200400" y="1752600"/>
-            <a:ext cx="1665288" cy="708025"/>
-          </a:xfrm>
-          <a:prstGeom prst="rect">
-            <a:avLst/>
-          </a:prstGeom>
-          <a:noFill/>
-          <a:ln w="9525">
-            <a:solidFill>
-              <a:schemeClr val="bg1"/>
-            </a:solidFill>
-            <a:miter lim="800000"/>
-            <a:headEnd/>
-            <a:tailEnd/>
-          </a:ln>
-          <a:extLst>
-            <a:ext uri="{909E8E84-426E-40DD-AFC4-6F175D3DCCD1}">
-              <a14:hiddenFill xmlns:a14="http://schemas.microsoft.com/office/drawing/2010/main">
-                <a:solidFill>
-                  <a:srgbClr val="FFFFFF"/>
-                </a:solidFill>
-              </a14:hiddenFill>
-            </a:ext>
-          </a:extLst>
-        </p:spPr>
-        <p:txBody>
-          <a:bodyPr>
-            <a:spAutoFit/>
-          </a:bodyPr>
-          <a:lstStyle/>
-          <a:p>
-            <a:pPr algn="ctr"/>
-            <a:r>
-              <a:rPr lang="en-US" sz="2000" i="0">
-                <a:solidFill>
-                  <a:schemeClr val="bg1"/>
-                </a:solidFill>
-              </a:rPr>
-              <a:t>hypothesis textual entity</a:t>
-            </a:r>
-          </a:p>
-        </p:txBody>
-      </p:sp>
-      <p:sp>
-        <p:nvSpPr>
-          <p:cNvPr id="6151" name="Rectangle 9"/>
-          <p:cNvSpPr>
-            <a:spLocks noChangeArrowheads="1"/>
-          </p:cNvSpPr>
-          <p:nvPr/>
-        </p:nvSpPr>
-        <p:spPr bwMode="auto">
-          <a:xfrm>
-            <a:off x="3036888" y="3489325"/>
-            <a:ext cx="2095500" cy="708025"/>
-          </a:xfrm>
-          <a:prstGeom prst="rect">
-            <a:avLst/>
-          </a:prstGeom>
-          <a:noFill/>
-          <a:ln w="9525">
-            <a:solidFill>
-              <a:schemeClr val="bg1"/>
-            </a:solidFill>
-            <a:miter lim="800000"/>
-            <a:headEnd/>
-            <a:tailEnd/>
-          </a:ln>
-          <a:extLst>
-            <a:ext uri="{909E8E84-426E-40DD-AFC4-6F175D3DCCD1}">
-              <a14:hiddenFill xmlns:a14="http://schemas.microsoft.com/office/drawing/2010/main">
-                <a:solidFill>
-                  <a:srgbClr val="FFFFFF"/>
-                </a:solidFill>
-              </a14:hiddenFill>
-            </a:ext>
-          </a:extLst>
-        </p:spPr>
-        <p:txBody>
-          <a:bodyPr>
-            <a:spAutoFit/>
-          </a:bodyPr>
-          <a:lstStyle/>
-          <a:p>
-            <a:pPr algn="ctr"/>
-            <a:r>
-              <a:rPr lang="en-US" sz="2000" i="0">
-                <a:solidFill>
-                  <a:schemeClr val="bg1"/>
-                </a:solidFill>
-              </a:rPr>
-              <a:t>data item</a:t>
-            </a:r>
-          </a:p>
-          <a:p>
-            <a:pPr algn="ctr"/>
-            <a:r>
-              <a:rPr lang="en-US" sz="2000" i="0">
-                <a:solidFill>
-                  <a:schemeClr val="bg1"/>
-                </a:solidFill>
-              </a:rPr>
-              <a:t>(input data set) </a:t>
-            </a:r>
-          </a:p>
-        </p:txBody>
-      </p:sp>
-      <p:sp>
-        <p:nvSpPr>
-          <p:cNvPr id="6152" name="Rectangle 10"/>
-          <p:cNvSpPr>
-            <a:spLocks noChangeArrowheads="1"/>
-          </p:cNvSpPr>
-          <p:nvPr/>
-        </p:nvSpPr>
-        <p:spPr bwMode="auto">
-          <a:xfrm>
-            <a:off x="6465888" y="3490913"/>
-            <a:ext cx="2133600" cy="708025"/>
-          </a:xfrm>
-          <a:prstGeom prst="rect">
-            <a:avLst/>
-          </a:prstGeom>
-          <a:noFill/>
-          <a:ln w="9525">
-            <a:solidFill>
-              <a:schemeClr val="bg1"/>
-            </a:solidFill>
-            <a:miter lim="800000"/>
-            <a:headEnd/>
-            <a:tailEnd/>
-          </a:ln>
-          <a:extLst>
-            <a:ext uri="{909E8E84-426E-40DD-AFC4-6F175D3DCCD1}">
-              <a14:hiddenFill xmlns:a14="http://schemas.microsoft.com/office/drawing/2010/main">
-                <a:solidFill>
-                  <a:srgbClr val="FFFFFF"/>
-                </a:solidFill>
-              </a14:hiddenFill>
-            </a:ext>
-          </a:extLst>
-        </p:spPr>
-        <p:txBody>
-          <a:bodyPr>
-            <a:spAutoFit/>
-          </a:bodyPr>
-          <a:lstStyle/>
-          <a:p>
-            <a:pPr algn="ctr"/>
-            <a:r>
-              <a:rPr lang="en-US" sz="2000" i="0">
-                <a:solidFill>
-                  <a:schemeClr val="bg1"/>
-                </a:solidFill>
-              </a:rPr>
-              <a:t>data transformation</a:t>
-            </a:r>
-          </a:p>
-        </p:txBody>
-      </p:sp>
-      <p:cxnSp>
-        <p:nvCxnSpPr>
-          <p:cNvPr id="6153" name="Straight Connector 4"/>
-          <p:cNvCxnSpPr>
-            <a:cxnSpLocks noChangeShapeType="1"/>
-            <a:stCxn id="6150" idx="1"/>
-            <a:endCxn id="6149" idx="3"/>
-          </p:cNvCxnSpPr>
-          <p:nvPr/>
-        </p:nvCxnSpPr>
-        <p:spPr bwMode="auto">
-          <a:xfrm flipH="1">
-            <a:off x="2030413" y="2106613"/>
-            <a:ext cx="1169987" cy="6350"/>
-          </a:xfrm>
-          <a:prstGeom prst="line">
-            <a:avLst/>
-          </a:prstGeom>
-          <a:noFill/>
-          <a:ln w="12700" algn="ctr">
-            <a:solidFill>
-              <a:schemeClr val="bg1"/>
-            </a:solidFill>
-            <a:round/>
-            <a:headEnd/>
-            <a:tailEnd/>
-          </a:ln>
-          <a:extLst>
-            <a:ext uri="{909E8E84-426E-40DD-AFC4-6F175D3DCCD1}">
-              <a14:hiddenFill xmlns:a14="http://schemas.microsoft.com/office/drawing/2010/main">
-                <a:noFill/>
-              </a14:hiddenFill>
-            </a:ext>
-          </a:extLst>
-        </p:spPr>
-      </p:cxnSp>
-      <p:sp>
-        <p:nvSpPr>
-          <p:cNvPr id="6154" name="Rectangle 16"/>
-          <p:cNvSpPr>
-            <a:spLocks noChangeArrowheads="1"/>
-          </p:cNvSpPr>
-          <p:nvPr/>
-        </p:nvSpPr>
-        <p:spPr bwMode="auto">
-          <a:xfrm>
-            <a:off x="3036888" y="4894263"/>
-            <a:ext cx="2133600" cy="400050"/>
-          </a:xfrm>
-          <a:prstGeom prst="rect">
-            <a:avLst/>
-          </a:prstGeom>
-          <a:noFill/>
-          <a:ln w="9525">
-            <a:solidFill>
-              <a:schemeClr val="bg1"/>
-            </a:solidFill>
-            <a:miter lim="800000"/>
-            <a:headEnd/>
-            <a:tailEnd/>
-          </a:ln>
-          <a:extLst>
-            <a:ext uri="{909E8E84-426E-40DD-AFC4-6F175D3DCCD1}">
-              <a14:hiddenFill xmlns:a14="http://schemas.microsoft.com/office/drawing/2010/main">
-                <a:solidFill>
-                  <a:srgbClr val="FFFFFF"/>
-                </a:solidFill>
-              </a14:hiddenFill>
-            </a:ext>
-          </a:extLst>
-        </p:spPr>
-        <p:txBody>
-          <a:bodyPr>
-            <a:spAutoFit/>
-          </a:bodyPr>
-          <a:lstStyle/>
-          <a:p>
-            <a:pPr algn="ctr"/>
-            <a:r>
-              <a:rPr lang="en-US" sz="2000" i="0" dirty="0">
-                <a:solidFill>
-                  <a:schemeClr val="bg1"/>
-                </a:solidFill>
-              </a:rPr>
-              <a:t>data visualization</a:t>
-            </a:r>
-          </a:p>
-        </p:txBody>
-      </p:sp>
-      <p:sp>
-        <p:nvSpPr>
-          <p:cNvPr id="6155" name="Rectangle 18"/>
-          <p:cNvSpPr>
-            <a:spLocks noChangeArrowheads="1"/>
-          </p:cNvSpPr>
-          <p:nvPr/>
-        </p:nvSpPr>
-        <p:spPr bwMode="auto">
-          <a:xfrm>
-            <a:off x="6172200" y="4930775"/>
-            <a:ext cx="2743200" cy="708025"/>
-          </a:xfrm>
-          <a:prstGeom prst="rect">
-            <a:avLst/>
-          </a:prstGeom>
-          <a:noFill/>
-          <a:ln w="9525">
-            <a:solidFill>
-              <a:schemeClr val="bg1"/>
-            </a:solidFill>
-            <a:miter lim="800000"/>
-            <a:headEnd/>
-            <a:tailEnd/>
-          </a:ln>
-          <a:extLst>
-            <a:ext uri="{909E8E84-426E-40DD-AFC4-6F175D3DCCD1}">
-              <a14:hiddenFill xmlns:a14="http://schemas.microsoft.com/office/drawing/2010/main">
-                <a:solidFill>
-                  <a:srgbClr val="FFFFFF"/>
-                </a:solidFill>
-              </a14:hiddenFill>
-            </a:ext>
-          </a:extLst>
-        </p:spPr>
-        <p:txBody>
-          <a:bodyPr>
-            <a:spAutoFit/>
-          </a:bodyPr>
-          <a:lstStyle/>
-          <a:p>
-            <a:pPr algn="ctr"/>
-            <a:r>
-              <a:rPr lang="en-US" sz="2000" i="0" dirty="0">
-                <a:solidFill>
-                  <a:schemeClr val="bg1"/>
-                </a:solidFill>
-              </a:rPr>
-              <a:t>data transformation objective</a:t>
-            </a:r>
-          </a:p>
-        </p:txBody>
-      </p:sp>
-      <p:sp>
-        <p:nvSpPr>
-          <p:cNvPr id="6156" name="Rectangle 21"/>
-          <p:cNvSpPr>
-            <a:spLocks noChangeArrowheads="1"/>
-          </p:cNvSpPr>
-          <p:nvPr/>
-        </p:nvSpPr>
-        <p:spPr bwMode="auto">
-          <a:xfrm>
-            <a:off x="6542088" y="1752600"/>
-            <a:ext cx="1905000" cy="708025"/>
-          </a:xfrm>
-          <a:prstGeom prst="rect">
-            <a:avLst/>
-          </a:prstGeom>
-          <a:noFill/>
-          <a:ln w="9525">
-            <a:solidFill>
-              <a:schemeClr val="bg1"/>
-            </a:solidFill>
-            <a:miter lim="800000"/>
-            <a:headEnd/>
-            <a:tailEnd/>
-          </a:ln>
-          <a:extLst>
-            <a:ext uri="{909E8E84-426E-40DD-AFC4-6F175D3DCCD1}">
-              <a14:hiddenFill xmlns:a14="http://schemas.microsoft.com/office/drawing/2010/main">
-                <a:solidFill>
-                  <a:srgbClr val="FFFFFF"/>
-                </a:solidFill>
-              </a14:hiddenFill>
-            </a:ext>
-          </a:extLst>
-        </p:spPr>
-        <p:txBody>
-          <a:bodyPr>
-            <a:spAutoFit/>
-          </a:bodyPr>
-          <a:lstStyle/>
-          <a:p>
-            <a:pPr algn="ctr"/>
-            <a:r>
-              <a:rPr lang="en-US" sz="2000" i="0">
-                <a:solidFill>
-                  <a:schemeClr val="bg1"/>
-                </a:solidFill>
-              </a:rPr>
-              <a:t>data item</a:t>
-            </a:r>
-          </a:p>
-          <a:p>
-            <a:pPr algn="ctr"/>
-            <a:r>
-              <a:rPr lang="en-US" sz="2000" i="0">
-                <a:solidFill>
-                  <a:schemeClr val="bg1"/>
-                </a:solidFill>
-              </a:rPr>
-              <a:t>(e.g., p-value) </a:t>
-            </a:r>
-          </a:p>
-        </p:txBody>
-      </p:sp>
-      <p:sp>
-        <p:nvSpPr>
-          <p:cNvPr id="6157" name="Rectangle 22"/>
-          <p:cNvSpPr>
-            <a:spLocks noChangeArrowheads="1"/>
-          </p:cNvSpPr>
-          <p:nvPr/>
-        </p:nvSpPr>
-        <p:spPr bwMode="auto">
-          <a:xfrm>
-            <a:off x="6296025" y="2676525"/>
-            <a:ext cx="2608263" cy="400050"/>
+            <a:off x="304800" y="1905000"/>
+            <a:ext cx="4724400" cy="4114800"/>
           </a:xfrm>
           <a:prstGeom prst="rect">
             <a:avLst/>
@@ -6855,36 +6759,325 @@
           </a:extLst>
         </p:spPr>
         <p:txBody>
-          <a:bodyPr wrap="none">
-            <a:spAutoFit/>
-          </a:bodyPr>
-          <a:lstStyle/>
-          <a:p>
-            <a:r>
-              <a:rPr lang="en-US" sz="2000" dirty="0" err="1">
+          <a:bodyPr/>
+          <a:lstStyle>
+            <a:lvl1pPr marL="342900" indent="-342900" eaLnBrk="0" hangingPunct="0">
+              <a:defRPr sz="2400" i="1">
+                <a:solidFill>
+                  <a:srgbClr val="FFCC00"/>
+                </a:solidFill>
+                <a:latin typeface="Arial" charset="0"/>
+              </a:defRPr>
+            </a:lvl1pPr>
+            <a:lvl2pPr marL="800100" indent="-342900" eaLnBrk="0" hangingPunct="0">
+              <a:defRPr sz="2400" i="1">
+                <a:solidFill>
+                  <a:srgbClr val="FFCC00"/>
+                </a:solidFill>
+                <a:latin typeface="Arial" charset="0"/>
+              </a:defRPr>
+            </a:lvl2pPr>
+            <a:lvl3pPr marL="1143000" indent="-228600" eaLnBrk="0" hangingPunct="0">
+              <a:defRPr sz="2400" i="1">
+                <a:solidFill>
+                  <a:srgbClr val="FFCC00"/>
+                </a:solidFill>
+                <a:latin typeface="Arial" charset="0"/>
+              </a:defRPr>
+            </a:lvl3pPr>
+            <a:lvl4pPr marL="1600200" indent="-228600" eaLnBrk="0" hangingPunct="0">
+              <a:defRPr sz="2400" i="1">
+                <a:solidFill>
+                  <a:srgbClr val="FFCC00"/>
+                </a:solidFill>
+                <a:latin typeface="Arial" charset="0"/>
+              </a:defRPr>
+            </a:lvl4pPr>
+            <a:lvl5pPr marL="2057400" indent="-228600" eaLnBrk="0" hangingPunct="0">
+              <a:defRPr sz="2400" i="1">
+                <a:solidFill>
+                  <a:srgbClr val="FFCC00"/>
+                </a:solidFill>
+                <a:latin typeface="Arial" charset="0"/>
+              </a:defRPr>
+            </a:lvl5pPr>
+            <a:lvl6pPr marL="2514600" indent="-228600" eaLnBrk="0" fontAlgn="base" hangingPunct="0">
+              <a:spcBef>
+                <a:spcPct val="0"/>
+              </a:spcBef>
+              <a:spcAft>
+                <a:spcPct val="0"/>
+              </a:spcAft>
+              <a:defRPr sz="2400" i="1">
+                <a:solidFill>
+                  <a:srgbClr val="FFCC00"/>
+                </a:solidFill>
+                <a:latin typeface="Arial" charset="0"/>
+              </a:defRPr>
+            </a:lvl6pPr>
+            <a:lvl7pPr marL="2971800" indent="-228600" eaLnBrk="0" fontAlgn="base" hangingPunct="0">
+              <a:spcBef>
+                <a:spcPct val="0"/>
+              </a:spcBef>
+              <a:spcAft>
+                <a:spcPct val="0"/>
+              </a:spcAft>
+              <a:defRPr sz="2400" i="1">
+                <a:solidFill>
+                  <a:srgbClr val="FFCC00"/>
+                </a:solidFill>
+                <a:latin typeface="Arial" charset="0"/>
+              </a:defRPr>
+            </a:lvl7pPr>
+            <a:lvl8pPr marL="3429000" indent="-228600" eaLnBrk="0" fontAlgn="base" hangingPunct="0">
+              <a:spcBef>
+                <a:spcPct val="0"/>
+              </a:spcBef>
+              <a:spcAft>
+                <a:spcPct val="0"/>
+              </a:spcAft>
+              <a:defRPr sz="2400" i="1">
+                <a:solidFill>
+                  <a:srgbClr val="FFCC00"/>
+                </a:solidFill>
+                <a:latin typeface="Arial" charset="0"/>
+              </a:defRPr>
+            </a:lvl8pPr>
+            <a:lvl9pPr marL="3886200" indent="-228600" eaLnBrk="0" fontAlgn="base" hangingPunct="0">
+              <a:spcBef>
+                <a:spcPct val="0"/>
+              </a:spcBef>
+              <a:spcAft>
+                <a:spcPct val="0"/>
+              </a:spcAft>
+              <a:defRPr sz="2400" i="1">
+                <a:solidFill>
+                  <a:srgbClr val="FFCC00"/>
+                </a:solidFill>
+                <a:latin typeface="Arial" charset="0"/>
+              </a:defRPr>
+            </a:lvl9pPr>
+          </a:lstStyle>
+          <a:p>
+            <a:pPr eaLnBrk="1" hangingPunct="1">
+              <a:lnSpc>
+                <a:spcPct val="80000"/>
+              </a:lnSpc>
+              <a:spcBef>
+                <a:spcPct val="20000"/>
+              </a:spcBef>
+              <a:buFontTx/>
+              <a:buChar char="•"/>
+              <a:defRPr/>
+            </a:pPr>
+            <a:r>
+              <a:rPr lang="en-US" i="0" dirty="0" smtClean="0">
                 <a:solidFill>
                   <a:schemeClr val="bg1"/>
                 </a:solidFill>
                 <a:cs typeface="Arial" charset="0"/>
               </a:rPr>
-              <a:t>has_specified_output</a:t>
-            </a:r>
-            <a:endParaRPr lang="en-US" sz="2000" dirty="0"/>
+              <a:t>Study design </a:t>
+            </a:r>
+            <a:r>
+              <a:rPr lang="en-US" i="0" dirty="0" err="1" smtClean="0">
+                <a:solidFill>
+                  <a:schemeClr val="bg1"/>
+                </a:solidFill>
+                <a:cs typeface="Arial" charset="0"/>
+              </a:rPr>
+              <a:t>Def</a:t>
+            </a:r>
+            <a:r>
+              <a:rPr lang="en-US" i="0" dirty="0">
+                <a:solidFill>
+                  <a:schemeClr val="bg1"/>
+                </a:solidFill>
+                <a:cs typeface="Arial" charset="0"/>
+              </a:rPr>
+              <a:t>: </a:t>
+            </a:r>
+            <a:endParaRPr lang="en-US" i="0" dirty="0" smtClean="0">
+              <a:solidFill>
+                <a:schemeClr val="bg1"/>
+              </a:solidFill>
+              <a:cs typeface="Arial" charset="0"/>
+            </a:endParaRPr>
+          </a:p>
+          <a:p>
+            <a:pPr marL="0" indent="0" eaLnBrk="1" hangingPunct="1">
+              <a:lnSpc>
+                <a:spcPct val="80000"/>
+              </a:lnSpc>
+              <a:spcBef>
+                <a:spcPct val="20000"/>
+              </a:spcBef>
+              <a:defRPr/>
+            </a:pPr>
+            <a:r>
+              <a:rPr lang="en-US" i="0" dirty="0" smtClean="0">
+                <a:solidFill>
+                  <a:schemeClr val="bg1"/>
+                </a:solidFill>
+                <a:cs typeface="Arial" charset="0"/>
+              </a:rPr>
+              <a:t>“</a:t>
+            </a:r>
+            <a:r>
+              <a:rPr lang="en-US" sz="2000" dirty="0">
+                <a:solidFill>
+                  <a:schemeClr val="bg1"/>
+                </a:solidFill>
+                <a:cs typeface="Arial" charset="0"/>
+              </a:rPr>
+              <a:t>A study design is a plan specification comprised of protocols (which may specify how and what kinds of data will be gathered) that are executed as part of an investigation and is realized during a study design execution.</a:t>
+            </a:r>
+            <a:r>
+              <a:rPr lang="en-US" i="0" dirty="0" smtClean="0">
+                <a:solidFill>
+                  <a:schemeClr val="bg1"/>
+                </a:solidFill>
+                <a:cs typeface="Arial" charset="0"/>
+              </a:rPr>
+              <a:t>”</a:t>
+            </a:r>
+          </a:p>
+          <a:p>
+            <a:pPr eaLnBrk="1" hangingPunct="1">
+              <a:lnSpc>
+                <a:spcPct val="80000"/>
+              </a:lnSpc>
+              <a:spcBef>
+                <a:spcPct val="20000"/>
+              </a:spcBef>
+              <a:buFontTx/>
+              <a:buChar char="•"/>
+              <a:defRPr/>
+            </a:pPr>
+            <a:endParaRPr lang="en-US" i="0" dirty="0">
+              <a:solidFill>
+                <a:schemeClr val="bg1"/>
+              </a:solidFill>
+              <a:cs typeface="Arial" charset="0"/>
+            </a:endParaRPr>
+          </a:p>
+          <a:p>
+            <a:pPr eaLnBrk="1" hangingPunct="1">
+              <a:lnSpc>
+                <a:spcPct val="80000"/>
+              </a:lnSpc>
+              <a:spcBef>
+                <a:spcPct val="20000"/>
+              </a:spcBef>
+              <a:buFontTx/>
+              <a:buChar char="•"/>
+              <a:defRPr/>
+            </a:pPr>
+            <a:r>
+              <a:rPr lang="en-US" i="0" dirty="0" smtClean="0">
+                <a:solidFill>
+                  <a:schemeClr val="bg1"/>
+                </a:solidFill>
+                <a:cs typeface="Arial" charset="0"/>
+              </a:rPr>
+              <a:t>Sampling plan </a:t>
+            </a:r>
+            <a:r>
+              <a:rPr lang="en-US" i="0" dirty="0" err="1" smtClean="0">
+                <a:solidFill>
+                  <a:schemeClr val="bg1"/>
+                </a:solidFill>
+                <a:cs typeface="Arial" charset="0"/>
+              </a:rPr>
+              <a:t>def</a:t>
+            </a:r>
+            <a:r>
+              <a:rPr lang="en-US" i="0" dirty="0">
+                <a:solidFill>
+                  <a:schemeClr val="bg1"/>
+                </a:solidFill>
+                <a:cs typeface="Arial" charset="0"/>
+              </a:rPr>
+              <a:t>: </a:t>
+            </a:r>
+            <a:endParaRPr lang="en-US" i="0" dirty="0" smtClean="0">
+              <a:solidFill>
+                <a:schemeClr val="bg1"/>
+              </a:solidFill>
+              <a:cs typeface="Arial" charset="0"/>
+            </a:endParaRPr>
+          </a:p>
+          <a:p>
+            <a:pPr marL="0" indent="0" eaLnBrk="1" hangingPunct="1">
+              <a:lnSpc>
+                <a:spcPct val="80000"/>
+              </a:lnSpc>
+              <a:spcBef>
+                <a:spcPct val="20000"/>
+              </a:spcBef>
+              <a:defRPr/>
+            </a:pPr>
+            <a:r>
+              <a:rPr lang="en-US" sz="2000" i="0" dirty="0" smtClean="0">
+                <a:solidFill>
+                  <a:schemeClr val="bg1"/>
+                </a:solidFill>
+                <a:cs typeface="Arial" charset="0"/>
+              </a:rPr>
+              <a:t>“</a:t>
+            </a:r>
+            <a:r>
+              <a:rPr lang="en-US" sz="2000" dirty="0">
+                <a:solidFill>
+                  <a:schemeClr val="bg1"/>
+                </a:solidFill>
+                <a:cs typeface="Arial" charset="0"/>
+              </a:rPr>
+              <a:t>a plan specification that provides a detailed outline of which measurements will be taken at what times, on which material, in what manner, and by whom.</a:t>
+            </a:r>
+            <a:r>
+              <a:rPr lang="en-US" sz="2000" i="0" dirty="0">
+                <a:solidFill>
+                  <a:schemeClr val="bg1"/>
+                </a:solidFill>
+                <a:cs typeface="Arial" charset="0"/>
+              </a:rPr>
+              <a:t>”</a:t>
+            </a:r>
+            <a:endParaRPr lang="en-US" sz="2000" i="0" dirty="0" smtClean="0">
+              <a:solidFill>
+                <a:schemeClr val="bg1"/>
+              </a:solidFill>
+              <a:cs typeface="Arial" charset="0"/>
+            </a:endParaRPr>
           </a:p>
         </p:txBody>
       </p:sp>
-      <p:sp>
-        <p:nvSpPr>
-          <p:cNvPr id="6158" name="Rectangle 33"/>
-          <p:cNvSpPr>
-            <a:spLocks noChangeArrowheads="1"/>
-          </p:cNvSpPr>
+      <p:pic>
+        <p:nvPicPr>
+          <p:cNvPr id="4098" name="Picture 2"/>
+          <p:cNvPicPr>
+            <a:picLocks noChangeAspect="1" noChangeArrowheads="1"/>
+          </p:cNvPicPr>
           <p:nvPr/>
-        </p:nvSpPr>
+        </p:nvPicPr>
+        <p:blipFill>
+          <a:blip r:embed="rId3">
+            <a:extLst>
+              <a:ext uri="{28A0092B-C50C-407E-A947-70E740481C1C}">
+                <a14:useLocalDpi xmlns:a14="http://schemas.microsoft.com/office/drawing/2010/main" val="0"/>
+              </a:ext>
+            </a:extLst>
+          </a:blip>
+          <a:srcRect/>
+          <a:stretch>
+            <a:fillRect/>
+          </a:stretch>
+        </p:blipFill>
         <p:spPr bwMode="auto">
           <a:xfrm>
-            <a:off x="5192713" y="3195638"/>
-            <a:ext cx="1196975" cy="1016000"/>
+            <a:off x="5178552" y="1981200"/>
+            <a:ext cx="3584448" cy="3733800"/>
           </a:xfrm>
           <a:prstGeom prst="rect">
             <a:avLst/>
@@ -6897,14 +7090,14 @@
             <a:ext uri="{909E8E84-426E-40DD-AFC4-6F175D3DCCD1}">
               <a14:hiddenFill xmlns:a14="http://schemas.microsoft.com/office/drawing/2010/main">
                 <a:solidFill>
-                  <a:srgbClr val="FFFFFF"/>
+                  <a:schemeClr val="accent1"/>
                 </a:solidFill>
               </a14:hiddenFill>
             </a:ext>
             <a:ext uri="{91240B29-F687-4F45-9708-019B960494DF}">
               <a14:hiddenLine xmlns:a14="http://schemas.microsoft.com/office/drawing/2010/main" w="9525">
                 <a:solidFill>
-                  <a:srgbClr val="000000"/>
+                  <a:schemeClr val="tx1"/>
                 </a:solidFill>
                 <a:miter lim="800000"/>
                 <a:headEnd/>
@@ -6913,573 +7106,13 @@
             </a:ext>
           </a:extLst>
         </p:spPr>
-        <p:txBody>
-          <a:bodyPr wrap="none">
-            <a:spAutoFit/>
-          </a:bodyPr>
-          <a:lstStyle/>
-          <a:p>
-            <a:r>
-              <a:rPr lang="en-US" sz="2000" dirty="0">
-                <a:solidFill>
-                  <a:schemeClr val="bg1"/>
-                </a:solidFill>
-                <a:cs typeface="Arial" charset="0"/>
-              </a:rPr>
-              <a:t>has_</a:t>
-            </a:r>
-          </a:p>
-          <a:p>
-            <a:r>
-              <a:rPr lang="en-US" sz="2000" dirty="0">
-                <a:solidFill>
-                  <a:schemeClr val="bg1"/>
-                </a:solidFill>
-                <a:cs typeface="Arial" charset="0"/>
-              </a:rPr>
-              <a:t>specified</a:t>
-            </a:r>
-          </a:p>
-          <a:p>
-            <a:r>
-              <a:rPr lang="en-US" sz="2000" dirty="0">
-                <a:solidFill>
-                  <a:schemeClr val="bg1"/>
-                </a:solidFill>
-                <a:cs typeface="Arial" charset="0"/>
-              </a:rPr>
-              <a:t>_input</a:t>
-            </a:r>
-            <a:endParaRPr lang="en-US" sz="2000" dirty="0"/>
-          </a:p>
-        </p:txBody>
-      </p:sp>
-      <p:cxnSp>
-        <p:nvCxnSpPr>
-          <p:cNvPr id="6159" name="Straight Connector 37"/>
-          <p:cNvCxnSpPr>
-            <a:cxnSpLocks noChangeShapeType="1"/>
-            <a:stCxn id="6152" idx="2"/>
-            <a:endCxn id="6155" idx="0"/>
-          </p:cNvCxnSpPr>
-          <p:nvPr/>
-        </p:nvCxnSpPr>
-        <p:spPr bwMode="auto">
-          <a:xfrm>
-            <a:off x="7532688" y="4198938"/>
-            <a:ext cx="11112" cy="731837"/>
-          </a:xfrm>
-          <a:prstGeom prst="line">
-            <a:avLst/>
-          </a:prstGeom>
-          <a:noFill/>
-          <a:ln w="12700" algn="ctr">
-            <a:solidFill>
-              <a:schemeClr val="bg1"/>
-            </a:solidFill>
-            <a:round/>
-            <a:headEnd/>
-            <a:tailEnd/>
-          </a:ln>
-          <a:extLst>
-            <a:ext uri="{909E8E84-426E-40DD-AFC4-6F175D3DCCD1}">
-              <a14:hiddenFill xmlns:a14="http://schemas.microsoft.com/office/drawing/2010/main">
-                <a:noFill/>
-              </a14:hiddenFill>
-            </a:ext>
-          </a:extLst>
-        </p:spPr>
-      </p:cxnSp>
-      <p:cxnSp>
-        <p:nvCxnSpPr>
-          <p:cNvPr id="6160" name="Straight Connector 45"/>
-          <p:cNvCxnSpPr>
-            <a:cxnSpLocks noChangeShapeType="1"/>
-            <a:stCxn id="6156" idx="1"/>
-            <a:endCxn id="6150" idx="3"/>
-          </p:cNvCxnSpPr>
-          <p:nvPr/>
-        </p:nvCxnSpPr>
-        <p:spPr bwMode="auto">
-          <a:xfrm flipH="1">
-            <a:off x="4865688" y="2106613"/>
-            <a:ext cx="1676400" cy="0"/>
-          </a:xfrm>
-          <a:prstGeom prst="line">
-            <a:avLst/>
-          </a:prstGeom>
-          <a:noFill/>
-          <a:ln w="12700" algn="ctr">
-            <a:solidFill>
-              <a:schemeClr val="bg1"/>
-            </a:solidFill>
-            <a:round/>
-            <a:headEnd/>
-            <a:tailEnd/>
-          </a:ln>
-          <a:extLst>
-            <a:ext uri="{909E8E84-426E-40DD-AFC4-6F175D3DCCD1}">
-              <a14:hiddenFill xmlns:a14="http://schemas.microsoft.com/office/drawing/2010/main">
-                <a:noFill/>
-              </a14:hiddenFill>
-            </a:ext>
-          </a:extLst>
-        </p:spPr>
-      </p:cxnSp>
-      <p:sp>
-        <p:nvSpPr>
-          <p:cNvPr id="6161" name="Rectangle 48"/>
-          <p:cNvSpPr>
-            <a:spLocks noChangeArrowheads="1"/>
-          </p:cNvSpPr>
-          <p:nvPr/>
-        </p:nvSpPr>
-        <p:spPr bwMode="auto">
-          <a:xfrm>
-            <a:off x="190500" y="3505200"/>
-            <a:ext cx="2171700" cy="708025"/>
-          </a:xfrm>
-          <a:prstGeom prst="rect">
-            <a:avLst/>
-          </a:prstGeom>
-          <a:noFill/>
-          <a:ln w="9525">
-            <a:solidFill>
-              <a:schemeClr val="bg1"/>
-            </a:solidFill>
-            <a:miter lim="800000"/>
-            <a:headEnd/>
-            <a:tailEnd/>
-          </a:ln>
-          <a:extLst>
-            <a:ext uri="{909E8E84-426E-40DD-AFC4-6F175D3DCCD1}">
-              <a14:hiddenFill xmlns:a14="http://schemas.microsoft.com/office/drawing/2010/main">
-                <a:solidFill>
-                  <a:srgbClr val="FFFFFF"/>
-                </a:solidFill>
-              </a14:hiddenFill>
-            </a:ext>
-          </a:extLst>
-        </p:spPr>
-        <p:txBody>
-          <a:bodyPr>
-            <a:spAutoFit/>
-          </a:bodyPr>
-          <a:lstStyle/>
-          <a:p>
-            <a:pPr algn="ctr"/>
-            <a:r>
-              <a:rPr lang="en-US" sz="2000" i="0">
-                <a:solidFill>
-                  <a:schemeClr val="bg1"/>
-                </a:solidFill>
-              </a:rPr>
-              <a:t>hypothesis driven investigation</a:t>
-            </a:r>
-          </a:p>
-        </p:txBody>
-      </p:sp>
-      <p:cxnSp>
-        <p:nvCxnSpPr>
-          <p:cNvPr id="6162" name="Straight Connector 49"/>
-          <p:cNvCxnSpPr>
-            <a:cxnSpLocks noChangeShapeType="1"/>
-            <a:stCxn id="6149" idx="2"/>
-            <a:endCxn id="6161" idx="0"/>
-          </p:cNvCxnSpPr>
-          <p:nvPr/>
-        </p:nvCxnSpPr>
-        <p:spPr bwMode="auto">
-          <a:xfrm>
-            <a:off x="1268413" y="2465388"/>
-            <a:ext cx="7937" cy="1039812"/>
-          </a:xfrm>
-          <a:prstGeom prst="line">
-            <a:avLst/>
-          </a:prstGeom>
-          <a:noFill/>
-          <a:ln w="12700" algn="ctr">
-            <a:solidFill>
-              <a:schemeClr val="bg1"/>
-            </a:solidFill>
-            <a:round/>
-            <a:headEnd type="arrow" w="med" len="med"/>
-            <a:tailEnd/>
-          </a:ln>
-          <a:extLst>
-            <a:ext uri="{909E8E84-426E-40DD-AFC4-6F175D3DCCD1}">
-              <a14:hiddenFill xmlns:a14="http://schemas.microsoft.com/office/drawing/2010/main">
-                <a:noFill/>
-              </a14:hiddenFill>
-            </a:ext>
-          </a:extLst>
-        </p:spPr>
-      </p:cxnSp>
-      <p:cxnSp>
-        <p:nvCxnSpPr>
-          <p:cNvPr id="6164" name="Straight Connector 53"/>
-          <p:cNvCxnSpPr>
-            <a:cxnSpLocks noChangeShapeType="1"/>
-            <a:stCxn id="6151" idx="3"/>
-            <a:endCxn id="6152" idx="1"/>
-          </p:cNvCxnSpPr>
-          <p:nvPr/>
-        </p:nvCxnSpPr>
-        <p:spPr bwMode="auto">
-          <a:xfrm>
-            <a:off x="5132388" y="3843338"/>
-            <a:ext cx="1333500" cy="1587"/>
-          </a:xfrm>
-          <a:prstGeom prst="line">
-            <a:avLst/>
-          </a:prstGeom>
-          <a:noFill/>
-          <a:ln w="12700" algn="ctr">
-            <a:solidFill>
-              <a:schemeClr val="bg1"/>
-            </a:solidFill>
-            <a:round/>
-            <a:headEnd type="arrow" w="med" len="med"/>
-            <a:tailEnd/>
-          </a:ln>
-          <a:extLst>
-            <a:ext uri="{909E8E84-426E-40DD-AFC4-6F175D3DCCD1}">
-              <a14:hiddenFill xmlns:a14="http://schemas.microsoft.com/office/drawing/2010/main">
-                <a:noFill/>
-              </a14:hiddenFill>
-            </a:ext>
-          </a:extLst>
-        </p:spPr>
-      </p:cxnSp>
-      <p:cxnSp>
-        <p:nvCxnSpPr>
-          <p:cNvPr id="6165" name="Straight Connector 56"/>
-          <p:cNvCxnSpPr>
-            <a:cxnSpLocks noChangeShapeType="1"/>
-            <a:stCxn id="6151" idx="2"/>
-            <a:endCxn id="6154" idx="0"/>
-          </p:cNvCxnSpPr>
-          <p:nvPr/>
-        </p:nvCxnSpPr>
-        <p:spPr bwMode="auto">
-          <a:xfrm>
-            <a:off x="4084638" y="4197350"/>
-            <a:ext cx="19050" cy="696912"/>
-          </a:xfrm>
-          <a:prstGeom prst="line">
-            <a:avLst/>
-          </a:prstGeom>
-          <a:noFill/>
-          <a:ln w="12700" algn="ctr">
-            <a:solidFill>
-              <a:schemeClr val="bg1"/>
-            </a:solidFill>
-            <a:round/>
-            <a:headEnd type="arrow" w="med" len="med"/>
-            <a:tailEnd/>
-          </a:ln>
-          <a:extLst>
-            <a:ext uri="{909E8E84-426E-40DD-AFC4-6F175D3DCCD1}">
-              <a14:hiddenFill xmlns:a14="http://schemas.microsoft.com/office/drawing/2010/main">
-                <a:noFill/>
-              </a14:hiddenFill>
-            </a:ext>
-          </a:extLst>
-        </p:spPr>
-      </p:cxnSp>
-      <p:sp>
-        <p:nvSpPr>
-          <p:cNvPr id="6166" name="Rectangle 59"/>
-          <p:cNvSpPr>
-            <a:spLocks noChangeArrowheads="1"/>
-          </p:cNvSpPr>
-          <p:nvPr/>
-        </p:nvSpPr>
-        <p:spPr bwMode="auto">
-          <a:xfrm>
-            <a:off x="2724150" y="4338638"/>
-            <a:ext cx="2762250" cy="400050"/>
-          </a:xfrm>
-          <a:prstGeom prst="rect">
-            <a:avLst/>
-          </a:prstGeom>
-          <a:noFill/>
-          <a:ln>
-            <a:noFill/>
-          </a:ln>
-          <a:extLst>
-            <a:ext uri="{909E8E84-426E-40DD-AFC4-6F175D3DCCD1}">
-              <a14:hiddenFill xmlns:a14="http://schemas.microsoft.com/office/drawing/2010/main">
-                <a:solidFill>
-                  <a:srgbClr val="FFFFFF"/>
-                </a:solidFill>
-              </a14:hiddenFill>
-            </a:ext>
-            <a:ext uri="{91240B29-F687-4F45-9708-019B960494DF}">
-              <a14:hiddenLine xmlns:a14="http://schemas.microsoft.com/office/drawing/2010/main" w="9525">
-                <a:solidFill>
-                  <a:srgbClr val="000000"/>
-                </a:solidFill>
-                <a:miter lim="800000"/>
-                <a:headEnd/>
-                <a:tailEnd/>
-              </a14:hiddenLine>
-            </a:ext>
-          </a:extLst>
-        </p:spPr>
-        <p:txBody>
-          <a:bodyPr>
-            <a:spAutoFit/>
-          </a:bodyPr>
-          <a:lstStyle/>
-          <a:p>
-            <a:pPr algn="ctr"/>
-            <a:r>
-              <a:rPr lang="en-US" sz="2000">
-                <a:solidFill>
-                  <a:schemeClr val="bg1"/>
-                </a:solidFill>
-                <a:cs typeface="Arial" charset="0"/>
-              </a:rPr>
-              <a:t>has_specified_input</a:t>
-            </a:r>
-            <a:endParaRPr lang="en-US" sz="2000"/>
-          </a:p>
-        </p:txBody>
-      </p:sp>
-      <p:sp>
-        <p:nvSpPr>
-          <p:cNvPr id="6167" name="Rectangle 60"/>
-          <p:cNvSpPr>
-            <a:spLocks noChangeArrowheads="1"/>
-          </p:cNvSpPr>
-          <p:nvPr/>
-        </p:nvSpPr>
-        <p:spPr bwMode="auto">
-          <a:xfrm>
-            <a:off x="5143500" y="1706563"/>
-            <a:ext cx="1154113" cy="400050"/>
-          </a:xfrm>
-          <a:prstGeom prst="rect">
-            <a:avLst/>
-          </a:prstGeom>
-          <a:noFill/>
-          <a:ln>
-            <a:noFill/>
-          </a:ln>
-          <a:extLst>
-            <a:ext uri="{909E8E84-426E-40DD-AFC4-6F175D3DCCD1}">
-              <a14:hiddenFill xmlns:a14="http://schemas.microsoft.com/office/drawing/2010/main">
-                <a:solidFill>
-                  <a:srgbClr val="FFFFFF"/>
-                </a:solidFill>
-              </a14:hiddenFill>
-            </a:ext>
-            <a:ext uri="{91240B29-F687-4F45-9708-019B960494DF}">
-              <a14:hiddenLine xmlns:a14="http://schemas.microsoft.com/office/drawing/2010/main" w="9525">
-                <a:solidFill>
-                  <a:srgbClr val="000000"/>
-                </a:solidFill>
-                <a:miter lim="800000"/>
-                <a:headEnd/>
-                <a:tailEnd/>
-              </a14:hiddenLine>
-            </a:ext>
-          </a:extLst>
-        </p:spPr>
-        <p:txBody>
-          <a:bodyPr wrap="none">
-            <a:spAutoFit/>
-          </a:bodyPr>
-          <a:lstStyle/>
-          <a:p>
-            <a:r>
-              <a:rPr lang="en-US" sz="2000">
-                <a:solidFill>
-                  <a:schemeClr val="bg1"/>
-                </a:solidFill>
-                <a:cs typeface="Arial" charset="0"/>
-              </a:rPr>
-              <a:t>is_about</a:t>
-            </a:r>
-            <a:endParaRPr lang="en-US" sz="2000"/>
-          </a:p>
-        </p:txBody>
-      </p:sp>
-      <p:sp>
-        <p:nvSpPr>
-          <p:cNvPr id="6168" name="Rectangle 62"/>
-          <p:cNvSpPr>
-            <a:spLocks noChangeArrowheads="1"/>
-          </p:cNvSpPr>
-          <p:nvPr/>
-        </p:nvSpPr>
-        <p:spPr bwMode="auto">
-          <a:xfrm>
-            <a:off x="2057400" y="1730375"/>
-            <a:ext cx="1123950" cy="400050"/>
-          </a:xfrm>
-          <a:prstGeom prst="rect">
-            <a:avLst/>
-          </a:prstGeom>
-          <a:noFill/>
-          <a:ln>
-            <a:noFill/>
-          </a:ln>
-          <a:extLst>
-            <a:ext uri="{909E8E84-426E-40DD-AFC4-6F175D3DCCD1}">
-              <a14:hiddenFill xmlns:a14="http://schemas.microsoft.com/office/drawing/2010/main">
-                <a:solidFill>
-                  <a:srgbClr val="FFFFFF"/>
-                </a:solidFill>
-              </a14:hiddenFill>
-            </a:ext>
-            <a:ext uri="{91240B29-F687-4F45-9708-019B960494DF}">
-              <a14:hiddenLine xmlns:a14="http://schemas.microsoft.com/office/drawing/2010/main" w="9525">
-                <a:solidFill>
-                  <a:srgbClr val="000000"/>
-                </a:solidFill>
-                <a:miter lim="800000"/>
-                <a:headEnd/>
-                <a:tailEnd/>
-              </a14:hiddenLine>
-            </a:ext>
-          </a:extLst>
-        </p:spPr>
-        <p:txBody>
-          <a:bodyPr wrap="none">
-            <a:spAutoFit/>
-          </a:bodyPr>
-          <a:lstStyle/>
-          <a:p>
-            <a:pPr algn="ctr"/>
-            <a:r>
-              <a:rPr lang="en-US" sz="2000">
-                <a:solidFill>
-                  <a:schemeClr val="bg1"/>
-                </a:solidFill>
-                <a:cs typeface="Arial" charset="0"/>
-              </a:rPr>
-              <a:t>part_of?</a:t>
-            </a:r>
-            <a:endParaRPr lang="en-US" sz="2000"/>
-          </a:p>
-        </p:txBody>
-      </p:sp>
-      <p:cxnSp>
-        <p:nvCxnSpPr>
-          <p:cNvPr id="25" name="Straight Connector 49"/>
-          <p:cNvCxnSpPr>
-            <a:cxnSpLocks noChangeShapeType="1"/>
-          </p:cNvCxnSpPr>
-          <p:nvPr/>
-        </p:nvCxnSpPr>
-        <p:spPr bwMode="auto">
-          <a:xfrm>
-            <a:off x="7486651" y="2445947"/>
-            <a:ext cx="7937" cy="1039812"/>
-          </a:xfrm>
-          <a:prstGeom prst="line">
-            <a:avLst/>
-          </a:prstGeom>
-          <a:noFill/>
-          <a:ln w="12700" algn="ctr">
-            <a:solidFill>
-              <a:schemeClr val="bg1"/>
-            </a:solidFill>
-            <a:round/>
-            <a:headEnd type="arrow" w="med" len="med"/>
-            <a:tailEnd/>
-          </a:ln>
-          <a:extLst>
-            <a:ext uri="{909E8E84-426E-40DD-AFC4-6F175D3DCCD1}">
-              <a14:hiddenFill xmlns:a14="http://schemas.microsoft.com/office/drawing/2010/main">
-                <a:noFill/>
-              </a14:hiddenFill>
-            </a:ext>
-          </a:extLst>
-        </p:spPr>
-      </p:cxnSp>
-      <p:sp>
-        <p:nvSpPr>
-          <p:cNvPr id="26" name="Rectangle 33"/>
-          <p:cNvSpPr>
-            <a:spLocks noChangeArrowheads="1"/>
-          </p:cNvSpPr>
-          <p:nvPr/>
-        </p:nvSpPr>
-        <p:spPr bwMode="auto">
-          <a:xfrm>
-            <a:off x="6356457" y="4185538"/>
-            <a:ext cx="2254143" cy="707886"/>
-          </a:xfrm>
-          <a:prstGeom prst="rect">
-            <a:avLst/>
-          </a:prstGeom>
-          <a:noFill/>
-          <a:ln>
-            <a:noFill/>
-          </a:ln>
-          <a:extLst>
-            <a:ext uri="{909E8E84-426E-40DD-AFC4-6F175D3DCCD1}">
-              <a14:hiddenFill xmlns:a14="http://schemas.microsoft.com/office/drawing/2010/main">
-                <a:solidFill>
-                  <a:srgbClr val="FFFFFF"/>
-                </a:solidFill>
-              </a14:hiddenFill>
-            </a:ext>
-            <a:ext uri="{91240B29-F687-4F45-9708-019B960494DF}">
-              <a14:hiddenLine xmlns:a14="http://schemas.microsoft.com/office/drawing/2010/main" w="9525">
-                <a:solidFill>
-                  <a:srgbClr val="000000"/>
-                </a:solidFill>
-                <a:miter lim="800000"/>
-                <a:headEnd/>
-                <a:tailEnd/>
-              </a14:hiddenLine>
-            </a:ext>
-          </a:extLst>
-        </p:spPr>
-        <p:txBody>
-          <a:bodyPr wrap="none">
-            <a:spAutoFit/>
-          </a:bodyPr>
-          <a:lstStyle/>
-          <a:p>
-            <a:r>
-              <a:rPr lang="en-US" sz="2000" dirty="0" smtClean="0">
-                <a:solidFill>
-                  <a:schemeClr val="bg1"/>
-                </a:solidFill>
-                <a:cs typeface="Arial" charset="0"/>
-              </a:rPr>
-              <a:t>achieves_ </a:t>
-            </a:r>
-          </a:p>
-          <a:p>
-            <a:r>
-              <a:rPr lang="en-US" sz="2000" dirty="0" err="1" smtClean="0">
-                <a:solidFill>
-                  <a:schemeClr val="bg1"/>
-                </a:solidFill>
-                <a:cs typeface="Arial" charset="0"/>
-              </a:rPr>
-              <a:t>planned</a:t>
-            </a:r>
-            <a:r>
-              <a:rPr lang="en-US" sz="2000" dirty="0" err="1" smtClean="0">
-                <a:solidFill>
-                  <a:schemeClr val="bg1"/>
-                </a:solidFill>
-                <a:cs typeface="Arial" charset="0"/>
-              </a:rPr>
-              <a:t>_objective</a:t>
-            </a:r>
-            <a:endParaRPr lang="en-US" sz="2000" dirty="0"/>
-          </a:p>
-        </p:txBody>
-      </p:sp>
+      </p:pic>
     </p:spTree>
+    <p:extLst>
+      <p:ext uri="{BB962C8B-B14F-4D97-AF65-F5344CB8AC3E}">
+        <p14:creationId xmlns:p14="http://schemas.microsoft.com/office/powerpoint/2010/main" val="2376129874"/>
+      </p:ext>
+    </p:extLst>
   </p:cSld>
   <p:clrMapOvr>
     <a:masterClrMapping/>
@@ -7523,8 +7156,8 @@
         </p:nvSpPr>
         <p:spPr>
           <a:xfrm>
-            <a:off x="457200" y="304800"/>
-            <a:ext cx="8305800" cy="1371600"/>
+            <a:off x="381000" y="304800"/>
+            <a:ext cx="8305800" cy="1066800"/>
           </a:xfrm>
           <a:prstGeom prst="roundRect">
             <a:avLst>
@@ -7538,26 +7171,494 @@
           <a:p>
             <a:pPr eaLnBrk="1" hangingPunct="1"/>
             <a:r>
-              <a:rPr lang="en-US" sz="4000" b="1" dirty="0" smtClean="0">
-                <a:latin typeface="Arial" charset="0"/>
-              </a:rPr>
-              <a:t>What a specific statistical method does? </a:t>
+              <a:rPr lang="en-US" sz="3200" b="1" dirty="0" smtClean="0">
+                <a:latin typeface="Arial" charset="0"/>
+              </a:rPr>
+              <a:t>OBI Biostatistics Subset Design Pattern</a:t>
             </a:r>
           </a:p>
         </p:txBody>
       </p:sp>
       <p:sp>
         <p:nvSpPr>
-          <p:cNvPr id="41" name="Rectangle 3"/>
-          <p:cNvSpPr txBox="1">
+          <p:cNvPr id="6148" name="Rectangle 3"/>
+          <p:cNvSpPr>
+            <a:spLocks noGrp="1" noChangeArrowheads="1"/>
+          </p:cNvSpPr>
+          <p:nvPr>
+            <p:ph type="body" idx="1"/>
+          </p:nvPr>
+        </p:nvSpPr>
+        <p:spPr>
+          <a:xfrm>
+            <a:off x="827088" y="6019800"/>
+            <a:ext cx="7772400" cy="609600"/>
+          </a:xfrm>
+        </p:spPr>
+        <p:txBody>
+          <a:bodyPr/>
+          <a:lstStyle/>
+          <a:p>
+            <a:pPr marL="0" indent="0" algn="ctr" eaLnBrk="1" hangingPunct="1">
+              <a:lnSpc>
+                <a:spcPct val="80000"/>
+              </a:lnSpc>
+              <a:buNone/>
+            </a:pPr>
+            <a:r>
+              <a:rPr lang="en-US" sz="2400" dirty="0" smtClean="0">
+                <a:solidFill>
+                  <a:schemeClr val="bg1"/>
+                </a:solidFill>
+                <a:latin typeface="Arial" charset="0"/>
+                <a:cs typeface="Arial" charset="0"/>
+              </a:rPr>
+              <a:t>What about a specific statistics test?</a:t>
+            </a:r>
+          </a:p>
+        </p:txBody>
+      </p:sp>
+      <p:sp>
+        <p:nvSpPr>
+          <p:cNvPr id="6149" name="Rectangle 2"/>
+          <p:cNvSpPr>
             <a:spLocks noChangeArrowheads="1"/>
           </p:cNvSpPr>
           <p:nvPr/>
         </p:nvSpPr>
         <p:spPr bwMode="auto">
           <a:xfrm>
-            <a:off x="478808" y="1905000"/>
-            <a:ext cx="8207991" cy="4495800"/>
+            <a:off x="506413" y="1758950"/>
+            <a:ext cx="1524000" cy="706438"/>
+          </a:xfrm>
+          <a:prstGeom prst="rect">
+            <a:avLst/>
+          </a:prstGeom>
+          <a:noFill/>
+          <a:ln w="9525">
+            <a:solidFill>
+              <a:schemeClr val="bg1"/>
+            </a:solidFill>
+            <a:miter lim="800000"/>
+            <a:headEnd/>
+            <a:tailEnd/>
+          </a:ln>
+          <a:extLst>
+            <a:ext uri="{909E8E84-426E-40DD-AFC4-6F175D3DCCD1}">
+              <a14:hiddenFill xmlns:a14="http://schemas.microsoft.com/office/drawing/2010/main">
+                <a:solidFill>
+                  <a:srgbClr val="FFFFFF"/>
+                </a:solidFill>
+              </a14:hiddenFill>
+            </a:ext>
+          </a:extLst>
+        </p:spPr>
+        <p:txBody>
+          <a:bodyPr>
+            <a:spAutoFit/>
+          </a:bodyPr>
+          <a:lstStyle/>
+          <a:p>
+            <a:pPr algn="ctr"/>
+            <a:r>
+              <a:rPr lang="en-US" sz="2000" i="0">
+                <a:solidFill>
+                  <a:schemeClr val="bg1"/>
+                </a:solidFill>
+              </a:rPr>
+              <a:t>Study design</a:t>
+            </a:r>
+          </a:p>
+        </p:txBody>
+      </p:sp>
+      <p:sp>
+        <p:nvSpPr>
+          <p:cNvPr id="6150" name="Rectangle 8"/>
+          <p:cNvSpPr>
+            <a:spLocks noChangeArrowheads="1"/>
+          </p:cNvSpPr>
+          <p:nvPr/>
+        </p:nvSpPr>
+        <p:spPr bwMode="auto">
+          <a:xfrm>
+            <a:off x="3200400" y="1752600"/>
+            <a:ext cx="1665288" cy="708025"/>
+          </a:xfrm>
+          <a:prstGeom prst="rect">
+            <a:avLst/>
+          </a:prstGeom>
+          <a:noFill/>
+          <a:ln w="9525">
+            <a:solidFill>
+              <a:schemeClr val="bg1"/>
+            </a:solidFill>
+            <a:miter lim="800000"/>
+            <a:headEnd/>
+            <a:tailEnd/>
+          </a:ln>
+          <a:extLst>
+            <a:ext uri="{909E8E84-426E-40DD-AFC4-6F175D3DCCD1}">
+              <a14:hiddenFill xmlns:a14="http://schemas.microsoft.com/office/drawing/2010/main">
+                <a:solidFill>
+                  <a:srgbClr val="FFFFFF"/>
+                </a:solidFill>
+              </a14:hiddenFill>
+            </a:ext>
+          </a:extLst>
+        </p:spPr>
+        <p:txBody>
+          <a:bodyPr>
+            <a:spAutoFit/>
+          </a:bodyPr>
+          <a:lstStyle/>
+          <a:p>
+            <a:pPr algn="ctr"/>
+            <a:r>
+              <a:rPr lang="en-US" sz="2000" i="0">
+                <a:solidFill>
+                  <a:schemeClr val="bg1"/>
+                </a:solidFill>
+              </a:rPr>
+              <a:t>hypothesis textual entity</a:t>
+            </a:r>
+          </a:p>
+        </p:txBody>
+      </p:sp>
+      <p:sp>
+        <p:nvSpPr>
+          <p:cNvPr id="6151" name="Rectangle 9"/>
+          <p:cNvSpPr>
+            <a:spLocks noChangeArrowheads="1"/>
+          </p:cNvSpPr>
+          <p:nvPr/>
+        </p:nvSpPr>
+        <p:spPr bwMode="auto">
+          <a:xfrm>
+            <a:off x="3036888" y="3489325"/>
+            <a:ext cx="2095500" cy="708025"/>
+          </a:xfrm>
+          <a:prstGeom prst="rect">
+            <a:avLst/>
+          </a:prstGeom>
+          <a:noFill/>
+          <a:ln w="9525">
+            <a:solidFill>
+              <a:schemeClr val="bg1"/>
+            </a:solidFill>
+            <a:miter lim="800000"/>
+            <a:headEnd/>
+            <a:tailEnd/>
+          </a:ln>
+          <a:extLst>
+            <a:ext uri="{909E8E84-426E-40DD-AFC4-6F175D3DCCD1}">
+              <a14:hiddenFill xmlns:a14="http://schemas.microsoft.com/office/drawing/2010/main">
+                <a:solidFill>
+                  <a:srgbClr val="FFFFFF"/>
+                </a:solidFill>
+              </a14:hiddenFill>
+            </a:ext>
+          </a:extLst>
+        </p:spPr>
+        <p:txBody>
+          <a:bodyPr>
+            <a:spAutoFit/>
+          </a:bodyPr>
+          <a:lstStyle/>
+          <a:p>
+            <a:pPr algn="ctr"/>
+            <a:r>
+              <a:rPr lang="en-US" sz="2000" i="0">
+                <a:solidFill>
+                  <a:schemeClr val="bg1"/>
+                </a:solidFill>
+              </a:rPr>
+              <a:t>data item</a:t>
+            </a:r>
+          </a:p>
+          <a:p>
+            <a:pPr algn="ctr"/>
+            <a:r>
+              <a:rPr lang="en-US" sz="2000" i="0">
+                <a:solidFill>
+                  <a:schemeClr val="bg1"/>
+                </a:solidFill>
+              </a:rPr>
+              <a:t>(input data set) </a:t>
+            </a:r>
+          </a:p>
+        </p:txBody>
+      </p:sp>
+      <p:sp>
+        <p:nvSpPr>
+          <p:cNvPr id="6152" name="Rectangle 10"/>
+          <p:cNvSpPr>
+            <a:spLocks noChangeArrowheads="1"/>
+          </p:cNvSpPr>
+          <p:nvPr/>
+        </p:nvSpPr>
+        <p:spPr bwMode="auto">
+          <a:xfrm>
+            <a:off x="6465888" y="3490913"/>
+            <a:ext cx="2133600" cy="708025"/>
+          </a:xfrm>
+          <a:prstGeom prst="rect">
+            <a:avLst/>
+          </a:prstGeom>
+          <a:noFill/>
+          <a:ln w="9525">
+            <a:solidFill>
+              <a:schemeClr val="bg1"/>
+            </a:solidFill>
+            <a:miter lim="800000"/>
+            <a:headEnd/>
+            <a:tailEnd/>
+          </a:ln>
+          <a:extLst>
+            <a:ext uri="{909E8E84-426E-40DD-AFC4-6F175D3DCCD1}">
+              <a14:hiddenFill xmlns:a14="http://schemas.microsoft.com/office/drawing/2010/main">
+                <a:solidFill>
+                  <a:srgbClr val="FFFFFF"/>
+                </a:solidFill>
+              </a14:hiddenFill>
+            </a:ext>
+          </a:extLst>
+        </p:spPr>
+        <p:txBody>
+          <a:bodyPr>
+            <a:spAutoFit/>
+          </a:bodyPr>
+          <a:lstStyle/>
+          <a:p>
+            <a:pPr algn="ctr"/>
+            <a:r>
+              <a:rPr lang="en-US" sz="2000" i="0">
+                <a:solidFill>
+                  <a:schemeClr val="bg1"/>
+                </a:solidFill>
+              </a:rPr>
+              <a:t>data transformation</a:t>
+            </a:r>
+          </a:p>
+        </p:txBody>
+      </p:sp>
+      <p:cxnSp>
+        <p:nvCxnSpPr>
+          <p:cNvPr id="6153" name="Straight Connector 4"/>
+          <p:cNvCxnSpPr>
+            <a:cxnSpLocks noChangeShapeType="1"/>
+            <a:stCxn id="6150" idx="1"/>
+            <a:endCxn id="6149" idx="3"/>
+          </p:cNvCxnSpPr>
+          <p:nvPr/>
+        </p:nvCxnSpPr>
+        <p:spPr bwMode="auto">
+          <a:xfrm flipH="1">
+            <a:off x="2030413" y="2106613"/>
+            <a:ext cx="1169987" cy="6350"/>
+          </a:xfrm>
+          <a:prstGeom prst="line">
+            <a:avLst/>
+          </a:prstGeom>
+          <a:noFill/>
+          <a:ln w="12700" algn="ctr">
+            <a:solidFill>
+              <a:schemeClr val="bg1"/>
+            </a:solidFill>
+            <a:round/>
+            <a:headEnd/>
+            <a:tailEnd/>
+          </a:ln>
+          <a:extLst>
+            <a:ext uri="{909E8E84-426E-40DD-AFC4-6F175D3DCCD1}">
+              <a14:hiddenFill xmlns:a14="http://schemas.microsoft.com/office/drawing/2010/main">
+                <a:noFill/>
+              </a14:hiddenFill>
+            </a:ext>
+          </a:extLst>
+        </p:spPr>
+      </p:cxnSp>
+      <p:sp>
+        <p:nvSpPr>
+          <p:cNvPr id="6154" name="Rectangle 16"/>
+          <p:cNvSpPr>
+            <a:spLocks noChangeArrowheads="1"/>
+          </p:cNvSpPr>
+          <p:nvPr/>
+        </p:nvSpPr>
+        <p:spPr bwMode="auto">
+          <a:xfrm>
+            <a:off x="3036888" y="4894263"/>
+            <a:ext cx="2133600" cy="400050"/>
+          </a:xfrm>
+          <a:prstGeom prst="rect">
+            <a:avLst/>
+          </a:prstGeom>
+          <a:noFill/>
+          <a:ln w="9525">
+            <a:solidFill>
+              <a:schemeClr val="bg1"/>
+            </a:solidFill>
+            <a:miter lim="800000"/>
+            <a:headEnd/>
+            <a:tailEnd/>
+          </a:ln>
+          <a:extLst>
+            <a:ext uri="{909E8E84-426E-40DD-AFC4-6F175D3DCCD1}">
+              <a14:hiddenFill xmlns:a14="http://schemas.microsoft.com/office/drawing/2010/main">
+                <a:solidFill>
+                  <a:srgbClr val="FFFFFF"/>
+                </a:solidFill>
+              </a14:hiddenFill>
+            </a:ext>
+          </a:extLst>
+        </p:spPr>
+        <p:txBody>
+          <a:bodyPr>
+            <a:spAutoFit/>
+          </a:bodyPr>
+          <a:lstStyle/>
+          <a:p>
+            <a:pPr algn="ctr"/>
+            <a:r>
+              <a:rPr lang="en-US" sz="2000" i="0" dirty="0">
+                <a:solidFill>
+                  <a:schemeClr val="bg1"/>
+                </a:solidFill>
+              </a:rPr>
+              <a:t>data visualization</a:t>
+            </a:r>
+          </a:p>
+        </p:txBody>
+      </p:sp>
+      <p:sp>
+        <p:nvSpPr>
+          <p:cNvPr id="6155" name="Rectangle 18"/>
+          <p:cNvSpPr>
+            <a:spLocks noChangeArrowheads="1"/>
+          </p:cNvSpPr>
+          <p:nvPr/>
+        </p:nvSpPr>
+        <p:spPr bwMode="auto">
+          <a:xfrm>
+            <a:off x="6172200" y="4930775"/>
+            <a:ext cx="2743200" cy="708025"/>
+          </a:xfrm>
+          <a:prstGeom prst="rect">
+            <a:avLst/>
+          </a:prstGeom>
+          <a:noFill/>
+          <a:ln w="9525">
+            <a:solidFill>
+              <a:schemeClr val="bg1"/>
+            </a:solidFill>
+            <a:miter lim="800000"/>
+            <a:headEnd/>
+            <a:tailEnd/>
+          </a:ln>
+          <a:extLst>
+            <a:ext uri="{909E8E84-426E-40DD-AFC4-6F175D3DCCD1}">
+              <a14:hiddenFill xmlns:a14="http://schemas.microsoft.com/office/drawing/2010/main">
+                <a:solidFill>
+                  <a:srgbClr val="FFFFFF"/>
+                </a:solidFill>
+              </a14:hiddenFill>
+            </a:ext>
+          </a:extLst>
+        </p:spPr>
+        <p:txBody>
+          <a:bodyPr>
+            <a:spAutoFit/>
+          </a:bodyPr>
+          <a:lstStyle/>
+          <a:p>
+            <a:pPr algn="ctr"/>
+            <a:r>
+              <a:rPr lang="en-US" sz="2000" i="0" dirty="0">
+                <a:solidFill>
+                  <a:schemeClr val="bg1"/>
+                </a:solidFill>
+              </a:rPr>
+              <a:t>data transformation objective</a:t>
+            </a:r>
+          </a:p>
+        </p:txBody>
+      </p:sp>
+      <p:sp>
+        <p:nvSpPr>
+          <p:cNvPr id="6156" name="Rectangle 21"/>
+          <p:cNvSpPr>
+            <a:spLocks noChangeArrowheads="1"/>
+          </p:cNvSpPr>
+          <p:nvPr/>
+        </p:nvSpPr>
+        <p:spPr bwMode="auto">
+          <a:xfrm>
+            <a:off x="6542088" y="1752600"/>
+            <a:ext cx="1905000" cy="708025"/>
+          </a:xfrm>
+          <a:prstGeom prst="rect">
+            <a:avLst/>
+          </a:prstGeom>
+          <a:noFill/>
+          <a:ln w="9525">
+            <a:solidFill>
+              <a:schemeClr val="bg1"/>
+            </a:solidFill>
+            <a:miter lim="800000"/>
+            <a:headEnd/>
+            <a:tailEnd/>
+          </a:ln>
+          <a:extLst>
+            <a:ext uri="{909E8E84-426E-40DD-AFC4-6F175D3DCCD1}">
+              <a14:hiddenFill xmlns:a14="http://schemas.microsoft.com/office/drawing/2010/main">
+                <a:solidFill>
+                  <a:srgbClr val="FFFFFF"/>
+                </a:solidFill>
+              </a14:hiddenFill>
+            </a:ext>
+          </a:extLst>
+        </p:spPr>
+        <p:txBody>
+          <a:bodyPr>
+            <a:spAutoFit/>
+          </a:bodyPr>
+          <a:lstStyle/>
+          <a:p>
+            <a:pPr algn="ctr"/>
+            <a:r>
+              <a:rPr lang="en-US" sz="2000" i="0">
+                <a:solidFill>
+                  <a:schemeClr val="bg1"/>
+                </a:solidFill>
+              </a:rPr>
+              <a:t>data item</a:t>
+            </a:r>
+          </a:p>
+          <a:p>
+            <a:pPr algn="ctr"/>
+            <a:r>
+              <a:rPr lang="en-US" sz="2000" i="0">
+                <a:solidFill>
+                  <a:schemeClr val="bg1"/>
+                </a:solidFill>
+              </a:rPr>
+              <a:t>(e.g., p-value) </a:t>
+            </a:r>
+          </a:p>
+        </p:txBody>
+      </p:sp>
+      <p:sp>
+        <p:nvSpPr>
+          <p:cNvPr id="6157" name="Rectangle 22"/>
+          <p:cNvSpPr>
+            <a:spLocks noChangeArrowheads="1"/>
+          </p:cNvSpPr>
+          <p:nvPr/>
+        </p:nvSpPr>
+        <p:spPr bwMode="auto">
+          <a:xfrm>
+            <a:off x="6296025" y="2676525"/>
+            <a:ext cx="2608263" cy="400050"/>
           </a:xfrm>
           <a:prstGeom prst="rect">
             <a:avLst/>
@@ -7587,382 +7688,622 @@
           </a:extLst>
         </p:spPr>
         <p:txBody>
-          <a:bodyPr vert="horz" wrap="square" lIns="91440" tIns="45720" rIns="91440" bIns="45720" numCol="1" anchor="t" anchorCtr="0" compatLnSpc="1">
-            <a:prstTxWarp prst="textNoShape">
-              <a:avLst/>
-            </a:prstTxWarp>
+          <a:bodyPr wrap="none">
+            <a:spAutoFit/>
           </a:bodyPr>
-          <a:lstStyle>
-            <a:lvl1pPr marL="342900" indent="-342900" algn="l" rtl="0" eaLnBrk="0" fontAlgn="base" hangingPunct="0">
-              <a:spcBef>
-                <a:spcPct val="20000"/>
-              </a:spcBef>
-              <a:spcAft>
-                <a:spcPct val="0"/>
-              </a:spcAft>
-              <a:buChar char="•"/>
-              <a:defRPr sz="3200">
-                <a:solidFill>
-                  <a:srgbClr val="DDDDDD"/>
-                </a:solidFill>
-                <a:latin typeface="+mn-lt"/>
-                <a:ea typeface="+mn-ea"/>
-                <a:cs typeface="+mn-cs"/>
-              </a:defRPr>
-            </a:lvl1pPr>
-            <a:lvl2pPr marL="742950" indent="-285750" algn="l" rtl="0" eaLnBrk="0" fontAlgn="base" hangingPunct="0">
-              <a:spcBef>
-                <a:spcPct val="20000"/>
-              </a:spcBef>
-              <a:spcAft>
-                <a:spcPct val="0"/>
-              </a:spcAft>
-              <a:buChar char="–"/>
-              <a:defRPr sz="2800">
-                <a:solidFill>
-                  <a:srgbClr val="DDDDDD"/>
-                </a:solidFill>
-                <a:latin typeface="+mn-lt"/>
-              </a:defRPr>
-            </a:lvl2pPr>
-            <a:lvl3pPr marL="1143000" indent="-228600" algn="l" rtl="0" eaLnBrk="0" fontAlgn="base" hangingPunct="0">
-              <a:spcBef>
-                <a:spcPct val="20000"/>
-              </a:spcBef>
-              <a:spcAft>
-                <a:spcPct val="0"/>
-              </a:spcAft>
-              <a:buChar char="•"/>
-              <a:defRPr sz="2400">
-                <a:solidFill>
-                  <a:srgbClr val="DDDDDD"/>
-                </a:solidFill>
-                <a:latin typeface="+mn-lt"/>
-              </a:defRPr>
-            </a:lvl3pPr>
-            <a:lvl4pPr marL="1600200" indent="-228600" algn="l" rtl="0" eaLnBrk="0" fontAlgn="base" hangingPunct="0">
-              <a:spcBef>
-                <a:spcPct val="20000"/>
-              </a:spcBef>
-              <a:spcAft>
-                <a:spcPct val="0"/>
-              </a:spcAft>
-              <a:buChar char="–"/>
-              <a:defRPr sz="2000">
-                <a:solidFill>
-                  <a:srgbClr val="DDDDDD"/>
-                </a:solidFill>
-                <a:latin typeface="+mn-lt"/>
-              </a:defRPr>
-            </a:lvl4pPr>
-            <a:lvl5pPr marL="2057400" indent="-228600" algn="l" rtl="0" eaLnBrk="0" fontAlgn="base" hangingPunct="0">
-              <a:spcBef>
-                <a:spcPct val="20000"/>
-              </a:spcBef>
-              <a:spcAft>
-                <a:spcPct val="0"/>
-              </a:spcAft>
-              <a:buChar char="»"/>
-              <a:defRPr sz="2000">
-                <a:solidFill>
-                  <a:srgbClr val="DDDDDD"/>
-                </a:solidFill>
-                <a:latin typeface="+mn-lt"/>
-              </a:defRPr>
-            </a:lvl5pPr>
-            <a:lvl6pPr marL="2514600" indent="-228600" algn="l" rtl="0" fontAlgn="base">
-              <a:spcBef>
-                <a:spcPct val="20000"/>
-              </a:spcBef>
-              <a:spcAft>
-                <a:spcPct val="0"/>
-              </a:spcAft>
-              <a:buChar char="»"/>
-              <a:defRPr sz="2000">
-                <a:solidFill>
-                  <a:srgbClr val="DDDDDD"/>
-                </a:solidFill>
-                <a:latin typeface="+mn-lt"/>
-              </a:defRPr>
-            </a:lvl6pPr>
-            <a:lvl7pPr marL="2971800" indent="-228600" algn="l" rtl="0" fontAlgn="base">
-              <a:spcBef>
-                <a:spcPct val="20000"/>
-              </a:spcBef>
-              <a:spcAft>
-                <a:spcPct val="0"/>
-              </a:spcAft>
-              <a:buChar char="»"/>
-              <a:defRPr sz="2000">
-                <a:solidFill>
-                  <a:srgbClr val="DDDDDD"/>
-                </a:solidFill>
-                <a:latin typeface="+mn-lt"/>
-              </a:defRPr>
-            </a:lvl7pPr>
-            <a:lvl8pPr marL="3429000" indent="-228600" algn="l" rtl="0" fontAlgn="base">
-              <a:spcBef>
-                <a:spcPct val="20000"/>
-              </a:spcBef>
-              <a:spcAft>
-                <a:spcPct val="0"/>
-              </a:spcAft>
-              <a:buChar char="»"/>
-              <a:defRPr sz="2000">
-                <a:solidFill>
-                  <a:srgbClr val="DDDDDD"/>
-                </a:solidFill>
-                <a:latin typeface="+mn-lt"/>
-              </a:defRPr>
-            </a:lvl8pPr>
-            <a:lvl9pPr marL="3886200" indent="-228600" algn="l" rtl="0" fontAlgn="base">
-              <a:spcBef>
-                <a:spcPct val="20000"/>
-              </a:spcBef>
-              <a:spcAft>
-                <a:spcPct val="0"/>
-              </a:spcAft>
-              <a:buChar char="»"/>
-              <a:defRPr sz="2000">
-                <a:solidFill>
-                  <a:srgbClr val="DDDDDD"/>
-                </a:solidFill>
-                <a:latin typeface="+mn-lt"/>
-              </a:defRPr>
-            </a:lvl9pPr>
-          </a:lstStyle>
-          <a:p>
-            <a:pPr eaLnBrk="1" hangingPunct="1">
-              <a:lnSpc>
-                <a:spcPct val="80000"/>
-              </a:lnSpc>
-            </a:pPr>
-            <a:r>
-              <a:rPr lang="en-US" i="0" kern="0" dirty="0" smtClean="0">
-                <a:solidFill>
-                  <a:schemeClr val="bg1"/>
-                </a:solidFill>
-                <a:latin typeface="Arial" charset="0"/>
+          <a:lstStyle/>
+          <a:p>
+            <a:r>
+              <a:rPr lang="en-US" sz="2000" dirty="0" err="1">
+                <a:solidFill>
+                  <a:schemeClr val="bg1"/>
+                </a:solidFill>
                 <a:cs typeface="Arial" charset="0"/>
               </a:rPr>
-              <a:t>A specific statistical test like t-test has the following components:</a:t>
-            </a:r>
-          </a:p>
-          <a:p>
-            <a:pPr lvl="1" eaLnBrk="1" hangingPunct="1">
-              <a:lnSpc>
-                <a:spcPct val="80000"/>
-              </a:lnSpc>
-            </a:pPr>
-            <a:r>
-              <a:rPr lang="en-US" i="0" kern="0" dirty="0" smtClean="0">
-                <a:solidFill>
-                  <a:schemeClr val="bg1"/>
-                </a:solidFill>
-                <a:latin typeface="Arial" charset="0"/>
+              <a:t>has_specified_output</a:t>
+            </a:r>
+            <a:endParaRPr lang="en-US" sz="2000" dirty="0"/>
+          </a:p>
+        </p:txBody>
+      </p:sp>
+      <p:sp>
+        <p:nvSpPr>
+          <p:cNvPr id="6158" name="Rectangle 33"/>
+          <p:cNvSpPr>
+            <a:spLocks noChangeArrowheads="1"/>
+          </p:cNvSpPr>
+          <p:nvPr/>
+        </p:nvSpPr>
+        <p:spPr bwMode="auto">
+          <a:xfrm>
+            <a:off x="5192713" y="3195638"/>
+            <a:ext cx="1196975" cy="1016000"/>
+          </a:xfrm>
+          <a:prstGeom prst="rect">
+            <a:avLst/>
+          </a:prstGeom>
+          <a:noFill/>
+          <a:ln>
+            <a:noFill/>
+          </a:ln>
+          <a:extLst>
+            <a:ext uri="{909E8E84-426E-40DD-AFC4-6F175D3DCCD1}">
+              <a14:hiddenFill xmlns:a14="http://schemas.microsoft.com/office/drawing/2010/main">
+                <a:solidFill>
+                  <a:srgbClr val="FFFFFF"/>
+                </a:solidFill>
+              </a14:hiddenFill>
+            </a:ext>
+            <a:ext uri="{91240B29-F687-4F45-9708-019B960494DF}">
+              <a14:hiddenLine xmlns:a14="http://schemas.microsoft.com/office/drawing/2010/main" w="9525">
+                <a:solidFill>
+                  <a:srgbClr val="000000"/>
+                </a:solidFill>
+                <a:miter lim="800000"/>
+                <a:headEnd/>
+                <a:tailEnd/>
+              </a14:hiddenLine>
+            </a:ext>
+          </a:extLst>
+        </p:spPr>
+        <p:txBody>
+          <a:bodyPr wrap="none">
+            <a:spAutoFit/>
+          </a:bodyPr>
+          <a:lstStyle/>
+          <a:p>
+            <a:r>
+              <a:rPr lang="en-US" sz="2000" dirty="0">
+                <a:solidFill>
+                  <a:schemeClr val="bg1"/>
+                </a:solidFill>
                 <a:cs typeface="Arial" charset="0"/>
               </a:rPr>
-              <a:t>The test </a:t>
-            </a:r>
-            <a:r>
-              <a:rPr lang="en-US" i="0" kern="0" dirty="0" smtClean="0">
-                <a:solidFill>
-                  <a:schemeClr val="bg1"/>
-                </a:solidFill>
-                <a:latin typeface="Arial" charset="0"/>
+              <a:t>has_</a:t>
+            </a:r>
+          </a:p>
+          <a:p>
+            <a:r>
+              <a:rPr lang="en-US" sz="2000" dirty="0">
+                <a:solidFill>
+                  <a:schemeClr val="bg1"/>
+                </a:solidFill>
                 <a:cs typeface="Arial" charset="0"/>
               </a:rPr>
-              <a:t>label, e.g., student’s t-test</a:t>
-            </a:r>
-          </a:p>
-          <a:p>
-            <a:pPr lvl="1" eaLnBrk="1" hangingPunct="1">
-              <a:lnSpc>
-                <a:spcPct val="80000"/>
-              </a:lnSpc>
-            </a:pPr>
-            <a:r>
-              <a:rPr lang="en-US" i="0" kern="0" dirty="0" smtClean="0">
-                <a:solidFill>
-                  <a:schemeClr val="bg1"/>
-                </a:solidFill>
-                <a:latin typeface="Arial" charset="0"/>
+              <a:t>specified</a:t>
+            </a:r>
+          </a:p>
+          <a:p>
+            <a:r>
+              <a:rPr lang="en-US" sz="2000" dirty="0">
+                <a:solidFill>
+                  <a:schemeClr val="bg1"/>
+                </a:solidFill>
                 <a:cs typeface="Arial" charset="0"/>
               </a:rPr>
-              <a:t>Test statistic</a:t>
-            </a:r>
-          </a:p>
-          <a:p>
-            <a:pPr lvl="1" eaLnBrk="1" hangingPunct="1">
-              <a:lnSpc>
-                <a:spcPct val="80000"/>
-              </a:lnSpc>
-            </a:pPr>
-            <a:r>
-              <a:rPr lang="en-US" i="0" kern="0" dirty="0" smtClean="0">
-                <a:solidFill>
-                  <a:schemeClr val="bg1"/>
-                </a:solidFill>
-                <a:latin typeface="Arial" charset="0"/>
+              <a:t>_input</a:t>
+            </a:r>
+            <a:endParaRPr lang="en-US" sz="2000" dirty="0"/>
+          </a:p>
+        </p:txBody>
+      </p:sp>
+      <p:cxnSp>
+        <p:nvCxnSpPr>
+          <p:cNvPr id="6159" name="Straight Connector 37"/>
+          <p:cNvCxnSpPr>
+            <a:cxnSpLocks noChangeShapeType="1"/>
+            <a:stCxn id="6152" idx="2"/>
+            <a:endCxn id="6155" idx="0"/>
+          </p:cNvCxnSpPr>
+          <p:nvPr/>
+        </p:nvCxnSpPr>
+        <p:spPr bwMode="auto">
+          <a:xfrm>
+            <a:off x="7532688" y="4198938"/>
+            <a:ext cx="11112" cy="731837"/>
+          </a:xfrm>
+          <a:prstGeom prst="line">
+            <a:avLst/>
+          </a:prstGeom>
+          <a:noFill/>
+          <a:ln w="12700" algn="ctr">
+            <a:solidFill>
+              <a:schemeClr val="bg1"/>
+            </a:solidFill>
+            <a:round/>
+            <a:headEnd/>
+            <a:tailEnd/>
+          </a:ln>
+          <a:extLst>
+            <a:ext uri="{909E8E84-426E-40DD-AFC4-6F175D3DCCD1}">
+              <a14:hiddenFill xmlns:a14="http://schemas.microsoft.com/office/drawing/2010/main">
+                <a:noFill/>
+              </a14:hiddenFill>
+            </a:ext>
+          </a:extLst>
+        </p:spPr>
+      </p:cxnSp>
+      <p:cxnSp>
+        <p:nvCxnSpPr>
+          <p:cNvPr id="6160" name="Straight Connector 45"/>
+          <p:cNvCxnSpPr>
+            <a:cxnSpLocks noChangeShapeType="1"/>
+            <a:stCxn id="6156" idx="1"/>
+            <a:endCxn id="6150" idx="3"/>
+          </p:cNvCxnSpPr>
+          <p:nvPr/>
+        </p:nvCxnSpPr>
+        <p:spPr bwMode="auto">
+          <a:xfrm flipH="1">
+            <a:off x="4865688" y="2106613"/>
+            <a:ext cx="1676400" cy="0"/>
+          </a:xfrm>
+          <a:prstGeom prst="line">
+            <a:avLst/>
+          </a:prstGeom>
+          <a:noFill/>
+          <a:ln w="12700" algn="ctr">
+            <a:solidFill>
+              <a:schemeClr val="bg1"/>
+            </a:solidFill>
+            <a:round/>
+            <a:headEnd/>
+            <a:tailEnd/>
+          </a:ln>
+          <a:extLst>
+            <a:ext uri="{909E8E84-426E-40DD-AFC4-6F175D3DCCD1}">
+              <a14:hiddenFill xmlns:a14="http://schemas.microsoft.com/office/drawing/2010/main">
+                <a:noFill/>
+              </a14:hiddenFill>
+            </a:ext>
+          </a:extLst>
+        </p:spPr>
+      </p:cxnSp>
+      <p:sp>
+        <p:nvSpPr>
+          <p:cNvPr id="6161" name="Rectangle 48"/>
+          <p:cNvSpPr>
+            <a:spLocks noChangeArrowheads="1"/>
+          </p:cNvSpPr>
+          <p:nvPr/>
+        </p:nvSpPr>
+        <p:spPr bwMode="auto">
+          <a:xfrm>
+            <a:off x="190500" y="3505200"/>
+            <a:ext cx="2171700" cy="708025"/>
+          </a:xfrm>
+          <a:prstGeom prst="rect">
+            <a:avLst/>
+          </a:prstGeom>
+          <a:noFill/>
+          <a:ln w="9525">
+            <a:solidFill>
+              <a:schemeClr val="bg1"/>
+            </a:solidFill>
+            <a:miter lim="800000"/>
+            <a:headEnd/>
+            <a:tailEnd/>
+          </a:ln>
+          <a:extLst>
+            <a:ext uri="{909E8E84-426E-40DD-AFC4-6F175D3DCCD1}">
+              <a14:hiddenFill xmlns:a14="http://schemas.microsoft.com/office/drawing/2010/main">
+                <a:solidFill>
+                  <a:srgbClr val="FFFFFF"/>
+                </a:solidFill>
+              </a14:hiddenFill>
+            </a:ext>
+          </a:extLst>
+        </p:spPr>
+        <p:txBody>
+          <a:bodyPr>
+            <a:spAutoFit/>
+          </a:bodyPr>
+          <a:lstStyle/>
+          <a:p>
+            <a:pPr algn="ctr"/>
+            <a:r>
+              <a:rPr lang="en-US" sz="2000" i="0">
+                <a:solidFill>
+                  <a:schemeClr val="bg1"/>
+                </a:solidFill>
+              </a:rPr>
+              <a:t>hypothesis driven investigation</a:t>
+            </a:r>
+          </a:p>
+        </p:txBody>
+      </p:sp>
+      <p:cxnSp>
+        <p:nvCxnSpPr>
+          <p:cNvPr id="6162" name="Straight Connector 49"/>
+          <p:cNvCxnSpPr>
+            <a:cxnSpLocks noChangeShapeType="1"/>
+            <a:stCxn id="6149" idx="2"/>
+            <a:endCxn id="6161" idx="0"/>
+          </p:cNvCxnSpPr>
+          <p:nvPr/>
+        </p:nvCxnSpPr>
+        <p:spPr bwMode="auto">
+          <a:xfrm>
+            <a:off x="1268413" y="2465388"/>
+            <a:ext cx="7937" cy="1039812"/>
+          </a:xfrm>
+          <a:prstGeom prst="line">
+            <a:avLst/>
+          </a:prstGeom>
+          <a:noFill/>
+          <a:ln w="12700" algn="ctr">
+            <a:solidFill>
+              <a:schemeClr val="bg1"/>
+            </a:solidFill>
+            <a:round/>
+            <a:headEnd type="arrow" w="med" len="med"/>
+            <a:tailEnd/>
+          </a:ln>
+          <a:extLst>
+            <a:ext uri="{909E8E84-426E-40DD-AFC4-6F175D3DCCD1}">
+              <a14:hiddenFill xmlns:a14="http://schemas.microsoft.com/office/drawing/2010/main">
+                <a:noFill/>
+              </a14:hiddenFill>
+            </a:ext>
+          </a:extLst>
+        </p:spPr>
+      </p:cxnSp>
+      <p:cxnSp>
+        <p:nvCxnSpPr>
+          <p:cNvPr id="6164" name="Straight Connector 53"/>
+          <p:cNvCxnSpPr>
+            <a:cxnSpLocks noChangeShapeType="1"/>
+            <a:stCxn id="6151" idx="3"/>
+            <a:endCxn id="6152" idx="1"/>
+          </p:cNvCxnSpPr>
+          <p:nvPr/>
+        </p:nvCxnSpPr>
+        <p:spPr bwMode="auto">
+          <a:xfrm>
+            <a:off x="5132388" y="3843338"/>
+            <a:ext cx="1333500" cy="1587"/>
+          </a:xfrm>
+          <a:prstGeom prst="line">
+            <a:avLst/>
+          </a:prstGeom>
+          <a:noFill/>
+          <a:ln w="12700" algn="ctr">
+            <a:solidFill>
+              <a:schemeClr val="bg1"/>
+            </a:solidFill>
+            <a:round/>
+            <a:headEnd type="arrow" w="med" len="med"/>
+            <a:tailEnd/>
+          </a:ln>
+          <a:extLst>
+            <a:ext uri="{909E8E84-426E-40DD-AFC4-6F175D3DCCD1}">
+              <a14:hiddenFill xmlns:a14="http://schemas.microsoft.com/office/drawing/2010/main">
+                <a:noFill/>
+              </a14:hiddenFill>
+            </a:ext>
+          </a:extLst>
+        </p:spPr>
+      </p:cxnSp>
+      <p:cxnSp>
+        <p:nvCxnSpPr>
+          <p:cNvPr id="6165" name="Straight Connector 56"/>
+          <p:cNvCxnSpPr>
+            <a:cxnSpLocks noChangeShapeType="1"/>
+            <a:stCxn id="6151" idx="2"/>
+            <a:endCxn id="6154" idx="0"/>
+          </p:cNvCxnSpPr>
+          <p:nvPr/>
+        </p:nvCxnSpPr>
+        <p:spPr bwMode="auto">
+          <a:xfrm>
+            <a:off x="4084638" y="4197350"/>
+            <a:ext cx="19050" cy="696912"/>
+          </a:xfrm>
+          <a:prstGeom prst="line">
+            <a:avLst/>
+          </a:prstGeom>
+          <a:noFill/>
+          <a:ln w="12700" algn="ctr">
+            <a:solidFill>
+              <a:schemeClr val="bg1"/>
+            </a:solidFill>
+            <a:round/>
+            <a:headEnd type="arrow" w="med" len="med"/>
+            <a:tailEnd/>
+          </a:ln>
+          <a:extLst>
+            <a:ext uri="{909E8E84-426E-40DD-AFC4-6F175D3DCCD1}">
+              <a14:hiddenFill xmlns:a14="http://schemas.microsoft.com/office/drawing/2010/main">
+                <a:noFill/>
+              </a14:hiddenFill>
+            </a:ext>
+          </a:extLst>
+        </p:spPr>
+      </p:cxnSp>
+      <p:sp>
+        <p:nvSpPr>
+          <p:cNvPr id="6166" name="Rectangle 59"/>
+          <p:cNvSpPr>
+            <a:spLocks noChangeArrowheads="1"/>
+          </p:cNvSpPr>
+          <p:nvPr/>
+        </p:nvSpPr>
+        <p:spPr bwMode="auto">
+          <a:xfrm>
+            <a:off x="2724150" y="4338638"/>
+            <a:ext cx="2762250" cy="400050"/>
+          </a:xfrm>
+          <a:prstGeom prst="rect">
+            <a:avLst/>
+          </a:prstGeom>
+          <a:noFill/>
+          <a:ln>
+            <a:noFill/>
+          </a:ln>
+          <a:extLst>
+            <a:ext uri="{909E8E84-426E-40DD-AFC4-6F175D3DCCD1}">
+              <a14:hiddenFill xmlns:a14="http://schemas.microsoft.com/office/drawing/2010/main">
+                <a:solidFill>
+                  <a:srgbClr val="FFFFFF"/>
+                </a:solidFill>
+              </a14:hiddenFill>
+            </a:ext>
+            <a:ext uri="{91240B29-F687-4F45-9708-019B960494DF}">
+              <a14:hiddenLine xmlns:a14="http://schemas.microsoft.com/office/drawing/2010/main" w="9525">
+                <a:solidFill>
+                  <a:srgbClr val="000000"/>
+                </a:solidFill>
+                <a:miter lim="800000"/>
+                <a:headEnd/>
+                <a:tailEnd/>
+              </a14:hiddenLine>
+            </a:ext>
+          </a:extLst>
+        </p:spPr>
+        <p:txBody>
+          <a:bodyPr>
+            <a:spAutoFit/>
+          </a:bodyPr>
+          <a:lstStyle/>
+          <a:p>
+            <a:pPr algn="ctr"/>
+            <a:r>
+              <a:rPr lang="en-US" sz="2000">
+                <a:solidFill>
+                  <a:schemeClr val="bg1"/>
+                </a:solidFill>
                 <a:cs typeface="Arial" charset="0"/>
               </a:rPr>
-              <a:t>Mathematic model </a:t>
-            </a:r>
-          </a:p>
-          <a:p>
-            <a:pPr lvl="1" eaLnBrk="1" hangingPunct="1">
-              <a:lnSpc>
-                <a:spcPct val="80000"/>
-              </a:lnSpc>
-            </a:pPr>
-            <a:r>
-              <a:rPr lang="en-US" i="0" kern="0" dirty="0" smtClean="0">
-                <a:solidFill>
-                  <a:schemeClr val="bg1"/>
-                </a:solidFill>
-                <a:latin typeface="Arial" charset="0"/>
+              <a:t>has_specified_input</a:t>
+            </a:r>
+            <a:endParaRPr lang="en-US" sz="2000"/>
+          </a:p>
+        </p:txBody>
+      </p:sp>
+      <p:sp>
+        <p:nvSpPr>
+          <p:cNvPr id="6167" name="Rectangle 60"/>
+          <p:cNvSpPr>
+            <a:spLocks noChangeArrowheads="1"/>
+          </p:cNvSpPr>
+          <p:nvPr/>
+        </p:nvSpPr>
+        <p:spPr bwMode="auto">
+          <a:xfrm>
+            <a:off x="5143500" y="1706563"/>
+            <a:ext cx="1154113" cy="400050"/>
+          </a:xfrm>
+          <a:prstGeom prst="rect">
+            <a:avLst/>
+          </a:prstGeom>
+          <a:noFill/>
+          <a:ln>
+            <a:noFill/>
+          </a:ln>
+          <a:extLst>
+            <a:ext uri="{909E8E84-426E-40DD-AFC4-6F175D3DCCD1}">
+              <a14:hiddenFill xmlns:a14="http://schemas.microsoft.com/office/drawing/2010/main">
+                <a:solidFill>
+                  <a:srgbClr val="FFFFFF"/>
+                </a:solidFill>
+              </a14:hiddenFill>
+            </a:ext>
+            <a:ext uri="{91240B29-F687-4F45-9708-019B960494DF}">
+              <a14:hiddenLine xmlns:a14="http://schemas.microsoft.com/office/drawing/2010/main" w="9525">
+                <a:solidFill>
+                  <a:srgbClr val="000000"/>
+                </a:solidFill>
+                <a:miter lim="800000"/>
+                <a:headEnd/>
+                <a:tailEnd/>
+              </a14:hiddenLine>
+            </a:ext>
+          </a:extLst>
+        </p:spPr>
+        <p:txBody>
+          <a:bodyPr wrap="none">
+            <a:spAutoFit/>
+          </a:bodyPr>
+          <a:lstStyle/>
+          <a:p>
+            <a:r>
+              <a:rPr lang="en-US" sz="2000">
+                <a:solidFill>
+                  <a:schemeClr val="bg1"/>
+                </a:solidFill>
                 <a:cs typeface="Arial" charset="0"/>
               </a:rPr>
-              <a:t>Test distribution, e.g., </a:t>
-            </a:r>
-            <a:r>
-              <a:rPr lang="en-US" i="0" kern="0" dirty="0">
-                <a:solidFill>
-                  <a:schemeClr val="bg1"/>
-                </a:solidFill>
-                <a:latin typeface="Arial" charset="0"/>
+              <a:t>is_about</a:t>
+            </a:r>
+            <a:endParaRPr lang="en-US" sz="2000"/>
+          </a:p>
+        </p:txBody>
+      </p:sp>
+      <p:sp>
+        <p:nvSpPr>
+          <p:cNvPr id="6168" name="Rectangle 62"/>
+          <p:cNvSpPr>
+            <a:spLocks noChangeArrowheads="1"/>
+          </p:cNvSpPr>
+          <p:nvPr/>
+        </p:nvSpPr>
+        <p:spPr bwMode="auto">
+          <a:xfrm>
+            <a:off x="2057400" y="1730375"/>
+            <a:ext cx="1123950" cy="400050"/>
+          </a:xfrm>
+          <a:prstGeom prst="rect">
+            <a:avLst/>
+          </a:prstGeom>
+          <a:noFill/>
+          <a:ln>
+            <a:noFill/>
+          </a:ln>
+          <a:extLst>
+            <a:ext uri="{909E8E84-426E-40DD-AFC4-6F175D3DCCD1}">
+              <a14:hiddenFill xmlns:a14="http://schemas.microsoft.com/office/drawing/2010/main">
+                <a:solidFill>
+                  <a:srgbClr val="FFFFFF"/>
+                </a:solidFill>
+              </a14:hiddenFill>
+            </a:ext>
+            <a:ext uri="{91240B29-F687-4F45-9708-019B960494DF}">
+              <a14:hiddenLine xmlns:a14="http://schemas.microsoft.com/office/drawing/2010/main" w="9525">
+                <a:solidFill>
+                  <a:srgbClr val="000000"/>
+                </a:solidFill>
+                <a:miter lim="800000"/>
+                <a:headEnd/>
+                <a:tailEnd/>
+              </a14:hiddenLine>
+            </a:ext>
+          </a:extLst>
+        </p:spPr>
+        <p:txBody>
+          <a:bodyPr wrap="none">
+            <a:spAutoFit/>
+          </a:bodyPr>
+          <a:lstStyle/>
+          <a:p>
+            <a:pPr algn="ctr"/>
+            <a:r>
+              <a:rPr lang="en-US" sz="2000">
+                <a:solidFill>
+                  <a:schemeClr val="bg1"/>
+                </a:solidFill>
                 <a:cs typeface="Arial" charset="0"/>
               </a:rPr>
-              <a:t>, student’s </a:t>
-            </a:r>
-            <a:r>
-              <a:rPr lang="en-US" i="0" kern="0" dirty="0" smtClean="0">
-                <a:solidFill>
-                  <a:schemeClr val="bg1"/>
-                </a:solidFill>
-                <a:latin typeface="Arial" charset="0"/>
+              <a:t>part_of?</a:t>
+            </a:r>
+            <a:endParaRPr lang="en-US" sz="2000"/>
+          </a:p>
+        </p:txBody>
+      </p:sp>
+      <p:cxnSp>
+        <p:nvCxnSpPr>
+          <p:cNvPr id="25" name="Straight Connector 49"/>
+          <p:cNvCxnSpPr>
+            <a:cxnSpLocks noChangeShapeType="1"/>
+          </p:cNvCxnSpPr>
+          <p:nvPr/>
+        </p:nvCxnSpPr>
+        <p:spPr bwMode="auto">
+          <a:xfrm>
+            <a:off x="7486651" y="2445947"/>
+            <a:ext cx="7937" cy="1039812"/>
+          </a:xfrm>
+          <a:prstGeom prst="line">
+            <a:avLst/>
+          </a:prstGeom>
+          <a:noFill/>
+          <a:ln w="12700" algn="ctr">
+            <a:solidFill>
+              <a:schemeClr val="bg1"/>
+            </a:solidFill>
+            <a:round/>
+            <a:headEnd type="arrow" w="med" len="med"/>
+            <a:tailEnd/>
+          </a:ln>
+          <a:extLst>
+            <a:ext uri="{909E8E84-426E-40DD-AFC4-6F175D3DCCD1}">
+              <a14:hiddenFill xmlns:a14="http://schemas.microsoft.com/office/drawing/2010/main">
+                <a:noFill/>
+              </a14:hiddenFill>
+            </a:ext>
+          </a:extLst>
+        </p:spPr>
+      </p:cxnSp>
+      <p:sp>
+        <p:nvSpPr>
+          <p:cNvPr id="26" name="Rectangle 33"/>
+          <p:cNvSpPr>
+            <a:spLocks noChangeArrowheads="1"/>
+          </p:cNvSpPr>
+          <p:nvPr/>
+        </p:nvSpPr>
+        <p:spPr bwMode="auto">
+          <a:xfrm>
+            <a:off x="6356457" y="4185538"/>
+            <a:ext cx="2254143" cy="707886"/>
+          </a:xfrm>
+          <a:prstGeom prst="rect">
+            <a:avLst/>
+          </a:prstGeom>
+          <a:noFill/>
+          <a:ln>
+            <a:noFill/>
+          </a:ln>
+          <a:extLst>
+            <a:ext uri="{909E8E84-426E-40DD-AFC4-6F175D3DCCD1}">
+              <a14:hiddenFill xmlns:a14="http://schemas.microsoft.com/office/drawing/2010/main">
+                <a:solidFill>
+                  <a:srgbClr val="FFFFFF"/>
+                </a:solidFill>
+              </a14:hiddenFill>
+            </a:ext>
+            <a:ext uri="{91240B29-F687-4F45-9708-019B960494DF}">
+              <a14:hiddenLine xmlns:a14="http://schemas.microsoft.com/office/drawing/2010/main" w="9525">
+                <a:solidFill>
+                  <a:srgbClr val="000000"/>
+                </a:solidFill>
+                <a:miter lim="800000"/>
+                <a:headEnd/>
+                <a:tailEnd/>
+              </a14:hiddenLine>
+            </a:ext>
+          </a:extLst>
+        </p:spPr>
+        <p:txBody>
+          <a:bodyPr wrap="none">
+            <a:spAutoFit/>
+          </a:bodyPr>
+          <a:lstStyle/>
+          <a:p>
+            <a:r>
+              <a:rPr lang="en-US" sz="2000" dirty="0" smtClean="0">
+                <a:solidFill>
+                  <a:schemeClr val="bg1"/>
+                </a:solidFill>
                 <a:cs typeface="Arial" charset="0"/>
               </a:rPr>
-              <a:t>t distribution</a:t>
-            </a:r>
-          </a:p>
-          <a:p>
-            <a:pPr lvl="1" eaLnBrk="1" hangingPunct="1">
-              <a:lnSpc>
-                <a:spcPct val="80000"/>
-              </a:lnSpc>
-            </a:pPr>
-            <a:r>
-              <a:rPr lang="en-US" i="0" kern="0" dirty="0" smtClean="0">
-                <a:solidFill>
-                  <a:schemeClr val="bg1"/>
-                </a:solidFill>
-                <a:latin typeface="Arial" charset="0"/>
+              <a:t>achieves_ </a:t>
+            </a:r>
+          </a:p>
+          <a:p>
+            <a:r>
+              <a:rPr lang="en-US" sz="2000" dirty="0" err="1" smtClean="0">
+                <a:solidFill>
+                  <a:schemeClr val="bg1"/>
+                </a:solidFill>
                 <a:cs typeface="Arial" charset="0"/>
               </a:rPr>
-              <a:t>Test </a:t>
-            </a:r>
-            <a:r>
-              <a:rPr lang="en-US" i="0" kern="0" dirty="0" smtClean="0">
-                <a:solidFill>
-                  <a:schemeClr val="bg1"/>
-                </a:solidFill>
-                <a:latin typeface="Arial" charset="0"/>
-                <a:cs typeface="Arial" charset="0"/>
-              </a:rPr>
-              <a:t>result </a:t>
-            </a:r>
-            <a:r>
-              <a:rPr lang="en-US" i="0" kern="0" dirty="0" smtClean="0">
-                <a:solidFill>
-                  <a:schemeClr val="bg1"/>
-                </a:solidFill>
-                <a:latin typeface="Arial" charset="0"/>
-                <a:cs typeface="Arial" charset="0"/>
-              </a:rPr>
-              <a:t>value, </a:t>
-            </a:r>
-            <a:r>
-              <a:rPr lang="en-US" i="0" kern="0" dirty="0" smtClean="0">
-                <a:solidFill>
-                  <a:schemeClr val="bg1"/>
-                </a:solidFill>
-                <a:latin typeface="Arial" charset="0"/>
-                <a:cs typeface="Arial" charset="0"/>
-              </a:rPr>
-              <a:t>e.g., p-value</a:t>
-            </a:r>
-          </a:p>
-          <a:p>
-            <a:pPr lvl="1" eaLnBrk="1" hangingPunct="1">
-              <a:lnSpc>
-                <a:spcPct val="80000"/>
-              </a:lnSpc>
-            </a:pPr>
-            <a:r>
-              <a:rPr lang="en-US" i="0" kern="0" dirty="0" smtClean="0">
-                <a:solidFill>
-                  <a:schemeClr val="bg1"/>
-                </a:solidFill>
-                <a:latin typeface="Arial" charset="0"/>
-                <a:cs typeface="Arial" charset="0"/>
-              </a:rPr>
-              <a:t>Hypothesis </a:t>
-            </a:r>
-            <a:endParaRPr lang="en-US" i="0" kern="0" dirty="0" smtClean="0">
-              <a:solidFill>
-                <a:schemeClr val="bg1"/>
-              </a:solidFill>
-              <a:latin typeface="Arial" charset="0"/>
-              <a:cs typeface="Arial" charset="0"/>
-            </a:endParaRPr>
-          </a:p>
-          <a:p>
-            <a:pPr lvl="1" eaLnBrk="1" hangingPunct="1">
-              <a:lnSpc>
-                <a:spcPct val="80000"/>
-              </a:lnSpc>
-            </a:pPr>
-            <a:endParaRPr lang="en-US" i="0" kern="0" dirty="0" smtClean="0">
-              <a:solidFill>
-                <a:schemeClr val="bg1"/>
-              </a:solidFill>
-              <a:latin typeface="Arial" charset="0"/>
-              <a:cs typeface="Arial" charset="0"/>
-            </a:endParaRPr>
-          </a:p>
-          <a:p>
-            <a:pPr eaLnBrk="1" hangingPunct="1">
-              <a:lnSpc>
-                <a:spcPct val="80000"/>
-              </a:lnSpc>
-            </a:pPr>
-            <a:r>
-              <a:rPr lang="en-US" i="0" kern="0" dirty="0" smtClean="0">
-                <a:solidFill>
-                  <a:schemeClr val="bg1"/>
-                </a:solidFill>
-                <a:latin typeface="Arial" charset="0"/>
-                <a:cs typeface="Arial" charset="0"/>
-              </a:rPr>
-              <a:t>We want to represent each of these</a:t>
-            </a:r>
-            <a:endParaRPr lang="en-US" i="0" kern="0" dirty="0" smtClean="0">
-              <a:solidFill>
-                <a:schemeClr val="bg1"/>
-              </a:solidFill>
-              <a:latin typeface="Arial" charset="0"/>
-              <a:cs typeface="Arial" charset="0"/>
-            </a:endParaRPr>
+              <a:t>planned_objective</a:t>
+            </a:r>
+            <a:endParaRPr lang="en-US" sz="2000" dirty="0"/>
           </a:p>
         </p:txBody>
       </p:sp>
     </p:spTree>
-    <p:extLst>
-      <p:ext uri="{BB962C8B-B14F-4D97-AF65-F5344CB8AC3E}">
-        <p14:creationId xmlns:p14="http://schemas.microsoft.com/office/powerpoint/2010/main" val="3106395732"/>
-      </p:ext>
-    </p:extLst>
   </p:cSld>
   <p:clrMapOvr>
     <a:masterClrMapping/>
@@ -7996,7 +8337,7 @@
       </p:grpSpPr>
       <p:sp>
         <p:nvSpPr>
-          <p:cNvPr id="22530" name="Rectangle 2"/>
+          <p:cNvPr id="6147" name="Rectangle 2"/>
           <p:cNvSpPr>
             <a:spLocks noGrp="1" noChangeArrowheads="1"/>
           </p:cNvSpPr>
@@ -8006,9 +8347,14 @@
         </p:nvSpPr>
         <p:spPr>
           <a:xfrm>
-            <a:off x="304800" y="457200"/>
-            <a:ext cx="8610600" cy="1371600"/>
+            <a:off x="457200" y="304800"/>
+            <a:ext cx="8305800" cy="1371600"/>
           </a:xfrm>
+          <a:prstGeom prst="roundRect">
+            <a:avLst>
+              <a:gd name="adj" fmla="val 16667"/>
+            </a:avLst>
+          </a:prstGeom>
         </p:spPr>
         <p:txBody>
           <a:bodyPr/>
@@ -8016,57 +8362,345 @@
           <a:p>
             <a:pPr eaLnBrk="1" hangingPunct="1"/>
             <a:r>
-              <a:rPr lang="en-US" sz="4000" b="1" smtClean="0">
-                <a:latin typeface="Arial" charset="0"/>
-              </a:rPr>
-              <a:t>Challenges</a:t>
+              <a:rPr lang="en-US" sz="4000" b="1" dirty="0" smtClean="0">
+                <a:latin typeface="Arial" charset="0"/>
+              </a:rPr>
+              <a:t>What a specific statistical method does? </a:t>
             </a:r>
           </a:p>
         </p:txBody>
       </p:sp>
       <p:sp>
         <p:nvSpPr>
-          <p:cNvPr id="22531" name="Rectangle 3"/>
-          <p:cNvSpPr>
-            <a:spLocks noGrp="1" noChangeArrowheads="1"/>
+          <p:cNvPr id="41" name="Rectangle 3"/>
+          <p:cNvSpPr txBox="1">
+            <a:spLocks noChangeArrowheads="1"/>
           </p:cNvSpPr>
-          <p:nvPr>
-            <p:ph type="body" idx="1"/>
-          </p:nvPr>
+          <p:nvPr/>
         </p:nvSpPr>
-        <p:spPr>
+        <p:spPr bwMode="auto">
           <a:xfrm>
-            <a:off x="838200" y="2209800"/>
-            <a:ext cx="7467600" cy="3352800"/>
+            <a:off x="478808" y="1905000"/>
+            <a:ext cx="8207991" cy="4495800"/>
           </a:xfrm>
+          <a:prstGeom prst="rect">
+            <a:avLst/>
+          </a:prstGeom>
+          <a:noFill/>
+          <a:ln>
+            <a:noFill/>
+          </a:ln>
+          <a:extLst>
+            <a:ext uri="{909E8E84-426E-40DD-AFC4-6F175D3DCCD1}">
+              <a14:hiddenFill xmlns:a14="http://schemas.microsoft.com/office/drawing/2010/main">
+                <a:solidFill>
+                  <a:srgbClr val="FFFFFF"/>
+                </a:solidFill>
+              </a14:hiddenFill>
+            </a:ext>
+            <a:ext uri="{91240B29-F687-4F45-9708-019B960494DF}">
+              <a14:hiddenLine xmlns:a14="http://schemas.microsoft.com/office/drawing/2010/main" w="9525">
+                <a:solidFill>
+                  <a:srgbClr val="000000"/>
+                </a:solidFill>
+                <a:miter lim="800000"/>
+                <a:headEnd/>
+                <a:tailEnd/>
+              </a14:hiddenLine>
+            </a:ext>
+          </a:extLst>
         </p:spPr>
         <p:txBody>
-          <a:bodyPr/>
-          <a:lstStyle/>
-          <a:p>
-            <a:pPr>
+          <a:bodyPr vert="horz" wrap="square" lIns="91440" tIns="45720" rIns="91440" bIns="45720" numCol="1" anchor="t" anchorCtr="0" compatLnSpc="1">
+            <a:prstTxWarp prst="textNoShape">
+              <a:avLst/>
+            </a:prstTxWarp>
+          </a:bodyPr>
+          <a:lstStyle>
+            <a:lvl1pPr marL="342900" indent="-342900" algn="l" rtl="0" eaLnBrk="0" fontAlgn="base" hangingPunct="0">
+              <a:spcBef>
+                <a:spcPct val="20000"/>
+              </a:spcBef>
+              <a:spcAft>
+                <a:spcPct val="0"/>
+              </a:spcAft>
+              <a:buChar char="•"/>
+              <a:defRPr sz="3200">
+                <a:solidFill>
+                  <a:srgbClr val="DDDDDD"/>
+                </a:solidFill>
+                <a:latin typeface="+mn-lt"/>
+                <a:ea typeface="+mn-ea"/>
+                <a:cs typeface="+mn-cs"/>
+              </a:defRPr>
+            </a:lvl1pPr>
+            <a:lvl2pPr marL="742950" indent="-285750" algn="l" rtl="0" eaLnBrk="0" fontAlgn="base" hangingPunct="0">
+              <a:spcBef>
+                <a:spcPct val="20000"/>
+              </a:spcBef>
+              <a:spcAft>
+                <a:spcPct val="0"/>
+              </a:spcAft>
+              <a:buChar char="–"/>
+              <a:defRPr sz="2800">
+                <a:solidFill>
+                  <a:srgbClr val="DDDDDD"/>
+                </a:solidFill>
+                <a:latin typeface="+mn-lt"/>
+              </a:defRPr>
+            </a:lvl2pPr>
+            <a:lvl3pPr marL="1143000" indent="-228600" algn="l" rtl="0" eaLnBrk="0" fontAlgn="base" hangingPunct="0">
+              <a:spcBef>
+                <a:spcPct val="20000"/>
+              </a:spcBef>
+              <a:spcAft>
+                <a:spcPct val="0"/>
+              </a:spcAft>
+              <a:buChar char="•"/>
+              <a:defRPr sz="2400">
+                <a:solidFill>
+                  <a:srgbClr val="DDDDDD"/>
+                </a:solidFill>
+                <a:latin typeface="+mn-lt"/>
+              </a:defRPr>
+            </a:lvl3pPr>
+            <a:lvl4pPr marL="1600200" indent="-228600" algn="l" rtl="0" eaLnBrk="0" fontAlgn="base" hangingPunct="0">
+              <a:spcBef>
+                <a:spcPct val="20000"/>
+              </a:spcBef>
+              <a:spcAft>
+                <a:spcPct val="0"/>
+              </a:spcAft>
+              <a:buChar char="–"/>
+              <a:defRPr sz="2000">
+                <a:solidFill>
+                  <a:srgbClr val="DDDDDD"/>
+                </a:solidFill>
+                <a:latin typeface="+mn-lt"/>
+              </a:defRPr>
+            </a:lvl4pPr>
+            <a:lvl5pPr marL="2057400" indent="-228600" algn="l" rtl="0" eaLnBrk="0" fontAlgn="base" hangingPunct="0">
+              <a:spcBef>
+                <a:spcPct val="20000"/>
+              </a:spcBef>
+              <a:spcAft>
+                <a:spcPct val="0"/>
+              </a:spcAft>
+              <a:buChar char="»"/>
+              <a:defRPr sz="2000">
+                <a:solidFill>
+                  <a:srgbClr val="DDDDDD"/>
+                </a:solidFill>
+                <a:latin typeface="+mn-lt"/>
+              </a:defRPr>
+            </a:lvl5pPr>
+            <a:lvl6pPr marL="2514600" indent="-228600" algn="l" rtl="0" fontAlgn="base">
+              <a:spcBef>
+                <a:spcPct val="20000"/>
+              </a:spcBef>
+              <a:spcAft>
+                <a:spcPct val="0"/>
+              </a:spcAft>
+              <a:buChar char="»"/>
+              <a:defRPr sz="2000">
+                <a:solidFill>
+                  <a:srgbClr val="DDDDDD"/>
+                </a:solidFill>
+                <a:latin typeface="+mn-lt"/>
+              </a:defRPr>
+            </a:lvl6pPr>
+            <a:lvl7pPr marL="2971800" indent="-228600" algn="l" rtl="0" fontAlgn="base">
+              <a:spcBef>
+                <a:spcPct val="20000"/>
+              </a:spcBef>
+              <a:spcAft>
+                <a:spcPct val="0"/>
+              </a:spcAft>
+              <a:buChar char="»"/>
+              <a:defRPr sz="2000">
+                <a:solidFill>
+                  <a:srgbClr val="DDDDDD"/>
+                </a:solidFill>
+                <a:latin typeface="+mn-lt"/>
+              </a:defRPr>
+            </a:lvl7pPr>
+            <a:lvl8pPr marL="3429000" indent="-228600" algn="l" rtl="0" fontAlgn="base">
+              <a:spcBef>
+                <a:spcPct val="20000"/>
+              </a:spcBef>
+              <a:spcAft>
+                <a:spcPct val="0"/>
+              </a:spcAft>
+              <a:buChar char="»"/>
+              <a:defRPr sz="2000">
+                <a:solidFill>
+                  <a:srgbClr val="DDDDDD"/>
+                </a:solidFill>
+                <a:latin typeface="+mn-lt"/>
+              </a:defRPr>
+            </a:lvl8pPr>
+            <a:lvl9pPr marL="3886200" indent="-228600" algn="l" rtl="0" fontAlgn="base">
+              <a:spcBef>
+                <a:spcPct val="20000"/>
+              </a:spcBef>
+              <a:spcAft>
+                <a:spcPct val="0"/>
+              </a:spcAft>
+              <a:buChar char="»"/>
+              <a:defRPr sz="2000">
+                <a:solidFill>
+                  <a:srgbClr val="DDDDDD"/>
+                </a:solidFill>
+                <a:latin typeface="+mn-lt"/>
+              </a:defRPr>
+            </a:lvl9pPr>
+          </a:lstStyle>
+          <a:p>
+            <a:pPr eaLnBrk="1" hangingPunct="1">
               <a:lnSpc>
                 <a:spcPct val="80000"/>
               </a:lnSpc>
             </a:pPr>
             <a:r>
-              <a:rPr lang="en-US" sz="2800" dirty="0" smtClean="0">
+              <a:rPr lang="en-US" i="0" kern="0" dirty="0" smtClean="0">
                 <a:solidFill>
                   <a:schemeClr val="bg1"/>
                 </a:solidFill>
                 <a:latin typeface="Arial" charset="0"/>
                 <a:cs typeface="Arial" charset="0"/>
               </a:rPr>
-              <a:t>How to represent mathematic formula using ontology?</a:t>
-            </a:r>
-          </a:p>
-          <a:p>
-            <a:pPr>
+              <a:t>A specific statistical test like t-test has the following components:</a:t>
+            </a:r>
+          </a:p>
+          <a:p>
+            <a:pPr lvl="1" eaLnBrk="1" hangingPunct="1">
               <a:lnSpc>
                 <a:spcPct val="80000"/>
               </a:lnSpc>
             </a:pPr>
-            <a:endParaRPr lang="en-US" sz="2800" dirty="0" smtClean="0">
+            <a:r>
+              <a:rPr lang="en-US" i="0" kern="0" dirty="0" smtClean="0">
+                <a:solidFill>
+                  <a:schemeClr val="bg1"/>
+                </a:solidFill>
+                <a:latin typeface="Arial" charset="0"/>
+                <a:cs typeface="Arial" charset="0"/>
+              </a:rPr>
+              <a:t>The test label, e.g., student’s t-test</a:t>
+            </a:r>
+          </a:p>
+          <a:p>
+            <a:pPr lvl="1" eaLnBrk="1" hangingPunct="1">
+              <a:lnSpc>
+                <a:spcPct val="80000"/>
+              </a:lnSpc>
+            </a:pPr>
+            <a:r>
+              <a:rPr lang="en-US" i="0" kern="0" dirty="0" smtClean="0">
+                <a:solidFill>
+                  <a:schemeClr val="bg1"/>
+                </a:solidFill>
+                <a:latin typeface="Arial" charset="0"/>
+                <a:cs typeface="Arial" charset="0"/>
+              </a:rPr>
+              <a:t>Test statistic</a:t>
+            </a:r>
+          </a:p>
+          <a:p>
+            <a:pPr lvl="1" eaLnBrk="1" hangingPunct="1">
+              <a:lnSpc>
+                <a:spcPct val="80000"/>
+              </a:lnSpc>
+            </a:pPr>
+            <a:r>
+              <a:rPr lang="en-US" i="0" kern="0" dirty="0" smtClean="0">
+                <a:solidFill>
+                  <a:schemeClr val="bg1"/>
+                </a:solidFill>
+                <a:latin typeface="Arial" charset="0"/>
+                <a:cs typeface="Arial" charset="0"/>
+              </a:rPr>
+              <a:t>Mathematic model </a:t>
+            </a:r>
+          </a:p>
+          <a:p>
+            <a:pPr lvl="1" eaLnBrk="1" hangingPunct="1">
+              <a:lnSpc>
+                <a:spcPct val="80000"/>
+              </a:lnSpc>
+            </a:pPr>
+            <a:r>
+              <a:rPr lang="en-US" i="0" kern="0" dirty="0" smtClean="0">
+                <a:solidFill>
+                  <a:schemeClr val="bg1"/>
+                </a:solidFill>
+                <a:latin typeface="Arial" charset="0"/>
+                <a:cs typeface="Arial" charset="0"/>
+              </a:rPr>
+              <a:t>Test distribution, e.g., </a:t>
+            </a:r>
+            <a:r>
+              <a:rPr lang="en-US" i="0" kern="0" dirty="0">
+                <a:solidFill>
+                  <a:schemeClr val="bg1"/>
+                </a:solidFill>
+                <a:latin typeface="Arial" charset="0"/>
+                <a:cs typeface="Arial" charset="0"/>
+              </a:rPr>
+              <a:t>, student’s </a:t>
+            </a:r>
+            <a:r>
+              <a:rPr lang="en-US" i="0" kern="0" dirty="0" smtClean="0">
+                <a:solidFill>
+                  <a:schemeClr val="bg1"/>
+                </a:solidFill>
+                <a:latin typeface="Arial" charset="0"/>
+                <a:cs typeface="Arial" charset="0"/>
+              </a:rPr>
+              <a:t>t distribution</a:t>
+            </a:r>
+          </a:p>
+          <a:p>
+            <a:pPr lvl="1" eaLnBrk="1" hangingPunct="1">
+              <a:lnSpc>
+                <a:spcPct val="80000"/>
+              </a:lnSpc>
+            </a:pPr>
+            <a:r>
+              <a:rPr lang="en-US" i="0" kern="0" dirty="0" smtClean="0">
+                <a:solidFill>
+                  <a:schemeClr val="bg1"/>
+                </a:solidFill>
+                <a:latin typeface="Arial" charset="0"/>
+                <a:cs typeface="Arial" charset="0"/>
+              </a:rPr>
+              <a:t>Test result value, e.g., p-value</a:t>
+            </a:r>
+          </a:p>
+          <a:p>
+            <a:pPr lvl="1" eaLnBrk="1" hangingPunct="1">
+              <a:lnSpc>
+                <a:spcPct val="80000"/>
+              </a:lnSpc>
+            </a:pPr>
+            <a:r>
+              <a:rPr lang="en-US" i="0" kern="0" dirty="0" smtClean="0">
+                <a:solidFill>
+                  <a:schemeClr val="bg1"/>
+                </a:solidFill>
+                <a:latin typeface="Arial" charset="0"/>
+                <a:cs typeface="Arial" charset="0"/>
+              </a:rPr>
+              <a:t>Hypothesis </a:t>
+            </a:r>
+          </a:p>
+          <a:p>
+            <a:pPr lvl="1" eaLnBrk="1" hangingPunct="1">
+              <a:lnSpc>
+                <a:spcPct val="80000"/>
+              </a:lnSpc>
+            </a:pPr>
+            <a:endParaRPr lang="en-US" i="0" kern="0" dirty="0" smtClean="0">
               <a:solidFill>
                 <a:schemeClr val="bg1"/>
               </a:solidFill>
@@ -8075,84 +8709,30 @@
             </a:endParaRPr>
           </a:p>
           <a:p>
-            <a:pPr>
+            <a:pPr eaLnBrk="1" hangingPunct="1">
               <a:lnSpc>
                 <a:spcPct val="80000"/>
               </a:lnSpc>
             </a:pPr>
             <a:r>
-              <a:rPr lang="en-US" sz="2800" dirty="0" smtClean="0">
+              <a:rPr lang="en-US" i="0" kern="0" dirty="0" smtClean="0">
                 <a:solidFill>
                   <a:schemeClr val="bg1"/>
                 </a:solidFill>
                 <a:latin typeface="Arial" charset="0"/>
                 <a:cs typeface="Arial" charset="0"/>
               </a:rPr>
-              <a:t>How to represent statistical null hypothesis?</a:t>
-            </a:r>
-          </a:p>
-          <a:p>
-            <a:pPr>
-              <a:lnSpc>
-                <a:spcPct val="80000"/>
-              </a:lnSpc>
-            </a:pPr>
-            <a:endParaRPr lang="en-US" sz="2800" dirty="0" smtClean="0">
-              <a:solidFill>
-                <a:schemeClr val="bg1"/>
-              </a:solidFill>
-              <a:latin typeface="Arial" charset="0"/>
-              <a:cs typeface="Arial" charset="0"/>
-            </a:endParaRPr>
-          </a:p>
-          <a:p>
-            <a:pPr>
-              <a:lnSpc>
-                <a:spcPct val="80000"/>
-              </a:lnSpc>
-            </a:pPr>
-            <a:r>
-              <a:rPr lang="en-US" sz="2800" dirty="0" smtClean="0">
-                <a:solidFill>
-                  <a:schemeClr val="bg1"/>
-                </a:solidFill>
-                <a:latin typeface="Arial" charset="0"/>
-                <a:cs typeface="Arial" charset="0"/>
-              </a:rPr>
-              <a:t>How to run ontology-supported statistical analysis within the context of semantic web?</a:t>
-            </a:r>
-          </a:p>
-          <a:p>
-            <a:pPr>
-              <a:lnSpc>
-                <a:spcPct val="80000"/>
-              </a:lnSpc>
-            </a:pPr>
-            <a:endParaRPr lang="en-US" sz="2800" dirty="0" smtClean="0">
-              <a:solidFill>
-                <a:schemeClr val="bg1"/>
-              </a:solidFill>
-              <a:latin typeface="Arial" charset="0"/>
-              <a:cs typeface="Arial" charset="0"/>
-            </a:endParaRPr>
-          </a:p>
-          <a:p>
-            <a:pPr>
-              <a:lnSpc>
-                <a:spcPct val="80000"/>
-              </a:lnSpc>
-            </a:pPr>
-            <a:endParaRPr lang="en-US" sz="2800" dirty="0" smtClean="0">
-              <a:solidFill>
-                <a:schemeClr val="bg1"/>
-              </a:solidFill>
-              <a:latin typeface="Arial" charset="0"/>
-              <a:cs typeface="Arial" charset="0"/>
-            </a:endParaRPr>
+              <a:t>We want to represent each of these</a:t>
+            </a:r>
           </a:p>
         </p:txBody>
       </p:sp>
     </p:spTree>
+    <p:extLst>
+      <p:ext uri="{BB962C8B-B14F-4D97-AF65-F5344CB8AC3E}">
+        <p14:creationId xmlns:p14="http://schemas.microsoft.com/office/powerpoint/2010/main" val="3106395732"/>
+      </p:ext>
+    </p:extLst>
   </p:cSld>
   <p:clrMapOvr>
     <a:masterClrMapping/>
@@ -8186,6 +8766,196 @@
       </p:grpSpPr>
       <p:sp>
         <p:nvSpPr>
+          <p:cNvPr id="22530" name="Rectangle 2"/>
+          <p:cNvSpPr>
+            <a:spLocks noGrp="1" noChangeArrowheads="1"/>
+          </p:cNvSpPr>
+          <p:nvPr>
+            <p:ph type="title"/>
+          </p:nvPr>
+        </p:nvSpPr>
+        <p:spPr>
+          <a:xfrm>
+            <a:off x="304800" y="457200"/>
+            <a:ext cx="8610600" cy="1371600"/>
+          </a:xfrm>
+        </p:spPr>
+        <p:txBody>
+          <a:bodyPr/>
+          <a:lstStyle/>
+          <a:p>
+            <a:pPr eaLnBrk="1" hangingPunct="1"/>
+            <a:r>
+              <a:rPr lang="en-US" sz="4000" b="1" smtClean="0">
+                <a:latin typeface="Arial" charset="0"/>
+              </a:rPr>
+              <a:t>Challenges</a:t>
+            </a:r>
+          </a:p>
+        </p:txBody>
+      </p:sp>
+      <p:sp>
+        <p:nvSpPr>
+          <p:cNvPr id="22531" name="Rectangle 3"/>
+          <p:cNvSpPr>
+            <a:spLocks noGrp="1" noChangeArrowheads="1"/>
+          </p:cNvSpPr>
+          <p:nvPr>
+            <p:ph type="body" idx="1"/>
+          </p:nvPr>
+        </p:nvSpPr>
+        <p:spPr>
+          <a:xfrm>
+            <a:off x="838200" y="2209800"/>
+            <a:ext cx="7467600" cy="3352800"/>
+          </a:xfrm>
+        </p:spPr>
+        <p:txBody>
+          <a:bodyPr/>
+          <a:lstStyle/>
+          <a:p>
+            <a:pPr>
+              <a:lnSpc>
+                <a:spcPct val="80000"/>
+              </a:lnSpc>
+            </a:pPr>
+            <a:r>
+              <a:rPr lang="en-US" sz="2800" dirty="0" smtClean="0">
+                <a:solidFill>
+                  <a:schemeClr val="bg1"/>
+                </a:solidFill>
+                <a:latin typeface="Arial" charset="0"/>
+                <a:cs typeface="Arial" charset="0"/>
+              </a:rPr>
+              <a:t>How to represent mathematic formula using ontology?</a:t>
+            </a:r>
+          </a:p>
+          <a:p>
+            <a:pPr>
+              <a:lnSpc>
+                <a:spcPct val="80000"/>
+              </a:lnSpc>
+            </a:pPr>
+            <a:endParaRPr lang="en-US" sz="2800" dirty="0" smtClean="0">
+              <a:solidFill>
+                <a:schemeClr val="bg1"/>
+              </a:solidFill>
+              <a:latin typeface="Arial" charset="0"/>
+              <a:cs typeface="Arial" charset="0"/>
+            </a:endParaRPr>
+          </a:p>
+          <a:p>
+            <a:pPr>
+              <a:lnSpc>
+                <a:spcPct val="80000"/>
+              </a:lnSpc>
+            </a:pPr>
+            <a:r>
+              <a:rPr lang="en-US" sz="2800" dirty="0" smtClean="0">
+                <a:solidFill>
+                  <a:schemeClr val="bg1"/>
+                </a:solidFill>
+                <a:latin typeface="Arial" charset="0"/>
+                <a:cs typeface="Arial" charset="0"/>
+              </a:rPr>
+              <a:t>How to represent statistical null hypothesis?</a:t>
+            </a:r>
+          </a:p>
+          <a:p>
+            <a:pPr>
+              <a:lnSpc>
+                <a:spcPct val="80000"/>
+              </a:lnSpc>
+            </a:pPr>
+            <a:endParaRPr lang="en-US" sz="2800" dirty="0" smtClean="0">
+              <a:solidFill>
+                <a:schemeClr val="bg1"/>
+              </a:solidFill>
+              <a:latin typeface="Arial" charset="0"/>
+              <a:cs typeface="Arial" charset="0"/>
+            </a:endParaRPr>
+          </a:p>
+          <a:p>
+            <a:pPr>
+              <a:lnSpc>
+                <a:spcPct val="80000"/>
+              </a:lnSpc>
+            </a:pPr>
+            <a:r>
+              <a:rPr lang="en-US" sz="2800" dirty="0" smtClean="0">
+                <a:solidFill>
+                  <a:schemeClr val="bg1"/>
+                </a:solidFill>
+                <a:latin typeface="Arial" charset="0"/>
+                <a:cs typeface="Arial" charset="0"/>
+              </a:rPr>
+              <a:t>How to run ontology-supported statistical analysis within the context of semantic web?</a:t>
+            </a:r>
+          </a:p>
+          <a:p>
+            <a:pPr>
+              <a:lnSpc>
+                <a:spcPct val="80000"/>
+              </a:lnSpc>
+            </a:pPr>
+            <a:endParaRPr lang="en-US" sz="2800" dirty="0" smtClean="0">
+              <a:solidFill>
+                <a:schemeClr val="bg1"/>
+              </a:solidFill>
+              <a:latin typeface="Arial" charset="0"/>
+              <a:cs typeface="Arial" charset="0"/>
+            </a:endParaRPr>
+          </a:p>
+          <a:p>
+            <a:pPr>
+              <a:lnSpc>
+                <a:spcPct val="80000"/>
+              </a:lnSpc>
+            </a:pPr>
+            <a:endParaRPr lang="en-US" sz="2800" dirty="0" smtClean="0">
+              <a:solidFill>
+                <a:schemeClr val="bg1"/>
+              </a:solidFill>
+              <a:latin typeface="Arial" charset="0"/>
+              <a:cs typeface="Arial" charset="0"/>
+            </a:endParaRPr>
+          </a:p>
+        </p:txBody>
+      </p:sp>
+    </p:spTree>
+  </p:cSld>
+  <p:clrMapOvr>
+    <a:masterClrMapping/>
+  </p:clrMapOvr>
+  <p:timing>
+    <p:tnLst>
+      <p:par>
+        <p:cTn id="1" dur="indefinite" restart="never" nodeType="tmRoot"/>
+      </p:par>
+    </p:tnLst>
+  </p:timing>
+</p:sld>
+</file>
+
+<file path=ppt/slides/slide15.xml><?xml version="1.0" encoding="utf-8"?>
+<p:sld xmlns:a="http://schemas.openxmlformats.org/drawingml/2006/main" xmlns:r="http://schemas.openxmlformats.org/officeDocument/2006/relationships" xmlns:p="http://schemas.openxmlformats.org/presentationml/2006/main">
+  <p:cSld>
+    <p:spTree>
+      <p:nvGrpSpPr>
+        <p:cNvPr id="1" name=""/>
+        <p:cNvGrpSpPr/>
+        <p:nvPr/>
+      </p:nvGrpSpPr>
+      <p:grpSpPr>
+        <a:xfrm>
+          <a:off x="0" y="0"/>
+          <a:ext cx="0" cy="0"/>
+          <a:chOff x="0" y="0"/>
+          <a:chExt cx="0" cy="0"/>
+        </a:xfrm>
+      </p:grpSpPr>
+      <p:sp>
+        <p:nvSpPr>
           <p:cNvPr id="24578" name="Rectangle 5"/>
           <p:cNvSpPr>
             <a:spLocks noChangeArrowheads="1"/>
@@ -8194,7 +8964,7 @@
         </p:nvSpPr>
         <p:spPr bwMode="auto">
           <a:xfrm>
-            <a:off x="1447800" y="381000"/>
+            <a:off x="1524000" y="457200"/>
             <a:ext cx="6361113" cy="1143000"/>
           </a:xfrm>
           <a:prstGeom prst="rect">
@@ -8246,8 +9016,8 @@
         </p:nvSpPr>
         <p:spPr bwMode="auto">
           <a:xfrm>
-            <a:off x="663575" y="1595021"/>
-            <a:ext cx="7794625" cy="4832092"/>
+            <a:off x="1044896" y="1828800"/>
+            <a:ext cx="7133965" cy="4154984"/>
           </a:xfrm>
           <a:prstGeom prst="rect">
             <a:avLst/>
@@ -8381,106 +9151,281 @@
           <a:p>
             <a:pPr algn="ctr" eaLnBrk="1" hangingPunct="1"/>
             <a:r>
-              <a:rPr lang="en-US" sz="2800" b="1" i="0" dirty="0"/>
+              <a:rPr lang="en-US" i="0" dirty="0"/>
               <a:t> </a:t>
             </a:r>
+            <a:r>
+              <a:rPr lang="en-US" i="0" dirty="0" smtClean="0">
+                <a:solidFill>
+                  <a:schemeClr val="bg1"/>
+                </a:solidFill>
+              </a:rPr>
+              <a:t>OBI Consortium, </a:t>
+            </a:r>
+            <a:r>
+              <a:rPr lang="en-US" i="0" dirty="0">
+                <a:solidFill>
+                  <a:schemeClr val="bg1"/>
+                </a:solidFill>
+              </a:rPr>
+              <a:t>IAO</a:t>
+            </a:r>
           </a:p>
           <a:p>
             <a:pPr algn="ctr" eaLnBrk="1" hangingPunct="1"/>
-            <a:r>
-              <a:rPr lang="en-US" sz="2800" b="1" i="0" dirty="0"/>
-              <a:t>OBI, IAO</a:t>
-            </a:r>
+            <a:endParaRPr lang="en-US" i="0" dirty="0">
+              <a:solidFill>
+                <a:schemeClr val="bg1"/>
+              </a:solidFill>
+            </a:endParaRPr>
           </a:p>
           <a:p>
             <a:pPr algn="ctr" eaLnBrk="1" hangingPunct="1"/>
-            <a:endParaRPr lang="en-US" sz="2800" b="1" i="0" dirty="0"/>
+            <a:r>
+              <a:rPr lang="en-US" i="0" dirty="0">
+                <a:solidFill>
+                  <a:schemeClr val="bg1"/>
+                </a:solidFill>
+              </a:rPr>
+              <a:t>Philippe </a:t>
+            </a:r>
+            <a:r>
+              <a:rPr lang="en-US" i="0" dirty="0" err="1">
+                <a:solidFill>
+                  <a:schemeClr val="bg1"/>
+                </a:solidFill>
+              </a:rPr>
+              <a:t>Rocca</a:t>
+            </a:r>
+            <a:r>
+              <a:rPr lang="en-US" i="0" dirty="0">
+                <a:solidFill>
+                  <a:schemeClr val="bg1"/>
+                </a:solidFill>
+              </a:rPr>
+              <a:t>-Serra, Alfred Hero, </a:t>
+            </a:r>
+            <a:endParaRPr lang="en-US" i="0" dirty="0" smtClean="0">
+              <a:solidFill>
+                <a:schemeClr val="bg1"/>
+              </a:solidFill>
+            </a:endParaRPr>
           </a:p>
           <a:p>
             <a:pPr algn="ctr" eaLnBrk="1" hangingPunct="1"/>
             <a:r>
-              <a:rPr lang="en-US" sz="2800" b="1" i="0" dirty="0"/>
+              <a:rPr lang="en-US" i="0" dirty="0" smtClean="0">
+                <a:solidFill>
+                  <a:schemeClr val="bg1"/>
+                </a:solidFill>
+              </a:rPr>
+              <a:t>Jessica Turner</a:t>
+            </a:r>
+            <a:r>
+              <a:rPr lang="en-US" i="0" dirty="0" smtClean="0">
+                <a:solidFill>
+                  <a:schemeClr val="bg1"/>
+                </a:solidFill>
+              </a:rPr>
+              <a:t>, and others in the 2012 </a:t>
+            </a:r>
+          </a:p>
+          <a:p>
+            <a:pPr algn="ctr" eaLnBrk="1" hangingPunct="1"/>
+            <a:r>
+              <a:rPr lang="en-US" i="0" dirty="0" smtClean="0">
+                <a:solidFill>
+                  <a:schemeClr val="bg1"/>
+                </a:solidFill>
+              </a:rPr>
+              <a:t>OBI face-2-face Ann </a:t>
+            </a:r>
+            <a:r>
+              <a:rPr lang="en-US" i="0" dirty="0">
+                <a:solidFill>
+                  <a:schemeClr val="bg1"/>
+                </a:solidFill>
+              </a:rPr>
+              <a:t>Arbor workshop</a:t>
+            </a:r>
+          </a:p>
+          <a:p>
+            <a:pPr algn="ctr" eaLnBrk="1" hangingPunct="1"/>
+            <a:endParaRPr lang="en-US" i="0" dirty="0">
+              <a:solidFill>
+                <a:schemeClr val="bg1"/>
+              </a:solidFill>
+            </a:endParaRPr>
+          </a:p>
+          <a:p>
+            <a:pPr algn="ctr" eaLnBrk="1" hangingPunct="1"/>
+            <a:r>
+              <a:rPr lang="en-US" i="0" dirty="0" err="1" smtClean="0">
+                <a:solidFill>
+                  <a:schemeClr val="bg1"/>
+                </a:solidFill>
+              </a:rPr>
+              <a:t>Bjoern</a:t>
+            </a:r>
+            <a:r>
+              <a:rPr lang="en-US" i="0" dirty="0" smtClean="0">
+                <a:solidFill>
+                  <a:schemeClr val="bg1"/>
+                </a:solidFill>
+              </a:rPr>
+              <a:t> Peters, Chris </a:t>
+            </a:r>
+            <a:r>
+              <a:rPr lang="en-US" i="0" dirty="0" err="1" smtClean="0">
+                <a:solidFill>
+                  <a:schemeClr val="bg1"/>
+                </a:solidFill>
+              </a:rPr>
+              <a:t>Stoeckert</a:t>
+            </a:r>
+            <a:r>
+              <a:rPr lang="en-US" i="0" dirty="0" smtClean="0">
+                <a:solidFill>
+                  <a:schemeClr val="bg1"/>
+                </a:solidFill>
+              </a:rPr>
+              <a:t>, </a:t>
+            </a:r>
+            <a:r>
+              <a:rPr lang="en-US" i="0" dirty="0" err="1" smtClean="0">
+                <a:solidFill>
+                  <a:schemeClr val="bg1"/>
+                </a:solidFill>
+              </a:rPr>
+              <a:t>Jie</a:t>
+            </a:r>
+            <a:r>
+              <a:rPr lang="en-US" i="0" dirty="0" smtClean="0">
+                <a:solidFill>
+                  <a:schemeClr val="bg1"/>
+                </a:solidFill>
+              </a:rPr>
+              <a:t> </a:t>
+            </a:r>
+            <a:r>
+              <a:rPr lang="en-US" i="0" dirty="0" err="1" smtClean="0">
+                <a:solidFill>
+                  <a:schemeClr val="bg1"/>
+                </a:solidFill>
+              </a:rPr>
+              <a:t>Zheng</a:t>
+            </a:r>
+            <a:r>
+              <a:rPr lang="en-US" i="0" dirty="0">
+                <a:solidFill>
+                  <a:schemeClr val="bg1"/>
+                </a:solidFill>
+              </a:rPr>
+              <a:t>, </a:t>
+            </a:r>
+            <a:endParaRPr lang="en-US" i="0" dirty="0" smtClean="0">
+              <a:solidFill>
+                <a:schemeClr val="bg1"/>
+              </a:solidFill>
+            </a:endParaRPr>
+          </a:p>
+          <a:p>
+            <a:pPr algn="ctr" eaLnBrk="1" hangingPunct="1"/>
+            <a:r>
+              <a:rPr lang="en-US" i="0" dirty="0" smtClean="0">
+                <a:solidFill>
+                  <a:schemeClr val="bg1"/>
+                </a:solidFill>
+              </a:rPr>
               <a:t>Philippe </a:t>
             </a:r>
             <a:r>
-              <a:rPr lang="en-US" sz="2800" b="1" i="0" dirty="0" err="1"/>
+              <a:rPr lang="en-US" i="0" dirty="0" err="1">
+                <a:solidFill>
+                  <a:schemeClr val="bg1"/>
+                </a:solidFill>
+              </a:rPr>
               <a:t>Rocca</a:t>
             </a:r>
             <a:r>
-              <a:rPr lang="en-US" sz="2800" b="1" i="0" dirty="0"/>
-              <a:t>-Serra, Alfred Hero, </a:t>
-            </a:r>
-            <a:endParaRPr lang="en-US" sz="2800" b="1" i="0" dirty="0" smtClean="0"/>
+              <a:rPr lang="en-US" i="0" dirty="0">
+                <a:solidFill>
+                  <a:schemeClr val="bg1"/>
+                </a:solidFill>
+              </a:rPr>
+              <a:t>-Serra, James </a:t>
+            </a:r>
+            <a:r>
+              <a:rPr lang="en-US" i="0" dirty="0" smtClean="0">
+                <a:solidFill>
+                  <a:schemeClr val="bg1"/>
+                </a:solidFill>
+              </a:rPr>
+              <a:t>A. Overton, and </a:t>
+            </a:r>
           </a:p>
           <a:p>
             <a:pPr algn="ctr" eaLnBrk="1" hangingPunct="1"/>
             <a:r>
-              <a:rPr lang="en-US" sz="2800" b="1" i="0" dirty="0" smtClean="0"/>
-              <a:t>Jessica </a:t>
-            </a:r>
-            <a:r>
-              <a:rPr lang="en-US" sz="2800" b="1" i="0" dirty="0" smtClean="0"/>
-              <a:t>Turner, </a:t>
+              <a:rPr lang="en-US" i="0" dirty="0" smtClean="0">
+                <a:solidFill>
+                  <a:schemeClr val="bg1"/>
+                </a:solidFill>
+              </a:rPr>
+              <a:t>all in the April 8</a:t>
+            </a:r>
+            <a:r>
+              <a:rPr lang="en-US" i="0" baseline="30000" dirty="0" smtClean="0">
+                <a:solidFill>
+                  <a:schemeClr val="bg1"/>
+                </a:solidFill>
+              </a:rPr>
+              <a:t>th</a:t>
+            </a:r>
+            <a:r>
+              <a:rPr lang="en-US" i="0" dirty="0" smtClean="0">
+                <a:solidFill>
+                  <a:schemeClr val="bg1"/>
+                </a:solidFill>
+              </a:rPr>
+              <a:t> 2013 OBI conference call</a:t>
             </a:r>
           </a:p>
           <a:p>
             <a:pPr algn="ctr" eaLnBrk="1" hangingPunct="1"/>
             <a:r>
-              <a:rPr lang="en-US" sz="2800" b="1" i="0" dirty="0" smtClean="0"/>
-              <a:t>all </a:t>
-            </a:r>
-            <a:r>
-              <a:rPr lang="en-US" sz="2800" b="1" i="0" dirty="0"/>
-              <a:t>in 2012 </a:t>
-            </a:r>
-            <a:r>
-              <a:rPr lang="en-US" sz="2800" b="1" i="0" dirty="0" smtClean="0"/>
-              <a:t>OBI </a:t>
-            </a:r>
-            <a:r>
-              <a:rPr lang="en-US" sz="2800" b="1" i="0" dirty="0"/>
-              <a:t>face-2-face </a:t>
-            </a:r>
-            <a:endParaRPr lang="en-US" sz="2800" b="1" i="0" dirty="0" smtClean="0"/>
+              <a:rPr lang="en-US" i="0" dirty="0" smtClean="0">
+                <a:solidFill>
+                  <a:schemeClr val="bg1"/>
+                </a:solidFill>
+              </a:rPr>
+              <a:t> </a:t>
+            </a:r>
+            <a:endParaRPr lang="en-US" i="0" dirty="0">
+              <a:solidFill>
+                <a:schemeClr val="bg1"/>
+              </a:solidFill>
+            </a:endParaRPr>
           </a:p>
           <a:p>
             <a:pPr algn="ctr" eaLnBrk="1" hangingPunct="1"/>
             <a:r>
-              <a:rPr lang="en-US" sz="2800" b="1" i="0" dirty="0" smtClean="0"/>
-              <a:t>Ann </a:t>
-            </a:r>
-            <a:r>
-              <a:rPr lang="en-US" sz="2800" b="1" i="0" dirty="0"/>
-              <a:t>Arbor workshop</a:t>
-            </a:r>
-            <a:endParaRPr lang="en-US" sz="2800" b="1" i="0" dirty="0"/>
-          </a:p>
-          <a:p>
-            <a:pPr algn="ctr" eaLnBrk="1" hangingPunct="1"/>
-            <a:endParaRPr lang="en-US" sz="2800" b="1" i="0" dirty="0"/>
-          </a:p>
-          <a:p>
-            <a:pPr algn="ctr" eaLnBrk="1" hangingPunct="1"/>
-            <a:endParaRPr lang="en-US" sz="2800" b="1" i="0" dirty="0"/>
-          </a:p>
-          <a:p>
-            <a:pPr algn="ctr" eaLnBrk="1" hangingPunct="1"/>
-            <a:r>
-              <a:rPr lang="en-US" sz="2800" b="1" i="0" dirty="0"/>
+              <a:rPr lang="en-US" i="0" dirty="0">
+                <a:solidFill>
+                  <a:schemeClr val="bg1"/>
+                </a:solidFill>
+              </a:rPr>
               <a:t>NIH-NIAID Grant: </a:t>
             </a:r>
             <a:r>
-              <a:rPr lang="en-US" sz="2800" b="1" i="0" dirty="0" smtClean="0">
+              <a:rPr lang="en-US" i="0" dirty="0" smtClean="0">
                 <a:solidFill>
                   <a:schemeClr val="bg1"/>
                 </a:solidFill>
               </a:rPr>
               <a:t>R01AI081062</a:t>
             </a:r>
-          </a:p>
-          <a:p>
-            <a:pPr algn="ctr" eaLnBrk="1" hangingPunct="1"/>
-            <a:endParaRPr lang="en-US" sz="2800" b="1" i="0" dirty="0">
+            <a:endParaRPr lang="en-US" i="0" dirty="0">
               <a:solidFill>
                 <a:schemeClr val="bg1"/>
               </a:solidFill>
@@ -10894,39 +11839,9 @@
           <a:chExt cx="0" cy="0"/>
         </a:xfrm>
       </p:grpSpPr>
-      <p:sp>
-        <p:nvSpPr>
-          <p:cNvPr id="7170" name="Rectangle 2"/>
-          <p:cNvSpPr>
-            <a:spLocks noGrp="1" noChangeArrowheads="1"/>
-          </p:cNvSpPr>
-          <p:nvPr>
-            <p:ph type="title"/>
-          </p:nvPr>
-        </p:nvSpPr>
-        <p:spPr>
-          <a:xfrm>
-            <a:off x="3048000" y="228600"/>
-            <a:ext cx="5829869" cy="1143000"/>
-          </a:xfrm>
-        </p:spPr>
-        <p:txBody>
-          <a:bodyPr/>
-          <a:lstStyle/>
-          <a:p>
-            <a:pPr eaLnBrk="1" hangingPunct="1"/>
-            <a:r>
-              <a:rPr lang="en-US" sz="3600" b="1" dirty="0" smtClean="0">
-                <a:latin typeface="Arial" charset="0"/>
-              </a:rPr>
-              <a:t>Added many terms under OBI “data item”</a:t>
-            </a:r>
-          </a:p>
-        </p:txBody>
-      </p:sp>
       <p:pic>
         <p:nvPicPr>
-          <p:cNvPr id="1026" name="Picture 2"/>
+          <p:cNvPr id="2" name="Picture 2"/>
           <p:cNvPicPr>
             <a:picLocks noChangeAspect="1" noChangeArrowheads="1"/>
           </p:cNvPicPr>
@@ -10947,8 +11862,8 @@
         </p:blipFill>
         <p:spPr bwMode="auto">
           <a:xfrm>
-            <a:off x="593112" y="4525902"/>
-            <a:ext cx="2409256" cy="2176428"/>
+            <a:off x="190818" y="1448624"/>
+            <a:ext cx="2447038" cy="3634689"/>
           </a:xfrm>
           <a:prstGeom prst="rect">
             <a:avLst/>
@@ -10978,6 +11893,36 @@
           </a:extLst>
         </p:spPr>
       </p:pic>
+      <p:sp>
+        <p:nvSpPr>
+          <p:cNvPr id="7170" name="Rectangle 2"/>
+          <p:cNvSpPr>
+            <a:spLocks noGrp="1" noChangeArrowheads="1"/>
+          </p:cNvSpPr>
+          <p:nvPr>
+            <p:ph type="title"/>
+          </p:nvPr>
+        </p:nvSpPr>
+        <p:spPr>
+          <a:xfrm>
+            <a:off x="304800" y="228600"/>
+            <a:ext cx="8534651" cy="1143000"/>
+          </a:xfrm>
+        </p:spPr>
+        <p:txBody>
+          <a:bodyPr/>
+          <a:lstStyle/>
+          <a:p>
+            <a:pPr eaLnBrk="1" hangingPunct="1"/>
+            <a:r>
+              <a:rPr lang="en-US" sz="3200" b="1" dirty="0" smtClean="0">
+                <a:latin typeface="Arial" charset="0"/>
+              </a:rPr>
+              <a:t>Added many terms under OBI “data item”</a:t>
+            </a:r>
+          </a:p>
+        </p:txBody>
+      </p:sp>
       <p:pic>
         <p:nvPicPr>
           <p:cNvPr id="1027" name="Picture 3"/>
@@ -10999,7 +11944,7 @@
         </p:blipFill>
         <p:spPr bwMode="auto">
           <a:xfrm>
-            <a:off x="6230201" y="1600201"/>
+            <a:off x="6077801" y="1447800"/>
             <a:ext cx="2837599" cy="5181600"/>
           </a:xfrm>
           <a:prstGeom prst="rect">
@@ -11053,7 +11998,7 @@
         </p:blipFill>
         <p:spPr bwMode="auto">
           <a:xfrm>
-            <a:off x="3124200" y="1600201"/>
+            <a:off x="2971800" y="1447800"/>
             <a:ext cx="2965588" cy="5133975"/>
           </a:xfrm>
           <a:prstGeom prst="rect">
@@ -11084,60 +12029,6 @@
           </a:extLst>
         </p:spPr>
       </p:pic>
-      <p:pic>
-        <p:nvPicPr>
-          <p:cNvPr id="2051" name="Picture 3"/>
-          <p:cNvPicPr>
-            <a:picLocks noChangeAspect="1" noChangeArrowheads="1"/>
-          </p:cNvPicPr>
-          <p:nvPr/>
-        </p:nvPicPr>
-        <p:blipFill>
-          <a:blip r:embed="rId5">
-            <a:extLst>
-              <a:ext uri="{28A0092B-C50C-407E-A947-70E740481C1C}">
-                <a14:useLocalDpi xmlns:a14="http://schemas.microsoft.com/office/drawing/2010/main" val="0"/>
-              </a:ext>
-            </a:extLst>
-          </a:blip>
-          <a:srcRect/>
-          <a:stretch>
-            <a:fillRect/>
-          </a:stretch>
-        </p:blipFill>
-        <p:spPr bwMode="auto">
-          <a:xfrm>
-            <a:off x="189931" y="142875"/>
-            <a:ext cx="2600325" cy="3590925"/>
-          </a:xfrm>
-          <a:prstGeom prst="rect">
-            <a:avLst/>
-          </a:prstGeom>
-          <a:noFill/>
-          <a:ln>
-            <a:noFill/>
-          </a:ln>
-          <a:extLst>
-            <a:ext uri="{909E8E84-426E-40DD-AFC4-6F175D3DCCD1}">
-              <a14:hiddenFill xmlns:a14="http://schemas.microsoft.com/office/drawing/2010/main">
-                <a:solidFill>
-                  <a:schemeClr val="accent1"/>
-                </a:solidFill>
-              </a14:hiddenFill>
-            </a:ext>
-            <a:ext uri="{91240B29-F687-4F45-9708-019B960494DF}">
-              <a14:hiddenLine xmlns:a14="http://schemas.microsoft.com/office/drawing/2010/main" w="9525">
-                <a:solidFill>
-                  <a:schemeClr val="tx1"/>
-                </a:solidFill>
-                <a:miter lim="800000"/>
-                <a:headEnd/>
-                <a:tailEnd/>
-              </a14:hiddenLine>
-            </a:ext>
-          </a:extLst>
-        </p:spPr>
-      </p:pic>
       <p:sp>
         <p:nvSpPr>
           <p:cNvPr id="3" name="Oval 2"/>
@@ -11146,8 +12037,8 @@
         </p:nvSpPr>
         <p:spPr bwMode="auto">
           <a:xfrm>
-            <a:off x="702720" y="1635598"/>
-            <a:ext cx="1574745" cy="302740"/>
+            <a:off x="550320" y="3064475"/>
+            <a:ext cx="1574745" cy="226540"/>
           </a:xfrm>
           <a:prstGeom prst="ellipse">
             <a:avLst/>
@@ -11224,8 +12115,8 @@
         </p:nvSpPr>
         <p:spPr bwMode="auto">
           <a:xfrm>
-            <a:off x="593112" y="2505075"/>
-            <a:ext cx="2197144" cy="455140"/>
+            <a:off x="440712" y="3945922"/>
+            <a:ext cx="2197144" cy="293215"/>
           </a:xfrm>
           <a:prstGeom prst="ellipse">
             <a:avLst/>
@@ -11302,7 +12193,7 @@
         </p:nvSpPr>
         <p:spPr bwMode="auto">
           <a:xfrm>
-            <a:off x="593112" y="3114675"/>
+            <a:off x="440712" y="4410074"/>
             <a:ext cx="1574745" cy="381000"/>
           </a:xfrm>
           <a:prstGeom prst="ellipse">
@@ -11380,7 +12271,7 @@
         </p:nvSpPr>
         <p:spPr>
           <a:xfrm>
-            <a:off x="189930" y="3787914"/>
+            <a:off x="76200" y="5235713"/>
             <a:ext cx="2657687" cy="707886"/>
           </a:xfrm>
           <a:prstGeom prst="rect">
@@ -11393,6 +12284,7 @@
           </a:bodyPr>
           <a:lstStyle/>
           <a:p>
+            <a:pPr algn="ctr"/>
             <a:r>
               <a:rPr lang="en-US" sz="2000" b="1" dirty="0" smtClean="0">
                 <a:solidFill>
@@ -11458,7 +12350,7 @@
         </p:nvSpPr>
         <p:spPr>
           <a:xfrm>
-            <a:off x="3603008" y="464404"/>
+            <a:off x="3603008" y="381000"/>
             <a:ext cx="5486400" cy="1143000"/>
           </a:xfrm>
         </p:spPr>
@@ -11473,12 +12365,6 @@
               </a:rPr>
               <a:t>Added many terms under </a:t>
             </a:r>
-            <a:r>
-              <a:rPr lang="en-US" sz="3200" b="1" dirty="0" smtClean="0">
-                <a:latin typeface="Arial" charset="0"/>
-              </a:rPr>
-              <a:t/>
-            </a:r>
             <a:br>
               <a:rPr lang="en-US" sz="3200" b="1" dirty="0" smtClean="0">
                 <a:latin typeface="Arial" charset="0"/>
@@ -11494,23 +12380,106 @@
               <a:rPr lang="en-US" sz="3200" b="1" dirty="0" smtClean="0">
                 <a:latin typeface="Arial" charset="0"/>
               </a:rPr>
-              <a:t>“data </a:t>
-            </a:r>
-            <a:r>
-              <a:rPr lang="en-US" sz="3200" b="1" dirty="0" smtClean="0">
-                <a:latin typeface="Arial" charset="0"/>
-              </a:rPr>
-              <a:t>transformation</a:t>
+              <a:t>‘data transformation’</a:t>
             </a:r>
             <a:endParaRPr lang="en-US" sz="3200" b="1" dirty="0" smtClean="0">
               <a:latin typeface="Arial" charset="0"/>
             </a:endParaRPr>
+          </a:p>
+        </p:txBody>
+      </p:sp>
+      <p:sp>
+        <p:nvSpPr>
+          <p:cNvPr id="2" name="Rectangle 1"/>
+          <p:cNvSpPr/>
+          <p:nvPr/>
+        </p:nvSpPr>
+        <p:spPr>
+          <a:xfrm>
+            <a:off x="4019678" y="1676400"/>
+            <a:ext cx="4692555" cy="2308324"/>
+          </a:xfrm>
+          <a:prstGeom prst="rect">
+            <a:avLst/>
+          </a:prstGeom>
+        </p:spPr>
+        <p:txBody>
+          <a:bodyPr wrap="square">
+            <a:spAutoFit/>
+          </a:bodyPr>
+          <a:lstStyle/>
+          <a:p>
+            <a:r>
+              <a:rPr lang="en-US" b="1" i="0" dirty="0" smtClean="0">
+                <a:solidFill>
+                  <a:schemeClr val="bg1"/>
+                </a:solidFill>
+                <a:cs typeface="Arial" charset="0"/>
+              </a:rPr>
+              <a:t>Jessica: </a:t>
+            </a:r>
+            <a:r>
+              <a:rPr lang="en-US" i="0" dirty="0" smtClean="0">
+                <a:solidFill>
+                  <a:schemeClr val="bg1"/>
+                </a:solidFill>
+                <a:cs typeface="Arial" charset="0"/>
+              </a:rPr>
+              <a:t>which should be under ‘statistical hypothesis test</a:t>
+            </a:r>
+            <a:r>
+              <a:rPr lang="en-US" i="0" dirty="0" smtClean="0">
+                <a:solidFill>
+                  <a:schemeClr val="bg1"/>
+                </a:solidFill>
+                <a:cs typeface="Arial" charset="0"/>
+              </a:rPr>
+              <a:t>’?</a:t>
+            </a:r>
+          </a:p>
+          <a:p>
+            <a:endParaRPr lang="en-US" i="0" dirty="0">
+              <a:solidFill>
+                <a:schemeClr val="bg1"/>
+              </a:solidFill>
+              <a:cs typeface="Arial" charset="0"/>
+            </a:endParaRPr>
+          </a:p>
+          <a:p>
+            <a:r>
+              <a:rPr lang="en-US" i="0" dirty="0" smtClean="0">
+                <a:solidFill>
+                  <a:schemeClr val="bg1"/>
+                </a:solidFill>
+                <a:cs typeface="Arial" charset="0"/>
+              </a:rPr>
+              <a:t>Note: It is a defined class:</a:t>
+            </a:r>
+          </a:p>
+          <a:p>
+            <a:endParaRPr lang="en-US" i="0" dirty="0">
+              <a:solidFill>
+                <a:schemeClr val="bg1"/>
+              </a:solidFill>
+              <a:cs typeface="Arial" charset="0"/>
+            </a:endParaRPr>
+          </a:p>
+          <a:p>
+            <a:r>
+              <a:rPr lang="en-US" i="0" dirty="0" smtClean="0">
+                <a:solidFill>
+                  <a:schemeClr val="bg1"/>
+                </a:solidFill>
+                <a:cs typeface="Arial" charset="0"/>
+              </a:rPr>
+              <a:t>every subclass inherits the axiom</a:t>
+            </a:r>
           </a:p>
         </p:txBody>
       </p:sp>
       <p:pic>
         <p:nvPicPr>
-          <p:cNvPr id="3074" name="Picture 2"/>
+          <p:cNvPr id="2050" name="Picture 2"/>
           <p:cNvPicPr>
             <a:picLocks noChangeAspect="1" noChangeArrowheads="1"/>
           </p:cNvPicPr>
@@ -11531,8 +12500,8 @@
         </p:blipFill>
         <p:spPr bwMode="auto">
           <a:xfrm>
-            <a:off x="4937077" y="3384396"/>
-            <a:ext cx="2743200" cy="2996773"/>
+            <a:off x="152400" y="157162"/>
+            <a:ext cx="3276600" cy="6527401"/>
           </a:xfrm>
           <a:prstGeom prst="rect">
             <a:avLst/>
@@ -11564,7 +12533,7 @@
       </p:pic>
       <p:pic>
         <p:nvPicPr>
-          <p:cNvPr id="3075" name="Picture 3"/>
+          <p:cNvPr id="2051" name="Picture 3"/>
           <p:cNvPicPr>
             <a:picLocks noChangeAspect="1" noChangeArrowheads="1"/>
           </p:cNvPicPr>
@@ -11585,8 +12554,8 @@
         </p:blipFill>
         <p:spPr bwMode="auto">
           <a:xfrm>
-            <a:off x="338918" y="244522"/>
-            <a:ext cx="3207225" cy="6338888"/>
+            <a:off x="5105400" y="4267200"/>
+            <a:ext cx="2638425" cy="2343150"/>
           </a:xfrm>
           <a:prstGeom prst="rect">
             <a:avLst/>
@@ -11616,37 +12585,135 @@
           </a:extLst>
         </p:spPr>
       </p:pic>
-      <p:sp>
-        <p:nvSpPr>
-          <p:cNvPr id="2" name="Rectangle 1"/>
-          <p:cNvSpPr/>
+      <p:pic>
+        <p:nvPicPr>
+          <p:cNvPr id="2052" name="Picture 4"/>
+          <p:cNvPicPr>
+            <a:picLocks noChangeAspect="1" noChangeArrowheads="1"/>
+          </p:cNvPicPr>
           <p:nvPr/>
-        </p:nvSpPr>
-        <p:spPr>
+        </p:nvPicPr>
+        <p:blipFill>
+          <a:blip r:embed="rId4">
+            <a:extLst>
+              <a:ext uri="{28A0092B-C50C-407E-A947-70E740481C1C}">
+                <a14:useLocalDpi xmlns:a14="http://schemas.microsoft.com/office/drawing/2010/main" val="0"/>
+              </a:ext>
+            </a:extLst>
+          </a:blip>
+          <a:srcRect/>
+          <a:stretch>
+            <a:fillRect/>
+          </a:stretch>
+        </p:blipFill>
+        <p:spPr bwMode="auto">
           <a:xfrm>
-            <a:off x="3962400" y="2064603"/>
-            <a:ext cx="4692555" cy="830997"/>
+            <a:off x="4419600" y="3200400"/>
+            <a:ext cx="4191000" cy="377104"/>
           </a:xfrm>
           <a:prstGeom prst="rect">
             <a:avLst/>
           </a:prstGeom>
-        </p:spPr>
+          <a:noFill/>
+          <a:ln>
+            <a:noFill/>
+          </a:ln>
+          <a:extLst>
+            <a:ext uri="{909E8E84-426E-40DD-AFC4-6F175D3DCCD1}">
+              <a14:hiddenFill xmlns:a14="http://schemas.microsoft.com/office/drawing/2010/main">
+                <a:solidFill>
+                  <a:schemeClr val="accent1"/>
+                </a:solidFill>
+              </a14:hiddenFill>
+            </a:ext>
+            <a:ext uri="{91240B29-F687-4F45-9708-019B960494DF}">
+              <a14:hiddenLine xmlns:a14="http://schemas.microsoft.com/office/drawing/2010/main" w="9525">
+                <a:solidFill>
+                  <a:schemeClr val="tx1"/>
+                </a:solidFill>
+                <a:miter lim="800000"/>
+                <a:headEnd/>
+                <a:tailEnd/>
+              </a14:hiddenLine>
+            </a:ext>
+          </a:extLst>
+        </p:spPr>
+      </p:pic>
+      <p:sp>
+        <p:nvSpPr>
+          <p:cNvPr id="9" name="Oval 8"/>
+          <p:cNvSpPr/>
+          <p:nvPr/>
+        </p:nvSpPr>
+        <p:spPr bwMode="auto">
+          <a:xfrm>
+            <a:off x="5097162" y="5088924"/>
+            <a:ext cx="2294238" cy="300423"/>
+          </a:xfrm>
+          <a:prstGeom prst="ellipse">
+            <a:avLst/>
+          </a:prstGeom>
+          <a:solidFill>
+            <a:srgbClr val="FF3300">
+              <a:alpha val="0"/>
+            </a:srgbClr>
+          </a:solidFill>
+          <a:ln>
+            <a:solidFill>
+              <a:srgbClr val="FF0000"/>
+            </a:solidFill>
+            <a:headEnd type="none" w="med" len="med"/>
+            <a:tailEnd type="none" w="med" len="med"/>
+          </a:ln>
+        </p:spPr>
+        <p:style>
+          <a:lnRef idx="2">
+            <a:schemeClr val="accent2"/>
+          </a:lnRef>
+          <a:fillRef idx="1">
+            <a:schemeClr val="lt1"/>
+          </a:fillRef>
+          <a:effectRef idx="0">
+            <a:schemeClr val="accent2"/>
+          </a:effectRef>
+          <a:fontRef idx="minor">
+            <a:schemeClr val="dk1"/>
+          </a:fontRef>
+        </p:style>
         <p:txBody>
-          <a:bodyPr wrap="square">
-            <a:spAutoFit/>
+          <a:bodyPr vert="horz" wrap="square" lIns="91440" tIns="45720" rIns="91440" bIns="45720" numCol="1" rtlCol="0" anchor="t" anchorCtr="0" compatLnSpc="1">
+            <a:prstTxWarp prst="textNoShape">
+              <a:avLst/>
+            </a:prstTxWarp>
           </a:bodyPr>
           <a:lstStyle/>
           <a:p>
-            <a:r>
-              <a:rPr lang="en-US" i="0" dirty="0" smtClean="0">
-                <a:solidFill>
-                  <a:schemeClr val="bg1"/>
-                </a:solidFill>
-                <a:cs typeface="Arial" charset="0"/>
-              </a:rPr>
-              <a:t>Jessica: which should be under ‘statistical hypothesis test’?</a:t>
-            </a:r>
-            <a:endParaRPr lang="en-US" dirty="0"/>
+            <a:pPr marL="0" marR="0" indent="0" algn="l" defTabSz="914400" rtl="0" eaLnBrk="0" fontAlgn="base" latinLnBrk="0" hangingPunct="0">
+              <a:lnSpc>
+                <a:spcPct val="100000"/>
+              </a:lnSpc>
+              <a:spcBef>
+                <a:spcPct val="0"/>
+              </a:spcBef>
+              <a:spcAft>
+                <a:spcPct val="0"/>
+              </a:spcAft>
+              <a:buClrTx/>
+              <a:buSzTx/>
+              <a:buFontTx/>
+              <a:buNone/>
+              <a:tabLst/>
+            </a:pPr>
+            <a:endParaRPr kumimoji="0" lang="en-US" sz="2400" b="0" i="1" u="none" strike="noStrike" cap="none" normalizeH="0" baseline="0" smtClean="0">
+              <a:ln>
+                <a:noFill/>
+              </a:ln>
+              <a:solidFill>
+                <a:srgbClr val="FF0000"/>
+              </a:solidFill>
+              <a:effectLst/>
+              <a:latin typeface="Arial" charset="0"/>
+            </a:endParaRPr>
           </a:p>
         </p:txBody>
       </p:sp>
@@ -11700,7 +12767,7 @@
         <p:spPr>
           <a:xfrm>
             <a:off x="228600" y="381000"/>
-            <a:ext cx="8686800" cy="990600"/>
+            <a:ext cx="8686800" cy="1219200"/>
           </a:xfrm>
           <a:prstGeom prst="roundRect">
             <a:avLst>
@@ -11717,17 +12784,332 @@
               <a:rPr lang="en-US" sz="3600" b="1" dirty="0" smtClean="0">
                 <a:latin typeface="Arial" charset="0"/>
               </a:rPr>
-              <a:t>New term “variable specification”</a:t>
+              <a:t>New term </a:t>
+            </a:r>
+            <a:r>
+              <a:rPr lang="en-US" sz="3600" b="1" dirty="0" smtClean="0">
+                <a:latin typeface="Arial" charset="0"/>
+              </a:rPr>
+              <a:t>‘variable specification’ and many of its subclasses</a:t>
             </a:r>
             <a:endParaRPr lang="en-US" sz="3600" b="1" dirty="0" smtClean="0">
               <a:latin typeface="Arial" charset="0"/>
+            </a:endParaRPr>
+          </a:p>
+        </p:txBody>
+      </p:sp>
+      <p:sp>
+        <p:nvSpPr>
+          <p:cNvPr id="4" name="Rectangle 3"/>
+          <p:cNvSpPr txBox="1">
+            <a:spLocks noChangeArrowheads="1"/>
+          </p:cNvSpPr>
+          <p:nvPr/>
+        </p:nvSpPr>
+        <p:spPr bwMode="auto">
+          <a:xfrm>
+            <a:off x="304800" y="1981200"/>
+            <a:ext cx="5257800" cy="4495800"/>
+          </a:xfrm>
+          <a:prstGeom prst="rect">
+            <a:avLst/>
+          </a:prstGeom>
+          <a:noFill/>
+          <a:ln>
+            <a:noFill/>
+          </a:ln>
+          <a:extLst>
+            <a:ext uri="{909E8E84-426E-40DD-AFC4-6F175D3DCCD1}">
+              <a14:hiddenFill xmlns:a14="http://schemas.microsoft.com/office/drawing/2010/main">
+                <a:solidFill>
+                  <a:srgbClr val="FFFFFF"/>
+                </a:solidFill>
+              </a14:hiddenFill>
+            </a:ext>
+            <a:ext uri="{91240B29-F687-4F45-9708-019B960494DF}">
+              <a14:hiddenLine xmlns:a14="http://schemas.microsoft.com/office/drawing/2010/main" w="9525">
+                <a:solidFill>
+                  <a:srgbClr val="000000"/>
+                </a:solidFill>
+                <a:miter lim="800000"/>
+                <a:headEnd/>
+                <a:tailEnd/>
+              </a14:hiddenLine>
+            </a:ext>
+          </a:extLst>
+        </p:spPr>
+        <p:txBody>
+          <a:bodyPr/>
+          <a:lstStyle>
+            <a:lvl1pPr marL="342900" indent="-342900" eaLnBrk="0" hangingPunct="0">
+              <a:defRPr sz="2400" i="1">
+                <a:solidFill>
+                  <a:srgbClr val="FFCC00"/>
+                </a:solidFill>
+                <a:latin typeface="Arial" charset="0"/>
+              </a:defRPr>
+            </a:lvl1pPr>
+            <a:lvl2pPr marL="800100" indent="-342900" eaLnBrk="0" hangingPunct="0">
+              <a:defRPr sz="2400" i="1">
+                <a:solidFill>
+                  <a:srgbClr val="FFCC00"/>
+                </a:solidFill>
+                <a:latin typeface="Arial" charset="0"/>
+              </a:defRPr>
+            </a:lvl2pPr>
+            <a:lvl3pPr marL="1143000" indent="-228600" eaLnBrk="0" hangingPunct="0">
+              <a:defRPr sz="2400" i="1">
+                <a:solidFill>
+                  <a:srgbClr val="FFCC00"/>
+                </a:solidFill>
+                <a:latin typeface="Arial" charset="0"/>
+              </a:defRPr>
+            </a:lvl3pPr>
+            <a:lvl4pPr marL="1600200" indent="-228600" eaLnBrk="0" hangingPunct="0">
+              <a:defRPr sz="2400" i="1">
+                <a:solidFill>
+                  <a:srgbClr val="FFCC00"/>
+                </a:solidFill>
+                <a:latin typeface="Arial" charset="0"/>
+              </a:defRPr>
+            </a:lvl4pPr>
+            <a:lvl5pPr marL="2057400" indent="-228600" eaLnBrk="0" hangingPunct="0">
+              <a:defRPr sz="2400" i="1">
+                <a:solidFill>
+                  <a:srgbClr val="FFCC00"/>
+                </a:solidFill>
+                <a:latin typeface="Arial" charset="0"/>
+              </a:defRPr>
+            </a:lvl5pPr>
+            <a:lvl6pPr marL="2514600" indent="-228600" eaLnBrk="0" fontAlgn="base" hangingPunct="0">
+              <a:spcBef>
+                <a:spcPct val="0"/>
+              </a:spcBef>
+              <a:spcAft>
+                <a:spcPct val="0"/>
+              </a:spcAft>
+              <a:defRPr sz="2400" i="1">
+                <a:solidFill>
+                  <a:srgbClr val="FFCC00"/>
+                </a:solidFill>
+                <a:latin typeface="Arial" charset="0"/>
+              </a:defRPr>
+            </a:lvl6pPr>
+            <a:lvl7pPr marL="2971800" indent="-228600" eaLnBrk="0" fontAlgn="base" hangingPunct="0">
+              <a:spcBef>
+                <a:spcPct val="0"/>
+              </a:spcBef>
+              <a:spcAft>
+                <a:spcPct val="0"/>
+              </a:spcAft>
+              <a:defRPr sz="2400" i="1">
+                <a:solidFill>
+                  <a:srgbClr val="FFCC00"/>
+                </a:solidFill>
+                <a:latin typeface="Arial" charset="0"/>
+              </a:defRPr>
+            </a:lvl7pPr>
+            <a:lvl8pPr marL="3429000" indent="-228600" eaLnBrk="0" fontAlgn="base" hangingPunct="0">
+              <a:spcBef>
+                <a:spcPct val="0"/>
+              </a:spcBef>
+              <a:spcAft>
+                <a:spcPct val="0"/>
+              </a:spcAft>
+              <a:defRPr sz="2400" i="1">
+                <a:solidFill>
+                  <a:srgbClr val="FFCC00"/>
+                </a:solidFill>
+                <a:latin typeface="Arial" charset="0"/>
+              </a:defRPr>
+            </a:lvl8pPr>
+            <a:lvl9pPr marL="3886200" indent="-228600" eaLnBrk="0" fontAlgn="base" hangingPunct="0">
+              <a:spcBef>
+                <a:spcPct val="0"/>
+              </a:spcBef>
+              <a:spcAft>
+                <a:spcPct val="0"/>
+              </a:spcAft>
+              <a:defRPr sz="2400" i="1">
+                <a:solidFill>
+                  <a:srgbClr val="FFCC00"/>
+                </a:solidFill>
+                <a:latin typeface="Arial" charset="0"/>
+              </a:defRPr>
+            </a:lvl9pPr>
+          </a:lstStyle>
+          <a:p>
+            <a:pPr eaLnBrk="1" hangingPunct="1">
+              <a:lnSpc>
+                <a:spcPct val="80000"/>
+              </a:lnSpc>
+              <a:spcBef>
+                <a:spcPct val="20000"/>
+              </a:spcBef>
+              <a:buFontTx/>
+              <a:buChar char="•"/>
+              <a:defRPr/>
+            </a:pPr>
+            <a:r>
+              <a:rPr lang="en-US" sz="2800" i="0" dirty="0" err="1" smtClean="0">
+                <a:solidFill>
+                  <a:schemeClr val="bg1"/>
+                </a:solidFill>
+                <a:cs typeface="Arial" charset="0"/>
+              </a:rPr>
+              <a:t>Def</a:t>
+            </a:r>
+            <a:r>
+              <a:rPr lang="en-US" sz="2800" i="0" dirty="0">
+                <a:solidFill>
+                  <a:schemeClr val="bg1"/>
+                </a:solidFill>
+                <a:cs typeface="Arial" charset="0"/>
+              </a:rPr>
+              <a:t>: “</a:t>
+            </a:r>
+            <a:r>
+              <a:rPr lang="en-US" sz="2800" dirty="0">
+                <a:solidFill>
+                  <a:schemeClr val="bg1"/>
+                </a:solidFill>
+                <a:cs typeface="Arial" charset="0"/>
+              </a:rPr>
+              <a:t>a directive information entity that specifies a statistical variable whose value may change within the scope of a given problem or set of operations</a:t>
+            </a:r>
+            <a:r>
+              <a:rPr lang="en-US" sz="2800" i="0" dirty="0" smtClean="0">
+                <a:solidFill>
+                  <a:schemeClr val="bg1"/>
+                </a:solidFill>
+                <a:cs typeface="Arial" charset="0"/>
+              </a:rPr>
+              <a:t>”</a:t>
+            </a:r>
+          </a:p>
+          <a:p>
+            <a:pPr eaLnBrk="1" hangingPunct="1">
+              <a:lnSpc>
+                <a:spcPct val="80000"/>
+              </a:lnSpc>
+              <a:spcBef>
+                <a:spcPct val="20000"/>
+              </a:spcBef>
+              <a:buFontTx/>
+              <a:buChar char="•"/>
+              <a:defRPr/>
+            </a:pPr>
+            <a:endParaRPr lang="en-US" sz="2800" i="0" dirty="0">
+              <a:solidFill>
+                <a:schemeClr val="bg1"/>
+              </a:solidFill>
+              <a:cs typeface="Arial" charset="0"/>
+            </a:endParaRPr>
+          </a:p>
+          <a:p>
+            <a:pPr eaLnBrk="1" hangingPunct="1">
+              <a:lnSpc>
+                <a:spcPct val="80000"/>
+              </a:lnSpc>
+              <a:spcBef>
+                <a:spcPct val="20000"/>
+              </a:spcBef>
+              <a:buFontTx/>
+              <a:buChar char="•"/>
+              <a:defRPr/>
+            </a:pPr>
+            <a:r>
+              <a:rPr lang="en-US" sz="2800" i="0" dirty="0" smtClean="0">
+                <a:solidFill>
+                  <a:schemeClr val="bg1"/>
+                </a:solidFill>
+                <a:cs typeface="Arial" charset="0"/>
+              </a:rPr>
+              <a:t>May move </a:t>
+            </a:r>
+            <a:r>
+              <a:rPr lang="en-US" sz="2800" i="0" dirty="0" smtClean="0">
+                <a:solidFill>
+                  <a:schemeClr val="bg1"/>
+                </a:solidFill>
+                <a:cs typeface="Arial" charset="0"/>
+              </a:rPr>
+              <a:t>all variables </a:t>
+            </a:r>
+            <a:r>
+              <a:rPr lang="en-US" sz="2800" i="0" dirty="0" smtClean="0">
+                <a:solidFill>
+                  <a:schemeClr val="bg1"/>
+                </a:solidFill>
+                <a:cs typeface="Arial" charset="0"/>
+              </a:rPr>
+              <a:t>to under this term, including:   </a:t>
+            </a:r>
+          </a:p>
+          <a:p>
+            <a:pPr lvl="1" eaLnBrk="1" hangingPunct="1">
+              <a:lnSpc>
+                <a:spcPct val="80000"/>
+              </a:lnSpc>
+              <a:spcBef>
+                <a:spcPct val="20000"/>
+              </a:spcBef>
+              <a:buFont typeface="Courier New" pitchFamily="49" charset="0"/>
+              <a:buChar char="o"/>
+              <a:defRPr/>
+            </a:pPr>
+            <a:r>
+              <a:rPr lang="en-US" sz="2000" i="0" dirty="0" smtClean="0">
+                <a:solidFill>
+                  <a:schemeClr val="bg1"/>
+                </a:solidFill>
+                <a:cs typeface="Arial" charset="0"/>
+              </a:rPr>
+              <a:t>Independent variable specification</a:t>
+            </a:r>
+          </a:p>
+          <a:p>
+            <a:pPr lvl="1" eaLnBrk="1" hangingPunct="1">
+              <a:lnSpc>
+                <a:spcPct val="80000"/>
+              </a:lnSpc>
+              <a:spcBef>
+                <a:spcPct val="20000"/>
+              </a:spcBef>
+              <a:buFont typeface="Courier New" pitchFamily="49" charset="0"/>
+              <a:buChar char="o"/>
+              <a:defRPr/>
+            </a:pPr>
+            <a:r>
+              <a:rPr lang="en-US" sz="2000" i="0" dirty="0" smtClean="0">
+                <a:solidFill>
+                  <a:schemeClr val="bg1"/>
+                </a:solidFill>
+                <a:cs typeface="Arial" charset="0"/>
+              </a:rPr>
+              <a:t>Dependent variable </a:t>
+            </a:r>
+            <a:r>
+              <a:rPr lang="en-US" sz="2000" i="0" dirty="0" smtClean="0">
+                <a:solidFill>
+                  <a:schemeClr val="bg1"/>
+                </a:solidFill>
+                <a:cs typeface="Arial" charset="0"/>
+              </a:rPr>
+              <a:t>specification</a:t>
+            </a:r>
+            <a:endParaRPr lang="en-US" sz="2800" i="0" dirty="0" smtClean="0">
+              <a:solidFill>
+                <a:schemeClr val="bg1"/>
+              </a:solidFill>
+              <a:cs typeface="Arial" charset="0"/>
             </a:endParaRPr>
           </a:p>
         </p:txBody>
       </p:sp>
       <p:pic>
         <p:nvPicPr>
-          <p:cNvPr id="1026" name="Picture 2"/>
+          <p:cNvPr id="3074" name="Picture 2"/>
           <p:cNvPicPr>
             <a:picLocks noChangeAspect="1" noChangeArrowheads="1"/>
           </p:cNvPicPr>
@@ -11748,8 +13130,8 @@
         </p:blipFill>
         <p:spPr bwMode="auto">
           <a:xfrm>
-            <a:off x="5562600" y="2057399"/>
-            <a:ext cx="3505200" cy="3358641"/>
+            <a:off x="5486400" y="2057400"/>
+            <a:ext cx="3261865" cy="3962400"/>
           </a:xfrm>
           <a:prstGeom prst="rect">
             <a:avLst/>
@@ -11781,309 +13163,78 @@
       </p:pic>
       <p:sp>
         <p:nvSpPr>
-          <p:cNvPr id="4" name="Rectangle 3"/>
-          <p:cNvSpPr txBox="1">
-            <a:spLocks noChangeArrowheads="1"/>
-          </p:cNvSpPr>
+          <p:cNvPr id="6" name="Oval 5"/>
+          <p:cNvSpPr/>
           <p:nvPr/>
         </p:nvSpPr>
         <p:spPr bwMode="auto">
           <a:xfrm>
-            <a:off x="304800" y="1752600"/>
-            <a:ext cx="5257800" cy="4495800"/>
+            <a:off x="5410200" y="4495800"/>
+            <a:ext cx="2294238" cy="300423"/>
           </a:xfrm>
-          <a:prstGeom prst="rect">
+          <a:prstGeom prst="ellipse">
             <a:avLst/>
           </a:prstGeom>
-          <a:noFill/>
+          <a:solidFill>
+            <a:srgbClr val="FF3300">
+              <a:alpha val="0"/>
+            </a:srgbClr>
+          </a:solidFill>
           <a:ln>
-            <a:noFill/>
+            <a:solidFill>
+              <a:srgbClr val="FF0000"/>
+            </a:solidFill>
+            <a:headEnd type="none" w="med" len="med"/>
+            <a:tailEnd type="none" w="med" len="med"/>
           </a:ln>
-          <a:extLst>
-            <a:ext uri="{909E8E84-426E-40DD-AFC4-6F175D3DCCD1}">
-              <a14:hiddenFill xmlns:a14="http://schemas.microsoft.com/office/drawing/2010/main">
-                <a:solidFill>
-                  <a:srgbClr val="FFFFFF"/>
-                </a:solidFill>
-              </a14:hiddenFill>
-            </a:ext>
-            <a:ext uri="{91240B29-F687-4F45-9708-019B960494DF}">
-              <a14:hiddenLine xmlns:a14="http://schemas.microsoft.com/office/drawing/2010/main" w="9525">
-                <a:solidFill>
-                  <a:srgbClr val="000000"/>
-                </a:solidFill>
-                <a:miter lim="800000"/>
-                <a:headEnd/>
-                <a:tailEnd/>
-              </a14:hiddenLine>
-            </a:ext>
-          </a:extLst>
-        </p:spPr>
+        </p:spPr>
+        <p:style>
+          <a:lnRef idx="2">
+            <a:schemeClr val="accent2"/>
+          </a:lnRef>
+          <a:fillRef idx="1">
+            <a:schemeClr val="lt1"/>
+          </a:fillRef>
+          <a:effectRef idx="0">
+            <a:schemeClr val="accent2"/>
+          </a:effectRef>
+          <a:fontRef idx="minor">
+            <a:schemeClr val="dk1"/>
+          </a:fontRef>
+        </p:style>
         <p:txBody>
-          <a:bodyPr/>
-          <a:lstStyle>
-            <a:lvl1pPr marL="342900" indent="-342900" eaLnBrk="0" hangingPunct="0">
-              <a:defRPr sz="2400" i="1">
-                <a:solidFill>
-                  <a:srgbClr val="FFCC00"/>
-                </a:solidFill>
-                <a:latin typeface="Arial" charset="0"/>
-              </a:defRPr>
-            </a:lvl1pPr>
-            <a:lvl2pPr marL="800100" indent="-342900" eaLnBrk="0" hangingPunct="0">
-              <a:defRPr sz="2400" i="1">
-                <a:solidFill>
-                  <a:srgbClr val="FFCC00"/>
-                </a:solidFill>
-                <a:latin typeface="Arial" charset="0"/>
-              </a:defRPr>
-            </a:lvl2pPr>
-            <a:lvl3pPr marL="1143000" indent="-228600" eaLnBrk="0" hangingPunct="0">
-              <a:defRPr sz="2400" i="1">
-                <a:solidFill>
-                  <a:srgbClr val="FFCC00"/>
-                </a:solidFill>
-                <a:latin typeface="Arial" charset="0"/>
-              </a:defRPr>
-            </a:lvl3pPr>
-            <a:lvl4pPr marL="1600200" indent="-228600" eaLnBrk="0" hangingPunct="0">
-              <a:defRPr sz="2400" i="1">
-                <a:solidFill>
-                  <a:srgbClr val="FFCC00"/>
-                </a:solidFill>
-                <a:latin typeface="Arial" charset="0"/>
-              </a:defRPr>
-            </a:lvl4pPr>
-            <a:lvl5pPr marL="2057400" indent="-228600" eaLnBrk="0" hangingPunct="0">
-              <a:defRPr sz="2400" i="1">
-                <a:solidFill>
-                  <a:srgbClr val="FFCC00"/>
-                </a:solidFill>
-                <a:latin typeface="Arial" charset="0"/>
-              </a:defRPr>
-            </a:lvl5pPr>
-            <a:lvl6pPr marL="2514600" indent="-228600" eaLnBrk="0" fontAlgn="base" hangingPunct="0">
+          <a:bodyPr vert="horz" wrap="square" lIns="91440" tIns="45720" rIns="91440" bIns="45720" numCol="1" rtlCol="0" anchor="t" anchorCtr="0" compatLnSpc="1">
+            <a:prstTxWarp prst="textNoShape">
+              <a:avLst/>
+            </a:prstTxWarp>
+          </a:bodyPr>
+          <a:lstStyle/>
+          <a:p>
+            <a:pPr marL="0" marR="0" indent="0" algn="l" defTabSz="914400" rtl="0" eaLnBrk="0" fontAlgn="base" latinLnBrk="0" hangingPunct="0">
+              <a:lnSpc>
+                <a:spcPct val="100000"/>
+              </a:lnSpc>
               <a:spcBef>
                 <a:spcPct val="0"/>
               </a:spcBef>
               <a:spcAft>
                 <a:spcPct val="0"/>
               </a:spcAft>
-              <a:defRPr sz="2400" i="1">
-                <a:solidFill>
-                  <a:srgbClr val="FFCC00"/>
-                </a:solidFill>
-                <a:latin typeface="Arial" charset="0"/>
-              </a:defRPr>
-            </a:lvl6pPr>
-            <a:lvl7pPr marL="2971800" indent="-228600" eaLnBrk="0" fontAlgn="base" hangingPunct="0">
-              <a:spcBef>
-                <a:spcPct val="0"/>
-              </a:spcBef>
-              <a:spcAft>
-                <a:spcPct val="0"/>
-              </a:spcAft>
-              <a:defRPr sz="2400" i="1">
-                <a:solidFill>
-                  <a:srgbClr val="FFCC00"/>
-                </a:solidFill>
-                <a:latin typeface="Arial" charset="0"/>
-              </a:defRPr>
-            </a:lvl7pPr>
-            <a:lvl8pPr marL="3429000" indent="-228600" eaLnBrk="0" fontAlgn="base" hangingPunct="0">
-              <a:spcBef>
-                <a:spcPct val="0"/>
-              </a:spcBef>
-              <a:spcAft>
-                <a:spcPct val="0"/>
-              </a:spcAft>
-              <a:defRPr sz="2400" i="1">
-                <a:solidFill>
-                  <a:srgbClr val="FFCC00"/>
-                </a:solidFill>
-                <a:latin typeface="Arial" charset="0"/>
-              </a:defRPr>
-            </a:lvl8pPr>
-            <a:lvl9pPr marL="3886200" indent="-228600" eaLnBrk="0" fontAlgn="base" hangingPunct="0">
-              <a:spcBef>
-                <a:spcPct val="0"/>
-              </a:spcBef>
-              <a:spcAft>
-                <a:spcPct val="0"/>
-              </a:spcAft>
-              <a:defRPr sz="2400" i="1">
-                <a:solidFill>
-                  <a:srgbClr val="FFCC00"/>
-                </a:solidFill>
-                <a:latin typeface="Arial" charset="0"/>
-              </a:defRPr>
-            </a:lvl9pPr>
-          </a:lstStyle>
-          <a:p>
-            <a:pPr eaLnBrk="1" hangingPunct="1">
-              <a:lnSpc>
-                <a:spcPct val="80000"/>
-              </a:lnSpc>
-              <a:spcBef>
-                <a:spcPct val="20000"/>
-              </a:spcBef>
+              <a:buClrTx/>
+              <a:buSzTx/>
               <a:buFontTx/>
-              <a:buChar char="•"/>
-              <a:defRPr/>
+              <a:buNone/>
+              <a:tabLst/>
             </a:pPr>
-            <a:r>
-              <a:rPr lang="en-US" sz="2800" i="0" dirty="0" err="1" smtClean="0">
-                <a:solidFill>
-                  <a:schemeClr val="bg1"/>
-                </a:solidFill>
-                <a:cs typeface="Arial" charset="0"/>
-              </a:rPr>
-              <a:t>Def</a:t>
-            </a:r>
-            <a:r>
-              <a:rPr lang="en-US" sz="2800" i="0" dirty="0">
-                <a:solidFill>
-                  <a:schemeClr val="bg1"/>
-                </a:solidFill>
-                <a:cs typeface="Arial" charset="0"/>
-              </a:rPr>
-              <a:t>: “</a:t>
-            </a:r>
-            <a:r>
-              <a:rPr lang="en-US" sz="2800" dirty="0">
-                <a:solidFill>
-                  <a:schemeClr val="bg1"/>
-                </a:solidFill>
-                <a:cs typeface="Arial" charset="0"/>
-              </a:rPr>
-              <a:t>a directive information entity that specifies a statistical variable whose value may change within the scope of a given problem or set of operations</a:t>
-            </a:r>
-            <a:r>
-              <a:rPr lang="en-US" sz="2800" i="0" dirty="0" smtClean="0">
-                <a:solidFill>
-                  <a:schemeClr val="bg1"/>
-                </a:solidFill>
-                <a:cs typeface="Arial" charset="0"/>
-              </a:rPr>
-              <a:t>”</a:t>
-            </a:r>
-          </a:p>
-          <a:p>
-            <a:pPr eaLnBrk="1" hangingPunct="1">
-              <a:lnSpc>
-                <a:spcPct val="80000"/>
-              </a:lnSpc>
-              <a:spcBef>
-                <a:spcPct val="20000"/>
-              </a:spcBef>
-              <a:buFontTx/>
-              <a:buChar char="•"/>
-              <a:defRPr/>
-            </a:pPr>
-            <a:endParaRPr lang="en-US" sz="2800" i="0" dirty="0">
+            <a:endParaRPr kumimoji="0" lang="en-US" sz="2400" b="0" i="1" u="none" strike="noStrike" cap="none" normalizeH="0" baseline="0" smtClean="0">
+              <a:ln>
+                <a:noFill/>
+              </a:ln>
               <a:solidFill>
-                <a:schemeClr val="bg1"/>
+                <a:srgbClr val="FF0000"/>
               </a:solidFill>
-              <a:cs typeface="Arial" charset="0"/>
-            </a:endParaRPr>
-          </a:p>
-          <a:p>
-            <a:pPr eaLnBrk="1" hangingPunct="1">
-              <a:lnSpc>
-                <a:spcPct val="80000"/>
-              </a:lnSpc>
-              <a:spcBef>
-                <a:spcPct val="20000"/>
-              </a:spcBef>
-              <a:buFontTx/>
-              <a:buChar char="•"/>
-              <a:defRPr/>
-            </a:pPr>
-            <a:r>
-              <a:rPr lang="en-US" sz="2800" i="0" dirty="0" smtClean="0">
-                <a:solidFill>
-                  <a:schemeClr val="bg1"/>
-                </a:solidFill>
-                <a:cs typeface="Arial" charset="0"/>
-              </a:rPr>
-              <a:t>May move several </a:t>
-            </a:r>
-            <a:r>
-              <a:rPr lang="en-US" sz="2800" i="0" dirty="0" smtClean="0">
-                <a:solidFill>
-                  <a:schemeClr val="bg1"/>
-                </a:solidFill>
-                <a:cs typeface="Arial" charset="0"/>
-              </a:rPr>
-              <a:t>variables to under this term, including: </a:t>
-            </a:r>
-            <a:r>
-              <a:rPr lang="en-US" sz="2800" i="0" dirty="0" smtClean="0">
-                <a:solidFill>
-                  <a:schemeClr val="bg1"/>
-                </a:solidFill>
-                <a:cs typeface="Arial" charset="0"/>
-              </a:rPr>
-              <a:t>  </a:t>
-            </a:r>
-          </a:p>
-          <a:p>
-            <a:pPr lvl="1" eaLnBrk="1" hangingPunct="1">
-              <a:lnSpc>
-                <a:spcPct val="80000"/>
-              </a:lnSpc>
-              <a:spcBef>
-                <a:spcPct val="20000"/>
-              </a:spcBef>
-              <a:buFont typeface="Courier New" pitchFamily="49" charset="0"/>
-              <a:buChar char="o"/>
-              <a:defRPr/>
-            </a:pPr>
-            <a:r>
-              <a:rPr lang="en-US" sz="2000" i="0" dirty="0" smtClean="0">
-                <a:solidFill>
-                  <a:schemeClr val="bg1"/>
-                </a:solidFill>
-                <a:cs typeface="Arial" charset="0"/>
-              </a:rPr>
-              <a:t>Independent variable specification</a:t>
-            </a:r>
-          </a:p>
-          <a:p>
-            <a:pPr lvl="1" eaLnBrk="1" hangingPunct="1">
-              <a:lnSpc>
-                <a:spcPct val="80000"/>
-              </a:lnSpc>
-              <a:spcBef>
-                <a:spcPct val="20000"/>
-              </a:spcBef>
-              <a:buFont typeface="Courier New" pitchFamily="49" charset="0"/>
-              <a:buChar char="o"/>
-              <a:defRPr/>
-            </a:pPr>
-            <a:r>
-              <a:rPr lang="en-US" sz="2000" i="0" dirty="0" smtClean="0">
-                <a:solidFill>
-                  <a:schemeClr val="bg1"/>
-                </a:solidFill>
-                <a:cs typeface="Arial" charset="0"/>
-              </a:rPr>
-              <a:t>Dependent variable </a:t>
-            </a:r>
-            <a:r>
-              <a:rPr lang="en-US" sz="2000" i="0" dirty="0" err="1" smtClean="0">
-                <a:solidFill>
-                  <a:schemeClr val="bg1"/>
-                </a:solidFill>
-                <a:cs typeface="Arial" charset="0"/>
-              </a:rPr>
-              <a:t>specfication</a:t>
-            </a:r>
-            <a:endParaRPr lang="en-US" sz="2800" i="0" dirty="0" smtClean="0">
-              <a:solidFill>
-                <a:schemeClr val="bg1"/>
-              </a:solidFill>
-              <a:cs typeface="Arial" charset="0"/>
+              <a:effectLst/>
+              <a:latin typeface="Arial" charset="0"/>
             </a:endParaRPr>
           </a:p>
         </p:txBody>
